--- a/dashboard-ui-design.pptx
+++ b/dashboard-ui-design.pptx
@@ -11,17 +11,18 @@
     <p:sldId id="466" r:id="rId5"/>
     <p:sldId id="455" r:id="rId6"/>
     <p:sldId id="458" r:id="rId7"/>
-    <p:sldId id="463" r:id="rId8"/>
-    <p:sldId id="468" r:id="rId9"/>
-    <p:sldId id="464" r:id="rId10"/>
-    <p:sldId id="452" r:id="rId11"/>
+    <p:sldId id="470" r:id="rId8"/>
+    <p:sldId id="452" r:id="rId9"/>
+    <p:sldId id="463" r:id="rId10"/>
+    <p:sldId id="464" r:id="rId11"/>
     <p:sldId id="462" r:id="rId12"/>
-    <p:sldId id="469" r:id="rId13"/>
-    <p:sldId id="448" r:id="rId14"/>
-    <p:sldId id="465" r:id="rId15"/>
-    <p:sldId id="467" r:id="rId16"/>
-    <p:sldId id="454" r:id="rId17"/>
-    <p:sldId id="453" r:id="rId18"/>
+    <p:sldId id="465" r:id="rId13"/>
+    <p:sldId id="467" r:id="rId14"/>
+    <p:sldId id="454" r:id="rId15"/>
+    <p:sldId id="453" r:id="rId16"/>
+    <p:sldId id="469" r:id="rId17"/>
+    <p:sldId id="448" r:id="rId18"/>
+    <p:sldId id="468" r:id="rId19"/>
   </p:sldIdLst>
   <p:sldSz cx="12192000" cy="6858000"/>
   <p:notesSz cx="6858000" cy="9144000"/>
@@ -120,6 +121,11 @@
       </a:defRPr>
     </a:lvl9pPr>
   </p:defaultTextStyle>
+  <p:extLst>
+    <p:ext uri="{EFAFB233-063F-42B5-8137-9DF3F51BA10A}">
+      <p15:sldGuideLst xmlns:p15="http://schemas.microsoft.com/office/powerpoint/2012/main"/>
+    </p:ext>
+  </p:extLst>
 </p:presentation>
 </file>
 
@@ -270,7 +276,7 @@
           <a:p>
             <a:fld id="{00992D05-8DD1-432E-AEA5-0306099D4F4C}" type="datetimeFigureOut">
               <a:rPr lang="en-US" smtClean="0"/>
-              <a:t>2/10/2023</a:t>
+              <a:t>5/4/2023</a:t>
             </a:fld>
             <a:endParaRPr lang="en-US"/>
           </a:p>
@@ -468,7 +474,7 @@
           <a:p>
             <a:fld id="{00992D05-8DD1-432E-AEA5-0306099D4F4C}" type="datetimeFigureOut">
               <a:rPr lang="en-US" smtClean="0"/>
-              <a:t>2/10/2023</a:t>
+              <a:t>5/4/2023</a:t>
             </a:fld>
             <a:endParaRPr lang="en-US"/>
           </a:p>
@@ -676,7 +682,7 @@
           <a:p>
             <a:fld id="{00992D05-8DD1-432E-AEA5-0306099D4F4C}" type="datetimeFigureOut">
               <a:rPr lang="en-US" smtClean="0"/>
-              <a:t>2/10/2023</a:t>
+              <a:t>5/4/2023</a:t>
             </a:fld>
             <a:endParaRPr lang="en-US"/>
           </a:p>
@@ -878,7 +884,7 @@
           <a:p>
             <a:fld id="{87E65EC5-4319-4714-8F25-EBD3D6806965}" type="datetime1">
               <a:rPr lang="en-US" smtClean="0"/>
-              <a:t>2/10/2023</a:t>
+              <a:t>5/4/2023</a:t>
             </a:fld>
             <a:endParaRPr lang="en-US"/>
           </a:p>
@@ -1046,7 +1052,7 @@
           <a:p>
             <a:fld id="{C3176882-2959-40AF-B34D-52FFFF8DDD88}" type="datetime1">
               <a:rPr lang="en-US" smtClean="0"/>
-              <a:t>2/10/2023</a:t>
+              <a:t>5/4/2023</a:t>
             </a:fld>
             <a:endParaRPr lang="en-US"/>
           </a:p>
@@ -1291,7 +1297,7 @@
           <a:p>
             <a:fld id="{7B82C6DA-22BE-47F7-BB33-DFAAF6CC7075}" type="datetime1">
               <a:rPr lang="en-US" smtClean="0"/>
-              <a:t>2/10/2023</a:t>
+              <a:t>5/4/2023</a:t>
             </a:fld>
             <a:endParaRPr lang="en-US"/>
           </a:p>
@@ -1520,7 +1526,7 @@
           <a:p>
             <a:fld id="{93A2ABA0-C9CA-4945-B401-F85B4DDF4D9C}" type="datetime1">
               <a:rPr lang="en-US" smtClean="0"/>
-              <a:t>2/10/2023</a:t>
+              <a:t>5/4/2023</a:t>
             </a:fld>
             <a:endParaRPr lang="en-US"/>
           </a:p>
@@ -1884,7 +1890,7 @@
           <a:p>
             <a:fld id="{8CDC9A07-61AF-4E6B-B9DA-FBF28A322BB3}" type="datetime1">
               <a:rPr lang="en-US" smtClean="0"/>
-              <a:t>2/10/2023</a:t>
+              <a:t>5/4/2023</a:t>
             </a:fld>
             <a:endParaRPr lang="en-US"/>
           </a:p>
@@ -2001,7 +2007,7 @@
           <a:p>
             <a:fld id="{A2291004-C814-46BC-9189-316550590816}" type="datetime1">
               <a:rPr lang="en-US" smtClean="0"/>
-              <a:t>2/10/2023</a:t>
+              <a:t>5/4/2023</a:t>
             </a:fld>
             <a:endParaRPr lang="en-US"/>
           </a:p>
@@ -2096,7 +2102,7 @@
           <a:p>
             <a:fld id="{A4CD3DE9-2097-4E59-89E0-5C2D3BCF4FBB}" type="datetime1">
               <a:rPr lang="en-US" smtClean="0"/>
-              <a:t>2/10/2023</a:t>
+              <a:t>5/4/2023</a:t>
             </a:fld>
             <a:endParaRPr lang="en-US"/>
           </a:p>
@@ -2371,7 +2377,7 @@
           <a:p>
             <a:fld id="{00B109A3-9C51-40BA-B43C-3F03D5EA04DA}" type="datetime1">
               <a:rPr lang="en-US" smtClean="0"/>
-              <a:t>2/10/2023</a:t>
+              <a:t>5/4/2023</a:t>
             </a:fld>
             <a:endParaRPr lang="en-US"/>
           </a:p>
@@ -2557,7 +2563,7 @@
           <a:p>
             <a:fld id="{00992D05-8DD1-432E-AEA5-0306099D4F4C}" type="datetimeFigureOut">
               <a:rPr lang="en-US" smtClean="0"/>
-              <a:t>2/10/2023</a:t>
+              <a:t>5/4/2023</a:t>
             </a:fld>
             <a:endParaRPr lang="en-US"/>
           </a:p>
@@ -2821,7 +2827,7 @@
           <a:p>
             <a:fld id="{16FDEC69-CF22-4747-A814-790C5F26BB5A}" type="datetime1">
               <a:rPr lang="en-US" smtClean="0"/>
-              <a:t>2/10/2023</a:t>
+              <a:t>5/4/2023</a:t>
             </a:fld>
             <a:endParaRPr lang="en-US"/>
           </a:p>
@@ -2989,7 +2995,7 @@
           <a:p>
             <a:fld id="{7B453FCB-E8A2-4CC9-A26A-5075D2B0A7F4}" type="datetime1">
               <a:rPr lang="en-US" smtClean="0"/>
-              <a:t>2/10/2023</a:t>
+              <a:t>5/4/2023</a:t>
             </a:fld>
             <a:endParaRPr lang="en-US"/>
           </a:p>
@@ -3167,7 +3173,7 @@
           <a:p>
             <a:fld id="{3D05B70F-F894-4371-A9CF-45063B37A819}" type="datetime1">
               <a:rPr lang="en-US" smtClean="0"/>
-              <a:t>2/10/2023</a:t>
+              <a:t>5/4/2023</a:t>
             </a:fld>
             <a:endParaRPr lang="en-US"/>
           </a:p>
@@ -3375,7 +3381,7 @@
           <a:p>
             <a:fld id="{2C184D62-E87B-4E78-8D51-A71AAF7EFE70}" type="datetime1">
               <a:rPr lang="en-US" smtClean="0"/>
-              <a:t>2/10/2023</a:t>
+              <a:t>5/4/2023</a:t>
             </a:fld>
             <a:endParaRPr lang="en-US"/>
           </a:p>
@@ -3573,7 +3579,7 @@
           <a:p>
             <a:fld id="{C656BC0E-6968-47DA-9DB9-D508F49A0C0D}" type="datetime1">
               <a:rPr lang="en-US" smtClean="0"/>
-              <a:t>2/10/2023</a:t>
+              <a:t>5/4/2023</a:t>
             </a:fld>
             <a:endParaRPr lang="en-US"/>
           </a:p>
@@ -3848,7 +3854,7 @@
           <a:p>
             <a:fld id="{2588A9C0-7A89-4285-8B2D-1E4FA1910F1E}" type="datetime1">
               <a:rPr lang="en-US" smtClean="0"/>
-              <a:t>2/10/2023</a:t>
+              <a:t>5/4/2023</a:t>
             </a:fld>
             <a:endParaRPr lang="en-US"/>
           </a:p>
@@ -4113,7 +4119,7 @@
           <a:p>
             <a:fld id="{DA5CC23E-F11C-48D9-AE55-0EF6324A9F73}" type="datetime1">
               <a:rPr lang="en-US" smtClean="0"/>
-              <a:t>2/10/2023</a:t>
+              <a:t>5/4/2023</a:t>
             </a:fld>
             <a:endParaRPr lang="en-US"/>
           </a:p>
@@ -4525,7 +4531,7 @@
           <a:p>
             <a:fld id="{E6454B23-E954-413E-A340-E1B67CB96215}" type="datetime1">
               <a:rPr lang="en-US" smtClean="0"/>
-              <a:t>2/10/2023</a:t>
+              <a:t>5/4/2023</a:t>
             </a:fld>
             <a:endParaRPr lang="en-US"/>
           </a:p>
@@ -4666,7 +4672,7 @@
           <a:p>
             <a:fld id="{98D01C05-EBE7-4848-9605-17FA64F26282}" type="datetime1">
               <a:rPr lang="en-US" smtClean="0"/>
-              <a:t>2/10/2023</a:t>
+              <a:t>5/4/2023</a:t>
             </a:fld>
             <a:endParaRPr lang="en-US"/>
           </a:p>
@@ -4779,7 +4785,7 @@
           <a:p>
             <a:fld id="{2DF4748F-0361-4B75-9FB6-0FD67B2CAA53}" type="datetime1">
               <a:rPr lang="en-US" smtClean="0"/>
-              <a:t>2/10/2023</a:t>
+              <a:t>5/4/2023</a:t>
             </a:fld>
             <a:endParaRPr lang="en-US"/>
           </a:p>
@@ -5054,7 +5060,7 @@
           <a:p>
             <a:fld id="{00992D05-8DD1-432E-AEA5-0306099D4F4C}" type="datetimeFigureOut">
               <a:rPr lang="en-US" smtClean="0"/>
-              <a:t>2/10/2023</a:t>
+              <a:t>5/4/2023</a:t>
             </a:fld>
             <a:endParaRPr lang="en-US"/>
           </a:p>
@@ -5365,7 +5371,7 @@
           <a:p>
             <a:fld id="{B719F1C2-23BD-4B0F-AE95-81945CE4C218}" type="datetime1">
               <a:rPr lang="en-US" smtClean="0"/>
-              <a:t>2/10/2023</a:t>
+              <a:t>5/4/2023</a:t>
             </a:fld>
             <a:endParaRPr lang="en-US"/>
           </a:p>
@@ -5653,7 +5659,7 @@
           <a:p>
             <a:fld id="{F43C9308-E77D-4F00-A0E0-E2C48A09AD1C}" type="datetime1">
               <a:rPr lang="en-US" smtClean="0"/>
-              <a:t>2/10/2023</a:t>
+              <a:t>5/4/2023</a:t>
             </a:fld>
             <a:endParaRPr lang="en-US"/>
           </a:p>
@@ -5851,7 +5857,7 @@
           <a:p>
             <a:fld id="{0BF6E970-6936-4886-BB3E-53EA998AF177}" type="datetime1">
               <a:rPr lang="en-US" smtClean="0"/>
-              <a:t>2/10/2023</a:t>
+              <a:t>5/4/2023</a:t>
             </a:fld>
             <a:endParaRPr lang="en-US"/>
           </a:p>
@@ -6059,7 +6065,7 @@
           <a:p>
             <a:fld id="{12FEA7D1-46F2-462B-AA03-0A881131FDBD}" type="datetime1">
               <a:rPr lang="en-US" smtClean="0"/>
-              <a:t>2/10/2023</a:t>
+              <a:t>5/4/2023</a:t>
             </a:fld>
             <a:endParaRPr lang="en-US"/>
           </a:p>
@@ -6324,7 +6330,7 @@
           <a:p>
             <a:fld id="{00992D05-8DD1-432E-AEA5-0306099D4F4C}" type="datetimeFigureOut">
               <a:rPr lang="en-US" smtClean="0"/>
-              <a:t>2/10/2023</a:t>
+              <a:t>5/4/2023</a:t>
             </a:fld>
             <a:endParaRPr lang="en-US"/>
           </a:p>
@@ -6736,7 +6742,7 @@
           <a:p>
             <a:fld id="{00992D05-8DD1-432E-AEA5-0306099D4F4C}" type="datetimeFigureOut">
               <a:rPr lang="en-US" smtClean="0"/>
-              <a:t>2/10/2023</a:t>
+              <a:t>5/4/2023</a:t>
             </a:fld>
             <a:endParaRPr lang="en-US"/>
           </a:p>
@@ -6877,7 +6883,7 @@
           <a:p>
             <a:fld id="{00992D05-8DD1-432E-AEA5-0306099D4F4C}" type="datetimeFigureOut">
               <a:rPr lang="en-US" smtClean="0"/>
-              <a:t>2/10/2023</a:t>
+              <a:t>5/4/2023</a:t>
             </a:fld>
             <a:endParaRPr lang="en-US"/>
           </a:p>
@@ -6990,7 +6996,7 @@
           <a:p>
             <a:fld id="{00992D05-8DD1-432E-AEA5-0306099D4F4C}" type="datetimeFigureOut">
               <a:rPr lang="en-US" smtClean="0"/>
-              <a:t>2/10/2023</a:t>
+              <a:t>5/4/2023</a:t>
             </a:fld>
             <a:endParaRPr lang="en-US"/>
           </a:p>
@@ -7301,7 +7307,7 @@
           <a:p>
             <a:fld id="{00992D05-8DD1-432E-AEA5-0306099D4F4C}" type="datetimeFigureOut">
               <a:rPr lang="en-US" smtClean="0"/>
-              <a:t>2/10/2023</a:t>
+              <a:t>5/4/2023</a:t>
             </a:fld>
             <a:endParaRPr lang="en-US"/>
           </a:p>
@@ -7589,7 +7595,7 @@
           <a:p>
             <a:fld id="{00992D05-8DD1-432E-AEA5-0306099D4F4C}" type="datetimeFigureOut">
               <a:rPr lang="en-US" smtClean="0"/>
-              <a:t>2/10/2023</a:t>
+              <a:t>5/4/2023</a:t>
             </a:fld>
             <a:endParaRPr lang="en-US"/>
           </a:p>
@@ -7830,7 +7836,7 @@
           <a:p>
             <a:fld id="{00992D05-8DD1-432E-AEA5-0306099D4F4C}" type="datetimeFigureOut">
               <a:rPr lang="en-US" smtClean="0"/>
-              <a:t>2/10/2023</a:t>
+              <a:t>5/4/2023</a:t>
             </a:fld>
             <a:endParaRPr lang="en-US"/>
           </a:p>
@@ -8380,7 +8386,7 @@
           <a:p>
             <a:fld id="{8F25D8B8-2FC2-42C7-9B48-C24F15CF1BCC}" type="datetime1">
               <a:rPr lang="en-US" smtClean="0"/>
-              <a:t>2/10/2023</a:t>
+              <a:t>5/4/2023</a:t>
             </a:fld>
             <a:endParaRPr lang="en-US"/>
           </a:p>
@@ -8939,7 +8945,7 @@
           <a:p>
             <a:fld id="{37598191-276C-495B-A44A-B9D8EBF2CD4E}" type="datetime1">
               <a:rPr lang="en-US" smtClean="0"/>
-              <a:t>2/10/2023</a:t>
+              <a:t>5/4/2023</a:t>
             </a:fld>
             <a:endParaRPr lang="en-US"/>
           </a:p>
@@ -9426,478 +9432,6 @@
 <file path=ppt/slides/slide10.xml><?xml version="1.0" encoding="utf-8"?>
 <p:sld xmlns:a="http://schemas.openxmlformats.org/drawingml/2006/main" xmlns:r="http://schemas.openxmlformats.org/officeDocument/2006/relationships" xmlns:p="http://schemas.openxmlformats.org/presentationml/2006/main">
   <p:cSld>
-    <p:spTree>
-      <p:nvGrpSpPr>
-        <p:cNvPr id="1" name=""/>
-        <p:cNvGrpSpPr/>
-        <p:nvPr/>
-      </p:nvGrpSpPr>
-      <p:grpSpPr>
-        <a:xfrm>
-          <a:off x="0" y="0"/>
-          <a:ext cx="0" cy="0"/>
-          <a:chOff x="0" y="0"/>
-          <a:chExt cx="0" cy="0"/>
-        </a:xfrm>
-      </p:grpSpPr>
-      <p:sp>
-        <p:nvSpPr>
-          <p:cNvPr id="2" name="Title 1">
-            <a:extLst>
-              <a:ext uri="{FF2B5EF4-FFF2-40B4-BE49-F238E27FC236}">
-                <a16:creationId xmlns:a16="http://schemas.microsoft.com/office/drawing/2014/main" id="{C5A34425-E392-8DA0-DCD7-7F8F0A30C9CF}"/>
-              </a:ext>
-            </a:extLst>
-          </p:cNvPr>
-          <p:cNvSpPr>
-            <a:spLocks noGrp="1"/>
-          </p:cNvSpPr>
-          <p:nvPr>
-            <p:ph type="title"/>
-          </p:nvPr>
-        </p:nvSpPr>
-        <p:spPr/>
-        <p:txBody>
-          <a:bodyPr/>
-          <a:lstStyle/>
-          <a:p>
-            <a:r>
-              <a:rPr lang="en-US" dirty="0"/>
-              <a:t>What to report?</a:t>
-            </a:r>
-          </a:p>
-        </p:txBody>
-      </p:sp>
-      <p:sp>
-        <p:nvSpPr>
-          <p:cNvPr id="3" name="Content Placeholder 2">
-            <a:extLst>
-              <a:ext uri="{FF2B5EF4-FFF2-40B4-BE49-F238E27FC236}">
-                <a16:creationId xmlns:a16="http://schemas.microsoft.com/office/drawing/2014/main" id="{92E73AEF-4419-AA88-AF70-C9C8D8F2E157}"/>
-              </a:ext>
-            </a:extLst>
-          </p:cNvPr>
-          <p:cNvSpPr>
-            <a:spLocks noGrp="1"/>
-          </p:cNvSpPr>
-          <p:nvPr>
-            <p:ph idx="1"/>
-          </p:nvPr>
-        </p:nvSpPr>
-        <p:spPr/>
-        <p:txBody>
-          <a:bodyPr>
-            <a:normAutofit fontScale="70000" lnSpcReduction="20000"/>
-          </a:bodyPr>
-          <a:lstStyle/>
-          <a:p>
-            <a:r>
-              <a:rPr lang="en-US" dirty="0"/>
-              <a:t>Predicted salary range for your org</a:t>
-            </a:r>
-          </a:p>
-          <a:p>
-            <a:pPr marL="0" indent="0">
-              <a:buNone/>
-            </a:pPr>
-            <a:endParaRPr lang="en-US" dirty="0"/>
-          </a:p>
-          <a:p>
-            <a:r>
-              <a:rPr lang="en-US" dirty="0"/>
-              <a:t>For small orgs: </a:t>
-            </a:r>
-          </a:p>
-          <a:p>
-            <a:pPr lvl="1"/>
-            <a:r>
-              <a:rPr lang="en-US" dirty="0"/>
-              <a:t>Proportion of CEOs in comparison set that are paid</a:t>
-            </a:r>
-          </a:p>
-          <a:p>
-            <a:pPr lvl="1"/>
-            <a:r>
-              <a:rPr lang="en-US" dirty="0"/>
-              <a:t>How are we measuring full-time equivalent? </a:t>
-            </a:r>
-          </a:p>
-          <a:p>
-            <a:pPr lvl="2"/>
-            <a:r>
-              <a:rPr lang="en-US" dirty="0"/>
-              <a:t>Distribution of hours reported for CEOs in size range</a:t>
-            </a:r>
-          </a:p>
-          <a:p>
-            <a:pPr lvl="2"/>
-            <a:r>
-              <a:rPr lang="en-US" dirty="0"/>
-              <a:t>Graph of total hours versus total pay, and adjusted FTE versions</a:t>
-            </a:r>
-          </a:p>
-          <a:p>
-            <a:r>
-              <a:rPr lang="en-US" dirty="0"/>
-              <a:t>Distributions and correlation plots: (highlight your org in red)</a:t>
-            </a:r>
-          </a:p>
-          <a:p>
-            <a:pPr lvl="1"/>
-            <a:r>
-              <a:rPr lang="en-US" dirty="0"/>
-              <a:t>Total assets: distribution of sample</a:t>
-            </a:r>
-          </a:p>
-          <a:p>
-            <a:pPr lvl="1"/>
-            <a:r>
-              <a:rPr lang="en-US" dirty="0"/>
-              <a:t>Gross receipts: distribution of sample</a:t>
-            </a:r>
-          </a:p>
-          <a:p>
-            <a:pPr lvl="1"/>
-            <a:r>
-              <a:rPr lang="en-US" dirty="0"/>
-              <a:t>Number of employees / volunteers per org? </a:t>
-            </a:r>
-          </a:p>
-          <a:p>
-            <a:pPr lvl="2"/>
-            <a:r>
-              <a:rPr lang="en-US" dirty="0"/>
-              <a:t>Impute, or only visualize those with data? </a:t>
-            </a:r>
-          </a:p>
-          <a:p>
-            <a:r>
-              <a:rPr lang="en-US" dirty="0"/>
-              <a:t>Pivots?</a:t>
-            </a:r>
-          </a:p>
-          <a:p>
-            <a:pPr lvl="1"/>
-            <a:r>
-              <a:rPr lang="en-US" dirty="0"/>
-              <a:t>University/hospital</a:t>
-            </a:r>
-          </a:p>
-          <a:p>
-            <a:pPr lvl="1"/>
-            <a:r>
-              <a:rPr lang="en-US" dirty="0"/>
-              <a:t>State / Zip / Location type</a:t>
-            </a:r>
-          </a:p>
-          <a:p>
-            <a:pPr lvl="1"/>
-            <a:r>
-              <a:rPr lang="en-US" dirty="0"/>
-              <a:t>Year of filing? </a:t>
-            </a:r>
-          </a:p>
-        </p:txBody>
-      </p:sp>
-      <p:sp>
-        <p:nvSpPr>
-          <p:cNvPr id="4" name="Slide Number Placeholder 3">
-            <a:extLst>
-              <a:ext uri="{FF2B5EF4-FFF2-40B4-BE49-F238E27FC236}">
-                <a16:creationId xmlns:a16="http://schemas.microsoft.com/office/drawing/2014/main" id="{C20F5D95-FC86-FF0E-5EA4-F0C15E93A299}"/>
-              </a:ext>
-            </a:extLst>
-          </p:cNvPr>
-          <p:cNvSpPr>
-            <a:spLocks noGrp="1"/>
-          </p:cNvSpPr>
-          <p:nvPr>
-            <p:ph type="sldNum" sz="quarter" idx="12"/>
-          </p:nvPr>
-        </p:nvSpPr>
-        <p:spPr/>
-        <p:txBody>
-          <a:bodyPr/>
-          <a:lstStyle/>
-          <a:p>
-            <a:fld id="{6A8A6847-FF54-4997-9E64-663FA8B5A75E}" type="slidenum">
-              <a:rPr lang="en-US" smtClean="0"/>
-              <a:t>10</a:t>
-            </a:fld>
-            <a:endParaRPr lang="en-US"/>
-          </a:p>
-        </p:txBody>
-      </p:sp>
-    </p:spTree>
-    <p:extLst>
-      <p:ext uri="{BB962C8B-B14F-4D97-AF65-F5344CB8AC3E}">
-        <p14:creationId xmlns:p14="http://schemas.microsoft.com/office/powerpoint/2010/main" val="442170640"/>
-      </p:ext>
-    </p:extLst>
-  </p:cSld>
-  <p:clrMapOvr>
-    <a:masterClrMapping/>
-  </p:clrMapOvr>
-</p:sld>
-</file>
-
-<file path=ppt/slides/slide11.xml><?xml version="1.0" encoding="utf-8"?>
-<p:sld xmlns:a="http://schemas.openxmlformats.org/drawingml/2006/main" xmlns:r="http://schemas.openxmlformats.org/officeDocument/2006/relationships" xmlns:p="http://schemas.openxmlformats.org/presentationml/2006/main">
-  <p:cSld>
-    <p:bg>
-      <p:bgPr>
-        <a:solidFill>
-          <a:schemeClr val="bg1">
-            <a:lumMod val="95000"/>
-          </a:schemeClr>
-        </a:solidFill>
-        <a:effectLst/>
-      </p:bgPr>
-    </p:bg>
-    <p:spTree>
-      <p:nvGrpSpPr>
-        <p:cNvPr id="1" name=""/>
-        <p:cNvGrpSpPr/>
-        <p:nvPr/>
-      </p:nvGrpSpPr>
-      <p:grpSpPr>
-        <a:xfrm>
-          <a:off x="0" y="0"/>
-          <a:ext cx="0" cy="0"/>
-          <a:chOff x="0" y="0"/>
-          <a:chExt cx="0" cy="0"/>
-        </a:xfrm>
-      </p:grpSpPr>
-      <p:sp>
-        <p:nvSpPr>
-          <p:cNvPr id="2" name="Slide Number Placeholder 1">
-            <a:extLst>
-              <a:ext uri="{FF2B5EF4-FFF2-40B4-BE49-F238E27FC236}">
-                <a16:creationId xmlns:a16="http://schemas.microsoft.com/office/drawing/2014/main" id="{6A051CE2-06D5-99B0-75A0-BD9683714950}"/>
-              </a:ext>
-            </a:extLst>
-          </p:cNvPr>
-          <p:cNvSpPr>
-            <a:spLocks noGrp="1"/>
-          </p:cNvSpPr>
-          <p:nvPr>
-            <p:ph type="sldNum" sz="quarter" idx="12"/>
-          </p:nvPr>
-        </p:nvSpPr>
-        <p:spPr/>
-        <p:txBody>
-          <a:bodyPr/>
-          <a:lstStyle/>
-          <a:p>
-            <a:pPr marL="0" marR="0" lvl="0" indent="0" algn="r" defTabSz="914400" rtl="0" eaLnBrk="1" fontAlgn="auto" latinLnBrk="0" hangingPunct="1">
-              <a:lnSpc>
-                <a:spcPct val="100000"/>
-              </a:lnSpc>
-              <a:spcBef>
-                <a:spcPts val="0"/>
-              </a:spcBef>
-              <a:spcAft>
-                <a:spcPts val="0"/>
-              </a:spcAft>
-              <a:buClrTx/>
-              <a:buSzTx/>
-              <a:buFontTx/>
-              <a:buNone/>
-              <a:tabLst/>
-              <a:defRPr/>
-            </a:pPr>
-            <a:fld id="{0FDD4DA2-4FBE-4694-B57B-F9990517B432}" type="slidenum">
-              <a:rPr kumimoji="0" lang="en-US" sz="1200" b="0" i="0" u="none" strike="noStrike" kern="1200" cap="none" spc="0" normalizeH="0" baseline="0" noProof="0" smtClean="0">
-                <a:ln>
-                  <a:noFill/>
-                </a:ln>
-                <a:solidFill>
-                  <a:prstClr val="black">
-                    <a:tint val="75000"/>
-                  </a:prstClr>
-                </a:solidFill>
-                <a:effectLst/>
-                <a:uLnTx/>
-                <a:uFillTx/>
-                <a:latin typeface="Calibri" panose="020F0502020204030204"/>
-                <a:ea typeface="+mn-ea"/>
-                <a:cs typeface="+mn-cs"/>
-              </a:rPr>
-              <a:pPr marL="0" marR="0" lvl="0" indent="0" algn="r" defTabSz="914400" rtl="0" eaLnBrk="1" fontAlgn="auto" latinLnBrk="0" hangingPunct="1">
-                <a:lnSpc>
-                  <a:spcPct val="100000"/>
-                </a:lnSpc>
-                <a:spcBef>
-                  <a:spcPts val="0"/>
-                </a:spcBef>
-                <a:spcAft>
-                  <a:spcPts val="0"/>
-                </a:spcAft>
-                <a:buClrTx/>
-                <a:buSzTx/>
-                <a:buFontTx/>
-                <a:buNone/>
-                <a:tabLst/>
-                <a:defRPr/>
-              </a:pPr>
-              <a:t>11</a:t>
-            </a:fld>
-            <a:endParaRPr kumimoji="0" lang="en-US" sz="1200" b="0" i="0" u="none" strike="noStrike" kern="1200" cap="none" spc="0" normalizeH="0" baseline="0" noProof="0">
-              <a:ln>
-                <a:noFill/>
-              </a:ln>
-              <a:solidFill>
-                <a:prstClr val="black">
-                  <a:tint val="75000"/>
-                </a:prstClr>
-              </a:solidFill>
-              <a:effectLst/>
-              <a:uLnTx/>
-              <a:uFillTx/>
-              <a:latin typeface="Calibri" panose="020F0502020204030204"/>
-              <a:ea typeface="+mn-ea"/>
-              <a:cs typeface="+mn-cs"/>
-            </a:endParaRPr>
-          </a:p>
-        </p:txBody>
-      </p:sp>
-      <p:pic>
-        <p:nvPicPr>
-          <p:cNvPr id="1026" name="Picture 2">
-            <a:extLst>
-              <a:ext uri="{FF2B5EF4-FFF2-40B4-BE49-F238E27FC236}">
-                <a16:creationId xmlns:a16="http://schemas.microsoft.com/office/drawing/2014/main" id="{F81C3AC2-0142-BD39-5243-BC56E76D2794}"/>
-              </a:ext>
-            </a:extLst>
-          </p:cNvPr>
-          <p:cNvPicPr>
-            <a:picLocks noChangeAspect="1" noChangeArrowheads="1"/>
-          </p:cNvPicPr>
-          <p:nvPr/>
-        </p:nvPicPr>
-        <p:blipFill>
-          <a:blip r:embed="rId2">
-            <a:extLst>
-              <a:ext uri="{28A0092B-C50C-407E-A947-70E740481C1C}">
-                <a14:useLocalDpi xmlns:a14="http://schemas.microsoft.com/office/drawing/2010/main" val="0"/>
-              </a:ext>
-            </a:extLst>
-          </a:blip>
-          <a:srcRect/>
-          <a:stretch>
-            <a:fillRect/>
-          </a:stretch>
-        </p:blipFill>
-        <p:spPr bwMode="auto">
-          <a:xfrm rot="5400000">
-            <a:off x="6378158" y="1052413"/>
-            <a:ext cx="6782815" cy="4844868"/>
-          </a:xfrm>
-          <a:prstGeom prst="rect">
-            <a:avLst/>
-          </a:prstGeom>
-          <a:noFill/>
-          <a:extLst>
-            <a:ext uri="{909E8E84-426E-40DD-AFC4-6F175D3DCCD1}">
-              <a14:hiddenFill xmlns:a14="http://schemas.microsoft.com/office/drawing/2010/main">
-                <a:solidFill>
-                  <a:srgbClr val="FFFFFF"/>
-                </a:solidFill>
-              </a14:hiddenFill>
-            </a:ext>
-          </a:extLst>
-        </p:spPr>
-      </p:pic>
-      <p:pic>
-        <p:nvPicPr>
-          <p:cNvPr id="1115" name="Picture 1114">
-            <a:extLst>
-              <a:ext uri="{FF2B5EF4-FFF2-40B4-BE49-F238E27FC236}">
-                <a16:creationId xmlns:a16="http://schemas.microsoft.com/office/drawing/2014/main" id="{0153C4D2-6779-AA2B-397F-1AD13267BF54}"/>
-              </a:ext>
-            </a:extLst>
-          </p:cNvPr>
-          <p:cNvPicPr>
-            <a:picLocks noChangeAspect="1"/>
-          </p:cNvPicPr>
-          <p:nvPr/>
-        </p:nvPicPr>
-        <p:blipFill>
-          <a:blip r:embed="rId3"/>
-          <a:stretch>
-            <a:fillRect/>
-          </a:stretch>
-        </p:blipFill>
-        <p:spPr>
-          <a:xfrm>
-            <a:off x="184991" y="1198880"/>
-            <a:ext cx="6967903" cy="4740910"/>
-          </a:xfrm>
-          <a:prstGeom prst="rect">
-            <a:avLst/>
-          </a:prstGeom>
-        </p:spPr>
-      </p:pic>
-      <p:cxnSp>
-        <p:nvCxnSpPr>
-          <p:cNvPr id="1117" name="Straight Arrow Connector 1116">
-            <a:extLst>
-              <a:ext uri="{FF2B5EF4-FFF2-40B4-BE49-F238E27FC236}">
-                <a16:creationId xmlns:a16="http://schemas.microsoft.com/office/drawing/2014/main" id="{DF686898-AE95-30E4-47C4-8CE2955D6F09}"/>
-              </a:ext>
-            </a:extLst>
-          </p:cNvPr>
-          <p:cNvCxnSpPr>
-            <a:cxnSpLocks/>
-          </p:cNvCxnSpPr>
-          <p:nvPr/>
-        </p:nvCxnSpPr>
-        <p:spPr>
-          <a:xfrm flipV="1">
-            <a:off x="426720" y="320040"/>
-            <a:ext cx="4846320" cy="1757680"/>
-          </a:xfrm>
-          <a:prstGeom prst="straightConnector1">
-            <a:avLst/>
-          </a:prstGeom>
-          <a:ln w="15875">
-            <a:solidFill>
-              <a:srgbClr val="C00000"/>
-            </a:solidFill>
-            <a:tailEnd type="triangle" w="lg" len="lg"/>
-          </a:ln>
-        </p:spPr>
-        <p:style>
-          <a:lnRef idx="1">
-            <a:schemeClr val="accent1"/>
-          </a:lnRef>
-          <a:fillRef idx="0">
-            <a:schemeClr val="accent1"/>
-          </a:fillRef>
-          <a:effectRef idx="0">
-            <a:schemeClr val="accent1"/>
-          </a:effectRef>
-          <a:fontRef idx="minor">
-            <a:schemeClr val="tx1"/>
-          </a:fontRef>
-        </p:style>
-      </p:cxnSp>
-    </p:spTree>
-    <p:extLst>
-      <p:ext uri="{BB962C8B-B14F-4D97-AF65-F5344CB8AC3E}">
-        <p14:creationId xmlns:p14="http://schemas.microsoft.com/office/powerpoint/2010/main" val="3756626358"/>
-      </p:ext>
-    </p:extLst>
-  </p:cSld>
-  <p:clrMapOvr>
-    <a:masterClrMapping/>
-  </p:clrMapOvr>
-</p:sld>
-</file>
-
-<file path=ppt/slides/slide12.xml><?xml version="1.0" encoding="utf-8"?>
-<p:sld xmlns:a="http://schemas.openxmlformats.org/drawingml/2006/main" xmlns:r="http://schemas.openxmlformats.org/officeDocument/2006/relationships" xmlns:p="http://schemas.openxmlformats.org/presentationml/2006/main">
-  <p:cSld>
     <p:bg>
       <p:bgPr>
         <a:solidFill>
@@ -9988,6 +9522,327 @@
             <a:extLst>
               <a:ext uri="{FF2B5EF4-FFF2-40B4-BE49-F238E27FC236}">
                 <a16:creationId xmlns:a16="http://schemas.microsoft.com/office/drawing/2014/main" id="{22802457-4DA9-42D6-913D-EFB130917A6B}"/>
+              </a:ext>
+            </a:extLst>
+          </p:cNvPr>
+          <p:cNvSpPr>
+            <a:spLocks noGrp="1"/>
+          </p:cNvSpPr>
+          <p:nvPr>
+            <p:ph type="sldNum" sz="quarter" idx="12"/>
+          </p:nvPr>
+        </p:nvSpPr>
+        <p:spPr/>
+        <p:txBody>
+          <a:bodyPr/>
+          <a:lstStyle/>
+          <a:p>
+            <a:pPr marL="0" marR="0" lvl="0" indent="0" algn="r" defTabSz="914400" rtl="0" eaLnBrk="1" fontAlgn="auto" latinLnBrk="0" hangingPunct="1">
+              <a:lnSpc>
+                <a:spcPct val="100000"/>
+              </a:lnSpc>
+              <a:spcBef>
+                <a:spcPts val="0"/>
+              </a:spcBef>
+              <a:spcAft>
+                <a:spcPts val="0"/>
+              </a:spcAft>
+              <a:buClrTx/>
+              <a:buSzTx/>
+              <a:buFontTx/>
+              <a:buNone/>
+              <a:tabLst/>
+              <a:defRPr/>
+            </a:pPr>
+            <a:fld id="{6A8A6847-FF54-4997-9E64-663FA8B5A75E}" type="slidenum">
+              <a:rPr kumimoji="0" lang="en-US" sz="1200" b="0" i="0" u="none" strike="noStrike" kern="1200" cap="none" spc="0" normalizeH="0" baseline="0" noProof="0" smtClean="0">
+                <a:ln>
+                  <a:noFill/>
+                </a:ln>
+                <a:solidFill>
+                  <a:prstClr val="black">
+                    <a:tint val="75000"/>
+                  </a:prstClr>
+                </a:solidFill>
+                <a:effectLst/>
+                <a:uLnTx/>
+                <a:uFillTx/>
+                <a:latin typeface="Calibri"/>
+                <a:ea typeface="+mn-ea"/>
+                <a:cs typeface="+mn-cs"/>
+              </a:rPr>
+              <a:pPr marL="0" marR="0" lvl="0" indent="0" algn="r" defTabSz="914400" rtl="0" eaLnBrk="1" fontAlgn="auto" latinLnBrk="0" hangingPunct="1">
+                <a:lnSpc>
+                  <a:spcPct val="100000"/>
+                </a:lnSpc>
+                <a:spcBef>
+                  <a:spcPts val="0"/>
+                </a:spcBef>
+                <a:spcAft>
+                  <a:spcPts val="0"/>
+                </a:spcAft>
+                <a:buClrTx/>
+                <a:buSzTx/>
+                <a:buFontTx/>
+                <a:buNone/>
+                <a:tabLst/>
+                <a:defRPr/>
+              </a:pPr>
+              <a:t>10</a:t>
+            </a:fld>
+            <a:endParaRPr kumimoji="0" lang="en-US" sz="1200" b="0" i="0" u="none" strike="noStrike" kern="1200" cap="none" spc="0" normalizeH="0" baseline="0" noProof="0">
+              <a:ln>
+                <a:noFill/>
+              </a:ln>
+              <a:solidFill>
+                <a:prstClr val="black">
+                  <a:tint val="75000"/>
+                </a:prstClr>
+              </a:solidFill>
+              <a:effectLst/>
+              <a:uLnTx/>
+              <a:uFillTx/>
+              <a:latin typeface="Calibri"/>
+              <a:ea typeface="+mn-ea"/>
+              <a:cs typeface="+mn-cs"/>
+            </a:endParaRPr>
+          </a:p>
+        </p:txBody>
+      </p:sp>
+    </p:spTree>
+    <p:extLst>
+      <p:ext uri="{BB962C8B-B14F-4D97-AF65-F5344CB8AC3E}">
+        <p14:creationId xmlns:p14="http://schemas.microsoft.com/office/powerpoint/2010/main" val="174796467"/>
+      </p:ext>
+    </p:extLst>
+  </p:cSld>
+  <p:clrMapOvr>
+    <a:masterClrMapping/>
+  </p:clrMapOvr>
+</p:sld>
+</file>
+
+<file path=ppt/slides/slide11.xml><?xml version="1.0" encoding="utf-8"?>
+<p:sld xmlns:a="http://schemas.openxmlformats.org/drawingml/2006/main" xmlns:r="http://schemas.openxmlformats.org/officeDocument/2006/relationships" xmlns:p="http://schemas.openxmlformats.org/presentationml/2006/main">
+  <p:cSld>
+    <p:spTree>
+      <p:nvGrpSpPr>
+        <p:cNvPr id="1" name=""/>
+        <p:cNvGrpSpPr/>
+        <p:nvPr/>
+      </p:nvGrpSpPr>
+      <p:grpSpPr>
+        <a:xfrm>
+          <a:off x="0" y="0"/>
+          <a:ext cx="0" cy="0"/>
+          <a:chOff x="0" y="0"/>
+          <a:chExt cx="0" cy="0"/>
+        </a:xfrm>
+      </p:grpSpPr>
+      <p:sp>
+        <p:nvSpPr>
+          <p:cNvPr id="2" name="Title 1">
+            <a:extLst>
+              <a:ext uri="{FF2B5EF4-FFF2-40B4-BE49-F238E27FC236}">
+                <a16:creationId xmlns:a16="http://schemas.microsoft.com/office/drawing/2014/main" id="{62819A27-77FD-BDD6-4FA9-FB4D4AEFAB48}"/>
+              </a:ext>
+            </a:extLst>
+          </p:cNvPr>
+          <p:cNvSpPr>
+            <a:spLocks noGrp="1"/>
+          </p:cNvSpPr>
+          <p:nvPr>
+            <p:ph type="title"/>
+          </p:nvPr>
+        </p:nvSpPr>
+        <p:spPr/>
+        <p:txBody>
+          <a:bodyPr/>
+          <a:lstStyle/>
+          <a:p>
+            <a:r>
+              <a:rPr lang="en-US" dirty="0"/>
+              <a:t>Tabs within about section</a:t>
+            </a:r>
+          </a:p>
+        </p:txBody>
+      </p:sp>
+      <p:sp>
+        <p:nvSpPr>
+          <p:cNvPr id="3" name="Content Placeholder 2">
+            <a:extLst>
+              <a:ext uri="{FF2B5EF4-FFF2-40B4-BE49-F238E27FC236}">
+                <a16:creationId xmlns:a16="http://schemas.microsoft.com/office/drawing/2014/main" id="{5147F9BB-9F2F-8A71-6BC3-39C08EC76437}"/>
+              </a:ext>
+            </a:extLst>
+          </p:cNvPr>
+          <p:cNvSpPr>
+            <a:spLocks noGrp="1"/>
+          </p:cNvSpPr>
+          <p:nvPr>
+            <p:ph idx="1"/>
+          </p:nvPr>
+        </p:nvSpPr>
+        <p:spPr/>
+        <p:txBody>
+          <a:bodyPr>
+            <a:normAutofit lnSpcReduction="10000"/>
+          </a:bodyPr>
+          <a:lstStyle/>
+          <a:p>
+            <a:r>
+              <a:rPr lang="en-US" dirty="0"/>
+              <a:t>Data sources</a:t>
+            </a:r>
+          </a:p>
+          <a:p>
+            <a:pPr lvl="1"/>
+            <a:r>
+              <a:rPr lang="en-US" dirty="0"/>
+              <a:t>Raw </a:t>
+            </a:r>
+            <a:r>
+              <a:rPr lang="en-US" dirty="0" err="1"/>
+              <a:t>Efile</a:t>
+            </a:r>
+            <a:r>
+              <a:rPr lang="en-US" dirty="0"/>
+              <a:t> </a:t>
+            </a:r>
+            <a:r>
+              <a:rPr lang="en-US" dirty="0">
+                <a:sym typeface="Wingdings" panose="05000000000000000000" pitchFamily="2" charset="2"/>
+              </a:rPr>
+              <a:t> processing</a:t>
+            </a:r>
+            <a:endParaRPr lang="en-US" dirty="0"/>
+          </a:p>
+          <a:p>
+            <a:pPr lvl="1"/>
+            <a:r>
+              <a:rPr lang="en-US" dirty="0"/>
+              <a:t>Taxonomy generation </a:t>
+            </a:r>
+          </a:p>
+          <a:p>
+            <a:pPr lvl="1"/>
+            <a:r>
+              <a:rPr lang="en-US" dirty="0"/>
+              <a:t>Sample included in the tool</a:t>
+            </a:r>
+          </a:p>
+          <a:p>
+            <a:pPr lvl="2"/>
+            <a:r>
+              <a:rPr lang="en-US" dirty="0"/>
+              <a:t>Size limits (censoring)</a:t>
+            </a:r>
+          </a:p>
+          <a:p>
+            <a:pPr lvl="2"/>
+            <a:r>
+              <a:rPr lang="en-US" dirty="0"/>
+              <a:t>Drop transitions</a:t>
+            </a:r>
+          </a:p>
+          <a:p>
+            <a:pPr lvl="2"/>
+            <a:r>
+              <a:rPr lang="en-US" dirty="0"/>
+              <a:t>Most recent non-transition year (inflation adjusted)</a:t>
+            </a:r>
+          </a:p>
+          <a:p>
+            <a:r>
+              <a:rPr lang="en-US" dirty="0"/>
+              <a:t>Mission codes</a:t>
+            </a:r>
+          </a:p>
+          <a:p>
+            <a:r>
+              <a:rPr lang="en-US" dirty="0"/>
+              <a:t>Geographic distances</a:t>
+            </a:r>
+          </a:p>
+          <a:p>
+            <a:r>
+              <a:rPr lang="en-US" dirty="0"/>
+              <a:t>Size differences</a:t>
+            </a:r>
+          </a:p>
+          <a:p>
+            <a:r>
+              <a:rPr lang="en-US" dirty="0"/>
+              <a:t>Total distance metrics</a:t>
+            </a:r>
+          </a:p>
+        </p:txBody>
+      </p:sp>
+      <p:sp>
+        <p:nvSpPr>
+          <p:cNvPr id="4" name="Slide Number Placeholder 3">
+            <a:extLst>
+              <a:ext uri="{FF2B5EF4-FFF2-40B4-BE49-F238E27FC236}">
+                <a16:creationId xmlns:a16="http://schemas.microsoft.com/office/drawing/2014/main" id="{4E9928CE-05C5-989F-7DAA-614A422256B7}"/>
+              </a:ext>
+            </a:extLst>
+          </p:cNvPr>
+          <p:cNvSpPr>
+            <a:spLocks noGrp="1"/>
+          </p:cNvSpPr>
+          <p:nvPr>
+            <p:ph type="sldNum" sz="quarter" idx="12"/>
+          </p:nvPr>
+        </p:nvSpPr>
+        <p:spPr/>
+        <p:txBody>
+          <a:bodyPr/>
+          <a:lstStyle/>
+          <a:p>
+            <a:fld id="{6A8A6847-FF54-4997-9E64-663FA8B5A75E}" type="slidenum">
+              <a:rPr lang="en-US" smtClean="0"/>
+              <a:t>11</a:t>
+            </a:fld>
+            <a:endParaRPr lang="en-US"/>
+          </a:p>
+        </p:txBody>
+      </p:sp>
+    </p:spTree>
+    <p:extLst>
+      <p:ext uri="{BB962C8B-B14F-4D97-AF65-F5344CB8AC3E}">
+        <p14:creationId xmlns:p14="http://schemas.microsoft.com/office/powerpoint/2010/main" val="3586174283"/>
+      </p:ext>
+    </p:extLst>
+  </p:cSld>
+  <p:clrMapOvr>
+    <a:masterClrMapping/>
+  </p:clrMapOvr>
+</p:sld>
+</file>
+
+<file path=ppt/slides/slide12.xml><?xml version="1.0" encoding="utf-8"?>
+<p:sld xmlns:a="http://schemas.openxmlformats.org/drawingml/2006/main" xmlns:r="http://schemas.openxmlformats.org/officeDocument/2006/relationships" xmlns:p="http://schemas.openxmlformats.org/presentationml/2006/main">
+  <p:cSld>
+    <p:spTree>
+      <p:nvGrpSpPr>
+        <p:cNvPr id="1" name=""/>
+        <p:cNvGrpSpPr/>
+        <p:nvPr/>
+      </p:nvGrpSpPr>
+      <p:grpSpPr>
+        <a:xfrm>
+          <a:off x="0" y="0"/>
+          <a:ext cx="0" cy="0"/>
+          <a:chOff x="0" y="0"/>
+          <a:chExt cx="0" cy="0"/>
+        </a:xfrm>
+      </p:grpSpPr>
+      <p:sp>
+        <p:nvSpPr>
+          <p:cNvPr id="2" name="Slide Number Placeholder 1">
+            <a:extLst>
+              <a:ext uri="{FF2B5EF4-FFF2-40B4-BE49-F238E27FC236}">
+                <a16:creationId xmlns:a16="http://schemas.microsoft.com/office/drawing/2014/main" id="{DCD0F08F-5A68-5C4F-043C-B9F316974447}"/>
               </a:ext>
             </a:extLst>
           </p:cNvPr>
@@ -10055,327 +9910,6 @@
                 <a:defRPr/>
               </a:pPr>
               <a:t>12</a:t>
-            </a:fld>
-            <a:endParaRPr kumimoji="0" lang="en-US" sz="1200" b="0" i="0" u="none" strike="noStrike" kern="1200" cap="none" spc="0" normalizeH="0" baseline="0" noProof="0">
-              <a:ln>
-                <a:noFill/>
-              </a:ln>
-              <a:solidFill>
-                <a:prstClr val="black">
-                  <a:tint val="75000"/>
-                </a:prstClr>
-              </a:solidFill>
-              <a:effectLst/>
-              <a:uLnTx/>
-              <a:uFillTx/>
-              <a:latin typeface="Calibri"/>
-              <a:ea typeface="+mn-ea"/>
-              <a:cs typeface="+mn-cs"/>
-            </a:endParaRPr>
-          </a:p>
-        </p:txBody>
-      </p:sp>
-    </p:spTree>
-    <p:extLst>
-      <p:ext uri="{BB962C8B-B14F-4D97-AF65-F5344CB8AC3E}">
-        <p14:creationId xmlns:p14="http://schemas.microsoft.com/office/powerpoint/2010/main" val="174796467"/>
-      </p:ext>
-    </p:extLst>
-  </p:cSld>
-  <p:clrMapOvr>
-    <a:masterClrMapping/>
-  </p:clrMapOvr>
-</p:sld>
-</file>
-
-<file path=ppt/slides/slide13.xml><?xml version="1.0" encoding="utf-8"?>
-<p:sld xmlns:a="http://schemas.openxmlformats.org/drawingml/2006/main" xmlns:r="http://schemas.openxmlformats.org/officeDocument/2006/relationships" xmlns:p="http://schemas.openxmlformats.org/presentationml/2006/main">
-  <p:cSld>
-    <p:spTree>
-      <p:nvGrpSpPr>
-        <p:cNvPr id="1" name=""/>
-        <p:cNvGrpSpPr/>
-        <p:nvPr/>
-      </p:nvGrpSpPr>
-      <p:grpSpPr>
-        <a:xfrm>
-          <a:off x="0" y="0"/>
-          <a:ext cx="0" cy="0"/>
-          <a:chOff x="0" y="0"/>
-          <a:chExt cx="0" cy="0"/>
-        </a:xfrm>
-      </p:grpSpPr>
-      <p:sp>
-        <p:nvSpPr>
-          <p:cNvPr id="2" name="Title 1">
-            <a:extLst>
-              <a:ext uri="{FF2B5EF4-FFF2-40B4-BE49-F238E27FC236}">
-                <a16:creationId xmlns:a16="http://schemas.microsoft.com/office/drawing/2014/main" id="{62819A27-77FD-BDD6-4FA9-FB4D4AEFAB48}"/>
-              </a:ext>
-            </a:extLst>
-          </p:cNvPr>
-          <p:cNvSpPr>
-            <a:spLocks noGrp="1"/>
-          </p:cNvSpPr>
-          <p:nvPr>
-            <p:ph type="title"/>
-          </p:nvPr>
-        </p:nvSpPr>
-        <p:spPr/>
-        <p:txBody>
-          <a:bodyPr/>
-          <a:lstStyle/>
-          <a:p>
-            <a:r>
-              <a:rPr lang="en-US" dirty="0"/>
-              <a:t>Tabs within about section</a:t>
-            </a:r>
-          </a:p>
-        </p:txBody>
-      </p:sp>
-      <p:sp>
-        <p:nvSpPr>
-          <p:cNvPr id="3" name="Content Placeholder 2">
-            <a:extLst>
-              <a:ext uri="{FF2B5EF4-FFF2-40B4-BE49-F238E27FC236}">
-                <a16:creationId xmlns:a16="http://schemas.microsoft.com/office/drawing/2014/main" id="{5147F9BB-9F2F-8A71-6BC3-39C08EC76437}"/>
-              </a:ext>
-            </a:extLst>
-          </p:cNvPr>
-          <p:cNvSpPr>
-            <a:spLocks noGrp="1"/>
-          </p:cNvSpPr>
-          <p:nvPr>
-            <p:ph idx="1"/>
-          </p:nvPr>
-        </p:nvSpPr>
-        <p:spPr/>
-        <p:txBody>
-          <a:bodyPr>
-            <a:normAutofit lnSpcReduction="10000"/>
-          </a:bodyPr>
-          <a:lstStyle/>
-          <a:p>
-            <a:r>
-              <a:rPr lang="en-US" dirty="0"/>
-              <a:t>Data sources</a:t>
-            </a:r>
-          </a:p>
-          <a:p>
-            <a:pPr lvl="1"/>
-            <a:r>
-              <a:rPr lang="en-US" dirty="0"/>
-              <a:t>Raw </a:t>
-            </a:r>
-            <a:r>
-              <a:rPr lang="en-US" dirty="0" err="1"/>
-              <a:t>Efile</a:t>
-            </a:r>
-            <a:r>
-              <a:rPr lang="en-US" dirty="0"/>
-              <a:t> </a:t>
-            </a:r>
-            <a:r>
-              <a:rPr lang="en-US" dirty="0">
-                <a:sym typeface="Wingdings" panose="05000000000000000000" pitchFamily="2" charset="2"/>
-              </a:rPr>
-              <a:t> processing</a:t>
-            </a:r>
-            <a:endParaRPr lang="en-US" dirty="0"/>
-          </a:p>
-          <a:p>
-            <a:pPr lvl="1"/>
-            <a:r>
-              <a:rPr lang="en-US" dirty="0"/>
-              <a:t>Taxonomy generation </a:t>
-            </a:r>
-          </a:p>
-          <a:p>
-            <a:pPr lvl="1"/>
-            <a:r>
-              <a:rPr lang="en-US" dirty="0"/>
-              <a:t>Sample included in the tool</a:t>
-            </a:r>
-          </a:p>
-          <a:p>
-            <a:pPr lvl="2"/>
-            <a:r>
-              <a:rPr lang="en-US" dirty="0"/>
-              <a:t>Size limits (censoring)</a:t>
-            </a:r>
-          </a:p>
-          <a:p>
-            <a:pPr lvl="2"/>
-            <a:r>
-              <a:rPr lang="en-US" dirty="0"/>
-              <a:t>Drop transitions</a:t>
-            </a:r>
-          </a:p>
-          <a:p>
-            <a:pPr lvl="2"/>
-            <a:r>
-              <a:rPr lang="en-US" dirty="0"/>
-              <a:t>Most recent non-transition year (inflation adjusted)</a:t>
-            </a:r>
-          </a:p>
-          <a:p>
-            <a:r>
-              <a:rPr lang="en-US" dirty="0"/>
-              <a:t>Mission codes</a:t>
-            </a:r>
-          </a:p>
-          <a:p>
-            <a:r>
-              <a:rPr lang="en-US" dirty="0"/>
-              <a:t>Geographic distances</a:t>
-            </a:r>
-          </a:p>
-          <a:p>
-            <a:r>
-              <a:rPr lang="en-US" dirty="0"/>
-              <a:t>Size differences</a:t>
-            </a:r>
-          </a:p>
-          <a:p>
-            <a:r>
-              <a:rPr lang="en-US" dirty="0"/>
-              <a:t>Total distance metrics</a:t>
-            </a:r>
-          </a:p>
-        </p:txBody>
-      </p:sp>
-      <p:sp>
-        <p:nvSpPr>
-          <p:cNvPr id="4" name="Slide Number Placeholder 3">
-            <a:extLst>
-              <a:ext uri="{FF2B5EF4-FFF2-40B4-BE49-F238E27FC236}">
-                <a16:creationId xmlns:a16="http://schemas.microsoft.com/office/drawing/2014/main" id="{4E9928CE-05C5-989F-7DAA-614A422256B7}"/>
-              </a:ext>
-            </a:extLst>
-          </p:cNvPr>
-          <p:cNvSpPr>
-            <a:spLocks noGrp="1"/>
-          </p:cNvSpPr>
-          <p:nvPr>
-            <p:ph type="sldNum" sz="quarter" idx="12"/>
-          </p:nvPr>
-        </p:nvSpPr>
-        <p:spPr/>
-        <p:txBody>
-          <a:bodyPr/>
-          <a:lstStyle/>
-          <a:p>
-            <a:fld id="{6A8A6847-FF54-4997-9E64-663FA8B5A75E}" type="slidenum">
-              <a:rPr lang="en-US" smtClean="0"/>
-              <a:t>13</a:t>
-            </a:fld>
-            <a:endParaRPr lang="en-US"/>
-          </a:p>
-        </p:txBody>
-      </p:sp>
-    </p:spTree>
-    <p:extLst>
-      <p:ext uri="{BB962C8B-B14F-4D97-AF65-F5344CB8AC3E}">
-        <p14:creationId xmlns:p14="http://schemas.microsoft.com/office/powerpoint/2010/main" val="3586174283"/>
-      </p:ext>
-    </p:extLst>
-  </p:cSld>
-  <p:clrMapOvr>
-    <a:masterClrMapping/>
-  </p:clrMapOvr>
-</p:sld>
-</file>
-
-<file path=ppt/slides/slide14.xml><?xml version="1.0" encoding="utf-8"?>
-<p:sld xmlns:a="http://schemas.openxmlformats.org/drawingml/2006/main" xmlns:r="http://schemas.openxmlformats.org/officeDocument/2006/relationships" xmlns:p="http://schemas.openxmlformats.org/presentationml/2006/main">
-  <p:cSld>
-    <p:spTree>
-      <p:nvGrpSpPr>
-        <p:cNvPr id="1" name=""/>
-        <p:cNvGrpSpPr/>
-        <p:nvPr/>
-      </p:nvGrpSpPr>
-      <p:grpSpPr>
-        <a:xfrm>
-          <a:off x="0" y="0"/>
-          <a:ext cx="0" cy="0"/>
-          <a:chOff x="0" y="0"/>
-          <a:chExt cx="0" cy="0"/>
-        </a:xfrm>
-      </p:grpSpPr>
-      <p:sp>
-        <p:nvSpPr>
-          <p:cNvPr id="2" name="Slide Number Placeholder 1">
-            <a:extLst>
-              <a:ext uri="{FF2B5EF4-FFF2-40B4-BE49-F238E27FC236}">
-                <a16:creationId xmlns:a16="http://schemas.microsoft.com/office/drawing/2014/main" id="{DCD0F08F-5A68-5C4F-043C-B9F316974447}"/>
-              </a:ext>
-            </a:extLst>
-          </p:cNvPr>
-          <p:cNvSpPr>
-            <a:spLocks noGrp="1"/>
-          </p:cNvSpPr>
-          <p:nvPr>
-            <p:ph type="sldNum" sz="quarter" idx="12"/>
-          </p:nvPr>
-        </p:nvSpPr>
-        <p:spPr/>
-        <p:txBody>
-          <a:bodyPr/>
-          <a:lstStyle/>
-          <a:p>
-            <a:pPr marL="0" marR="0" lvl="0" indent="0" algn="r" defTabSz="914400" rtl="0" eaLnBrk="1" fontAlgn="auto" latinLnBrk="0" hangingPunct="1">
-              <a:lnSpc>
-                <a:spcPct val="100000"/>
-              </a:lnSpc>
-              <a:spcBef>
-                <a:spcPts val="0"/>
-              </a:spcBef>
-              <a:spcAft>
-                <a:spcPts val="0"/>
-              </a:spcAft>
-              <a:buClrTx/>
-              <a:buSzTx/>
-              <a:buFontTx/>
-              <a:buNone/>
-              <a:tabLst/>
-              <a:defRPr/>
-            </a:pPr>
-            <a:fld id="{6A8A6847-FF54-4997-9E64-663FA8B5A75E}" type="slidenum">
-              <a:rPr kumimoji="0" lang="en-US" sz="1200" b="0" i="0" u="none" strike="noStrike" kern="1200" cap="none" spc="0" normalizeH="0" baseline="0" noProof="0" smtClean="0">
-                <a:ln>
-                  <a:noFill/>
-                </a:ln>
-                <a:solidFill>
-                  <a:prstClr val="black">
-                    <a:tint val="75000"/>
-                  </a:prstClr>
-                </a:solidFill>
-                <a:effectLst/>
-                <a:uLnTx/>
-                <a:uFillTx/>
-                <a:latin typeface="Calibri"/>
-                <a:ea typeface="+mn-ea"/>
-                <a:cs typeface="+mn-cs"/>
-              </a:rPr>
-              <a:pPr marL="0" marR="0" lvl="0" indent="0" algn="r" defTabSz="914400" rtl="0" eaLnBrk="1" fontAlgn="auto" latinLnBrk="0" hangingPunct="1">
-                <a:lnSpc>
-                  <a:spcPct val="100000"/>
-                </a:lnSpc>
-                <a:spcBef>
-                  <a:spcPts val="0"/>
-                </a:spcBef>
-                <a:spcAft>
-                  <a:spcPts val="0"/>
-                </a:spcAft>
-                <a:buClrTx/>
-                <a:buSzTx/>
-                <a:buFontTx/>
-                <a:buNone/>
-                <a:tabLst/>
-                <a:defRPr/>
-              </a:pPr>
-              <a:t>14</a:t>
             </a:fld>
             <a:endParaRPr kumimoji="0" lang="en-US" sz="1200" b="0" i="0" u="none" strike="noStrike" kern="1200" cap="none" spc="0" normalizeH="0" baseline="0" noProof="0">
               <a:ln>
@@ -12317,7 +11851,7 @@
 </p:sld>
 </file>
 
-<file path=ppt/slides/slide15.xml><?xml version="1.0" encoding="utf-8"?>
+<file path=ppt/slides/slide13.xml><?xml version="1.0" encoding="utf-8"?>
 <p:sld xmlns:a="http://schemas.openxmlformats.org/drawingml/2006/main" xmlns:r="http://schemas.openxmlformats.org/officeDocument/2006/relationships" xmlns:p="http://schemas.openxmlformats.org/presentationml/2006/main">
   <p:cSld>
     <p:bg>
@@ -12414,7 +11948,7 @@
                 <a:tabLst/>
                 <a:defRPr/>
               </a:pPr>
-              <a:t>15</a:t>
+              <a:t>13</a:t>
             </a:fld>
             <a:endParaRPr kumimoji="0" lang="en-US" sz="1200" b="0" i="0" u="none" strike="noStrike" kern="1200" cap="none" spc="0" normalizeH="0" baseline="0" noProof="0">
               <a:ln>
@@ -12549,6 +12083,613 @@
     <p:extLst>
       <p:ext uri="{BB962C8B-B14F-4D97-AF65-F5344CB8AC3E}">
         <p14:creationId xmlns:p14="http://schemas.microsoft.com/office/powerpoint/2010/main" val="2753656996"/>
+      </p:ext>
+    </p:extLst>
+  </p:cSld>
+  <p:clrMapOvr>
+    <a:masterClrMapping/>
+  </p:clrMapOvr>
+</p:sld>
+</file>
+
+<file path=ppt/slides/slide14.xml><?xml version="1.0" encoding="utf-8"?>
+<p:sld xmlns:a="http://schemas.openxmlformats.org/drawingml/2006/main" xmlns:r="http://schemas.openxmlformats.org/officeDocument/2006/relationships" xmlns:p="http://schemas.openxmlformats.org/presentationml/2006/main">
+  <p:cSld>
+    <p:spTree>
+      <p:nvGrpSpPr>
+        <p:cNvPr id="1" name=""/>
+        <p:cNvGrpSpPr/>
+        <p:nvPr/>
+      </p:nvGrpSpPr>
+      <p:grpSpPr>
+        <a:xfrm>
+          <a:off x="0" y="0"/>
+          <a:ext cx="0" cy="0"/>
+          <a:chOff x="0" y="0"/>
+          <a:chExt cx="0" cy="0"/>
+        </a:xfrm>
+      </p:grpSpPr>
+      <p:sp>
+        <p:nvSpPr>
+          <p:cNvPr id="2" name="Title 1">
+            <a:extLst>
+              <a:ext uri="{FF2B5EF4-FFF2-40B4-BE49-F238E27FC236}">
+                <a16:creationId xmlns:a16="http://schemas.microsoft.com/office/drawing/2014/main" id="{C5A34425-E392-8DA0-DCD7-7F8F0A30C9CF}"/>
+              </a:ext>
+            </a:extLst>
+          </p:cNvPr>
+          <p:cNvSpPr>
+            <a:spLocks noGrp="1"/>
+          </p:cNvSpPr>
+          <p:nvPr>
+            <p:ph type="title"/>
+          </p:nvPr>
+        </p:nvSpPr>
+        <p:spPr/>
+        <p:txBody>
+          <a:bodyPr/>
+          <a:lstStyle/>
+          <a:p>
+            <a:r>
+              <a:rPr lang="en-US" dirty="0"/>
+              <a:t>What to report?</a:t>
+            </a:r>
+          </a:p>
+        </p:txBody>
+      </p:sp>
+      <p:sp>
+        <p:nvSpPr>
+          <p:cNvPr id="3" name="Content Placeholder 2">
+            <a:extLst>
+              <a:ext uri="{FF2B5EF4-FFF2-40B4-BE49-F238E27FC236}">
+                <a16:creationId xmlns:a16="http://schemas.microsoft.com/office/drawing/2014/main" id="{92E73AEF-4419-AA88-AF70-C9C8D8F2E157}"/>
+              </a:ext>
+            </a:extLst>
+          </p:cNvPr>
+          <p:cNvSpPr>
+            <a:spLocks noGrp="1"/>
+          </p:cNvSpPr>
+          <p:nvPr>
+            <p:ph idx="1"/>
+          </p:nvPr>
+        </p:nvSpPr>
+        <p:spPr/>
+        <p:txBody>
+          <a:bodyPr>
+            <a:normAutofit fontScale="70000" lnSpcReduction="20000"/>
+          </a:bodyPr>
+          <a:lstStyle/>
+          <a:p>
+            <a:r>
+              <a:rPr lang="en-US" dirty="0"/>
+              <a:t>Predicted salary range for your org</a:t>
+            </a:r>
+          </a:p>
+          <a:p>
+            <a:pPr marL="0" indent="0">
+              <a:buNone/>
+            </a:pPr>
+            <a:endParaRPr lang="en-US" dirty="0"/>
+          </a:p>
+          <a:p>
+            <a:r>
+              <a:rPr lang="en-US" dirty="0"/>
+              <a:t>For small orgs: </a:t>
+            </a:r>
+          </a:p>
+          <a:p>
+            <a:pPr lvl="1"/>
+            <a:r>
+              <a:rPr lang="en-US" dirty="0"/>
+              <a:t>Proportion of CEOs in comparison set that are paid</a:t>
+            </a:r>
+          </a:p>
+          <a:p>
+            <a:pPr lvl="1"/>
+            <a:r>
+              <a:rPr lang="en-US" dirty="0"/>
+              <a:t>How are we measuring full-time equivalent? </a:t>
+            </a:r>
+          </a:p>
+          <a:p>
+            <a:pPr lvl="2"/>
+            <a:r>
+              <a:rPr lang="en-US" dirty="0"/>
+              <a:t>Distribution of hours reported for CEOs in size range</a:t>
+            </a:r>
+          </a:p>
+          <a:p>
+            <a:pPr lvl="2"/>
+            <a:r>
+              <a:rPr lang="en-US" dirty="0"/>
+              <a:t>Graph of total hours versus total pay, and adjusted FTE versions</a:t>
+            </a:r>
+          </a:p>
+          <a:p>
+            <a:r>
+              <a:rPr lang="en-US" dirty="0"/>
+              <a:t>Distributions and correlation plots: (highlight your org in red)</a:t>
+            </a:r>
+          </a:p>
+          <a:p>
+            <a:pPr lvl="1"/>
+            <a:r>
+              <a:rPr lang="en-US" dirty="0"/>
+              <a:t>Total assets: distribution of sample</a:t>
+            </a:r>
+          </a:p>
+          <a:p>
+            <a:pPr lvl="1"/>
+            <a:r>
+              <a:rPr lang="en-US" dirty="0"/>
+              <a:t>Gross receipts: distribution of sample</a:t>
+            </a:r>
+          </a:p>
+          <a:p>
+            <a:pPr lvl="1"/>
+            <a:r>
+              <a:rPr lang="en-US" dirty="0"/>
+              <a:t>Number of employees / volunteers per org? </a:t>
+            </a:r>
+          </a:p>
+          <a:p>
+            <a:pPr lvl="2"/>
+            <a:r>
+              <a:rPr lang="en-US" dirty="0"/>
+              <a:t>Impute, or only visualize those with data? </a:t>
+            </a:r>
+          </a:p>
+          <a:p>
+            <a:r>
+              <a:rPr lang="en-US" dirty="0"/>
+              <a:t>Pivots?</a:t>
+            </a:r>
+          </a:p>
+          <a:p>
+            <a:pPr lvl="1"/>
+            <a:r>
+              <a:rPr lang="en-US" dirty="0"/>
+              <a:t>University/hospital</a:t>
+            </a:r>
+          </a:p>
+          <a:p>
+            <a:pPr lvl="1"/>
+            <a:r>
+              <a:rPr lang="en-US" dirty="0"/>
+              <a:t>State / Zip / Location type</a:t>
+            </a:r>
+          </a:p>
+          <a:p>
+            <a:pPr lvl="1"/>
+            <a:r>
+              <a:rPr lang="en-US" dirty="0"/>
+              <a:t>Year of filing? </a:t>
+            </a:r>
+          </a:p>
+        </p:txBody>
+      </p:sp>
+      <p:sp>
+        <p:nvSpPr>
+          <p:cNvPr id="4" name="Slide Number Placeholder 3">
+            <a:extLst>
+              <a:ext uri="{FF2B5EF4-FFF2-40B4-BE49-F238E27FC236}">
+                <a16:creationId xmlns:a16="http://schemas.microsoft.com/office/drawing/2014/main" id="{C20F5D95-FC86-FF0E-5EA4-F0C15E93A299}"/>
+              </a:ext>
+            </a:extLst>
+          </p:cNvPr>
+          <p:cNvSpPr>
+            <a:spLocks noGrp="1"/>
+          </p:cNvSpPr>
+          <p:nvPr>
+            <p:ph type="sldNum" sz="quarter" idx="12"/>
+          </p:nvPr>
+        </p:nvSpPr>
+        <p:spPr/>
+        <p:txBody>
+          <a:bodyPr/>
+          <a:lstStyle/>
+          <a:p>
+            <a:fld id="{6A8A6847-FF54-4997-9E64-663FA8B5A75E}" type="slidenum">
+              <a:rPr lang="en-US" smtClean="0"/>
+              <a:t>14</a:t>
+            </a:fld>
+            <a:endParaRPr lang="en-US"/>
+          </a:p>
+        </p:txBody>
+      </p:sp>
+    </p:spTree>
+    <p:extLst>
+      <p:ext uri="{BB962C8B-B14F-4D97-AF65-F5344CB8AC3E}">
+        <p14:creationId xmlns:p14="http://schemas.microsoft.com/office/powerpoint/2010/main" val="442170640"/>
+      </p:ext>
+    </p:extLst>
+  </p:cSld>
+  <p:clrMapOvr>
+    <a:masterClrMapping/>
+  </p:clrMapOvr>
+</p:sld>
+</file>
+
+<file path=ppt/slides/slide15.xml><?xml version="1.0" encoding="utf-8"?>
+<p:sld xmlns:a="http://schemas.openxmlformats.org/drawingml/2006/main" xmlns:r="http://schemas.openxmlformats.org/officeDocument/2006/relationships" xmlns:p="http://schemas.openxmlformats.org/presentationml/2006/main">
+  <p:cSld>
+    <p:bg>
+      <p:bgPr>
+        <a:solidFill>
+          <a:schemeClr val="bg1">
+            <a:lumMod val="95000"/>
+          </a:schemeClr>
+        </a:solidFill>
+        <a:effectLst/>
+      </p:bgPr>
+    </p:bg>
+    <p:spTree>
+      <p:nvGrpSpPr>
+        <p:cNvPr id="1" name=""/>
+        <p:cNvGrpSpPr/>
+        <p:nvPr/>
+      </p:nvGrpSpPr>
+      <p:grpSpPr>
+        <a:xfrm>
+          <a:off x="0" y="0"/>
+          <a:ext cx="0" cy="0"/>
+          <a:chOff x="0" y="0"/>
+          <a:chExt cx="0" cy="0"/>
+        </a:xfrm>
+      </p:grpSpPr>
+      <p:sp>
+        <p:nvSpPr>
+          <p:cNvPr id="2" name="Slide Number Placeholder 1">
+            <a:extLst>
+              <a:ext uri="{FF2B5EF4-FFF2-40B4-BE49-F238E27FC236}">
+                <a16:creationId xmlns:a16="http://schemas.microsoft.com/office/drawing/2014/main" id="{6A051CE2-06D5-99B0-75A0-BD9683714950}"/>
+              </a:ext>
+            </a:extLst>
+          </p:cNvPr>
+          <p:cNvSpPr>
+            <a:spLocks noGrp="1"/>
+          </p:cNvSpPr>
+          <p:nvPr>
+            <p:ph type="sldNum" sz="quarter" idx="12"/>
+          </p:nvPr>
+        </p:nvSpPr>
+        <p:spPr/>
+        <p:txBody>
+          <a:bodyPr/>
+          <a:lstStyle/>
+          <a:p>
+            <a:pPr marL="0" marR="0" lvl="0" indent="0" algn="r" defTabSz="914400" rtl="0" eaLnBrk="1" fontAlgn="auto" latinLnBrk="0" hangingPunct="1">
+              <a:lnSpc>
+                <a:spcPct val="100000"/>
+              </a:lnSpc>
+              <a:spcBef>
+                <a:spcPts val="0"/>
+              </a:spcBef>
+              <a:spcAft>
+                <a:spcPts val="0"/>
+              </a:spcAft>
+              <a:buClrTx/>
+              <a:buSzTx/>
+              <a:buFontTx/>
+              <a:buNone/>
+              <a:tabLst/>
+              <a:defRPr/>
+            </a:pPr>
+            <a:fld id="{0FDD4DA2-4FBE-4694-B57B-F9990517B432}" type="slidenum">
+              <a:rPr kumimoji="0" lang="en-US" sz="1200" b="0" i="0" u="none" strike="noStrike" kern="1200" cap="none" spc="0" normalizeH="0" baseline="0" noProof="0" smtClean="0">
+                <a:ln>
+                  <a:noFill/>
+                </a:ln>
+                <a:solidFill>
+                  <a:prstClr val="black">
+                    <a:tint val="75000"/>
+                  </a:prstClr>
+                </a:solidFill>
+                <a:effectLst/>
+                <a:uLnTx/>
+                <a:uFillTx/>
+                <a:latin typeface="Calibri" panose="020F0502020204030204"/>
+                <a:ea typeface="+mn-ea"/>
+                <a:cs typeface="+mn-cs"/>
+              </a:rPr>
+              <a:pPr marL="0" marR="0" lvl="0" indent="0" algn="r" defTabSz="914400" rtl="0" eaLnBrk="1" fontAlgn="auto" latinLnBrk="0" hangingPunct="1">
+                <a:lnSpc>
+                  <a:spcPct val="100000"/>
+                </a:lnSpc>
+                <a:spcBef>
+                  <a:spcPts val="0"/>
+                </a:spcBef>
+                <a:spcAft>
+                  <a:spcPts val="0"/>
+                </a:spcAft>
+                <a:buClrTx/>
+                <a:buSzTx/>
+                <a:buFontTx/>
+                <a:buNone/>
+                <a:tabLst/>
+                <a:defRPr/>
+              </a:pPr>
+              <a:t>15</a:t>
+            </a:fld>
+            <a:endParaRPr kumimoji="0" lang="en-US" sz="1200" b="0" i="0" u="none" strike="noStrike" kern="1200" cap="none" spc="0" normalizeH="0" baseline="0" noProof="0">
+              <a:ln>
+                <a:noFill/>
+              </a:ln>
+              <a:solidFill>
+                <a:prstClr val="black">
+                  <a:tint val="75000"/>
+                </a:prstClr>
+              </a:solidFill>
+              <a:effectLst/>
+              <a:uLnTx/>
+              <a:uFillTx/>
+              <a:latin typeface="Calibri" panose="020F0502020204030204"/>
+              <a:ea typeface="+mn-ea"/>
+              <a:cs typeface="+mn-cs"/>
+            </a:endParaRPr>
+          </a:p>
+        </p:txBody>
+      </p:sp>
+      <p:pic>
+        <p:nvPicPr>
+          <p:cNvPr id="1026" name="Picture 2">
+            <a:extLst>
+              <a:ext uri="{FF2B5EF4-FFF2-40B4-BE49-F238E27FC236}">
+                <a16:creationId xmlns:a16="http://schemas.microsoft.com/office/drawing/2014/main" id="{F81C3AC2-0142-BD39-5243-BC56E76D2794}"/>
+              </a:ext>
+            </a:extLst>
+          </p:cNvPr>
+          <p:cNvPicPr>
+            <a:picLocks noChangeAspect="1" noChangeArrowheads="1"/>
+          </p:cNvPicPr>
+          <p:nvPr/>
+        </p:nvPicPr>
+        <p:blipFill>
+          <a:blip r:embed="rId2">
+            <a:extLst>
+              <a:ext uri="{28A0092B-C50C-407E-A947-70E740481C1C}">
+                <a14:useLocalDpi xmlns:a14="http://schemas.microsoft.com/office/drawing/2010/main" val="0"/>
+              </a:ext>
+            </a:extLst>
+          </a:blip>
+          <a:srcRect/>
+          <a:stretch>
+            <a:fillRect/>
+          </a:stretch>
+        </p:blipFill>
+        <p:spPr bwMode="auto">
+          <a:xfrm rot="5400000">
+            <a:off x="6378158" y="1052413"/>
+            <a:ext cx="6782815" cy="4844868"/>
+          </a:xfrm>
+          <a:prstGeom prst="rect">
+            <a:avLst/>
+          </a:prstGeom>
+          <a:noFill/>
+          <a:extLst>
+            <a:ext uri="{909E8E84-426E-40DD-AFC4-6F175D3DCCD1}">
+              <a14:hiddenFill xmlns:a14="http://schemas.microsoft.com/office/drawing/2010/main">
+                <a:solidFill>
+                  <a:srgbClr val="FFFFFF"/>
+                </a:solidFill>
+              </a14:hiddenFill>
+            </a:ext>
+          </a:extLst>
+        </p:spPr>
+      </p:pic>
+      <p:pic>
+        <p:nvPicPr>
+          <p:cNvPr id="1115" name="Picture 1114">
+            <a:extLst>
+              <a:ext uri="{FF2B5EF4-FFF2-40B4-BE49-F238E27FC236}">
+                <a16:creationId xmlns:a16="http://schemas.microsoft.com/office/drawing/2014/main" id="{0153C4D2-6779-AA2B-397F-1AD13267BF54}"/>
+              </a:ext>
+            </a:extLst>
+          </p:cNvPr>
+          <p:cNvPicPr>
+            <a:picLocks noChangeAspect="1"/>
+          </p:cNvPicPr>
+          <p:nvPr/>
+        </p:nvPicPr>
+        <p:blipFill>
+          <a:blip r:embed="rId3"/>
+          <a:stretch>
+            <a:fillRect/>
+          </a:stretch>
+        </p:blipFill>
+        <p:spPr>
+          <a:xfrm>
+            <a:off x="184991" y="1198880"/>
+            <a:ext cx="6967903" cy="4740910"/>
+          </a:xfrm>
+          <a:prstGeom prst="rect">
+            <a:avLst/>
+          </a:prstGeom>
+        </p:spPr>
+      </p:pic>
+      <p:cxnSp>
+        <p:nvCxnSpPr>
+          <p:cNvPr id="1117" name="Straight Arrow Connector 1116">
+            <a:extLst>
+              <a:ext uri="{FF2B5EF4-FFF2-40B4-BE49-F238E27FC236}">
+                <a16:creationId xmlns:a16="http://schemas.microsoft.com/office/drawing/2014/main" id="{DF686898-AE95-30E4-47C4-8CE2955D6F09}"/>
+              </a:ext>
+            </a:extLst>
+          </p:cNvPr>
+          <p:cNvCxnSpPr>
+            <a:cxnSpLocks/>
+          </p:cNvCxnSpPr>
+          <p:nvPr/>
+        </p:nvCxnSpPr>
+        <p:spPr>
+          <a:xfrm flipV="1">
+            <a:off x="426720" y="320040"/>
+            <a:ext cx="4846320" cy="1757680"/>
+          </a:xfrm>
+          <a:prstGeom prst="straightConnector1">
+            <a:avLst/>
+          </a:prstGeom>
+          <a:ln w="15875">
+            <a:solidFill>
+              <a:srgbClr val="C00000"/>
+            </a:solidFill>
+            <a:tailEnd type="triangle" w="lg" len="lg"/>
+          </a:ln>
+        </p:spPr>
+        <p:style>
+          <a:lnRef idx="1">
+            <a:schemeClr val="accent1"/>
+          </a:lnRef>
+          <a:fillRef idx="0">
+            <a:schemeClr val="accent1"/>
+          </a:fillRef>
+          <a:effectRef idx="0">
+            <a:schemeClr val="accent1"/>
+          </a:effectRef>
+          <a:fontRef idx="minor">
+            <a:schemeClr val="tx1"/>
+          </a:fontRef>
+        </p:style>
+      </p:cxnSp>
+    </p:spTree>
+    <p:extLst>
+      <p:ext uri="{BB962C8B-B14F-4D97-AF65-F5344CB8AC3E}">
+        <p14:creationId xmlns:p14="http://schemas.microsoft.com/office/powerpoint/2010/main" val="3756626358"/>
+      </p:ext>
+    </p:extLst>
+  </p:cSld>
+  <p:clrMapOvr>
+    <a:masterClrMapping/>
+  </p:clrMapOvr>
+</p:sld>
+</file>
+
+<file path=ppt/slides/slide16.xml><?xml version="1.0" encoding="utf-8"?>
+<p:sld xmlns:a="http://schemas.openxmlformats.org/drawingml/2006/main" xmlns:r="http://schemas.openxmlformats.org/officeDocument/2006/relationships" xmlns:p="http://schemas.openxmlformats.org/presentationml/2006/main">
+  <p:cSld>
+    <p:spTree>
+      <p:nvGrpSpPr>
+        <p:cNvPr id="1" name=""/>
+        <p:cNvGrpSpPr/>
+        <p:nvPr/>
+      </p:nvGrpSpPr>
+      <p:grpSpPr>
+        <a:xfrm>
+          <a:off x="0" y="0"/>
+          <a:ext cx="0" cy="0"/>
+          <a:chOff x="0" y="0"/>
+          <a:chExt cx="0" cy="0"/>
+        </a:xfrm>
+      </p:grpSpPr>
+      <p:sp>
+        <p:nvSpPr>
+          <p:cNvPr id="2" name="Title 1">
+            <a:extLst>
+              <a:ext uri="{FF2B5EF4-FFF2-40B4-BE49-F238E27FC236}">
+                <a16:creationId xmlns:a16="http://schemas.microsoft.com/office/drawing/2014/main" id="{3A2EEDF4-267F-3B38-12FA-1E29EB35C10A}"/>
+              </a:ext>
+            </a:extLst>
+          </p:cNvPr>
+          <p:cNvSpPr>
+            <a:spLocks noGrp="1"/>
+          </p:cNvSpPr>
+          <p:nvPr>
+            <p:ph type="title"/>
+          </p:nvPr>
+        </p:nvSpPr>
+        <p:spPr/>
+        <p:txBody>
+          <a:bodyPr/>
+          <a:lstStyle/>
+          <a:p>
+            <a:r>
+              <a:rPr lang="en-US" dirty="0"/>
+              <a:t>Inflation adjustment</a:t>
+            </a:r>
+          </a:p>
+        </p:txBody>
+      </p:sp>
+      <p:sp>
+        <p:nvSpPr>
+          <p:cNvPr id="3" name="Content Placeholder 2">
+            <a:extLst>
+              <a:ext uri="{FF2B5EF4-FFF2-40B4-BE49-F238E27FC236}">
+                <a16:creationId xmlns:a16="http://schemas.microsoft.com/office/drawing/2014/main" id="{093CB00D-4DEA-03F0-8967-F744C48CA1FF}"/>
+              </a:ext>
+            </a:extLst>
+          </p:cNvPr>
+          <p:cNvSpPr>
+            <a:spLocks noGrp="1"/>
+          </p:cNvSpPr>
+          <p:nvPr>
+            <p:ph idx="1"/>
+          </p:nvPr>
+        </p:nvSpPr>
+        <p:spPr/>
+        <p:txBody>
+          <a:bodyPr/>
+          <a:lstStyle/>
+          <a:p>
+            <a:r>
+              <a:rPr lang="en-US" dirty="0"/>
+              <a:t>Function that adjusts all data to given year</a:t>
+            </a:r>
+          </a:p>
+          <a:p>
+            <a:r>
+              <a:rPr lang="en-US" dirty="0"/>
+              <a:t>Arguments: </a:t>
+            </a:r>
+          </a:p>
+          <a:p>
+            <a:pPr lvl="1"/>
+            <a:r>
+              <a:rPr lang="en-US" dirty="0"/>
+              <a:t>Table with year and inflation rate</a:t>
+            </a:r>
+          </a:p>
+          <a:p>
+            <a:pPr lvl="1"/>
+            <a:r>
+              <a:rPr lang="en-US" dirty="0"/>
+              <a:t>Reference year</a:t>
+            </a:r>
+          </a:p>
+        </p:txBody>
+      </p:sp>
+      <p:sp>
+        <p:nvSpPr>
+          <p:cNvPr id="4" name="Slide Number Placeholder 3">
+            <a:extLst>
+              <a:ext uri="{FF2B5EF4-FFF2-40B4-BE49-F238E27FC236}">
+                <a16:creationId xmlns:a16="http://schemas.microsoft.com/office/drawing/2014/main" id="{1E01CCE7-B88F-2738-43E7-7589CBC5B2D2}"/>
+              </a:ext>
+            </a:extLst>
+          </p:cNvPr>
+          <p:cNvSpPr>
+            <a:spLocks noGrp="1"/>
+          </p:cNvSpPr>
+          <p:nvPr>
+            <p:ph type="sldNum" sz="quarter" idx="12"/>
+          </p:nvPr>
+        </p:nvSpPr>
+        <p:spPr/>
+        <p:txBody>
+          <a:bodyPr/>
+          <a:lstStyle/>
+          <a:p>
+            <a:fld id="{6A8A6847-FF54-4997-9E64-663FA8B5A75E}" type="slidenum">
+              <a:rPr lang="en-US" smtClean="0"/>
+              <a:t>16</a:t>
+            </a:fld>
+            <a:endParaRPr lang="en-US"/>
+          </a:p>
+        </p:txBody>
+      </p:sp>
+    </p:spTree>
+    <p:extLst>
+      <p:ext uri="{BB962C8B-B14F-4D97-AF65-F5344CB8AC3E}">
+        <p14:creationId xmlns:p14="http://schemas.microsoft.com/office/powerpoint/2010/main" val="4192805288"/>
       </p:ext>
     </p:extLst>
   </p:cSld>
@@ -12844,6 +12985,14 @@
 <file path=ppt/slides/slide4.xml><?xml version="1.0" encoding="utf-8"?>
 <p:sld xmlns:a="http://schemas.openxmlformats.org/drawingml/2006/main" xmlns:r="http://schemas.openxmlformats.org/officeDocument/2006/relationships" xmlns:p="http://schemas.openxmlformats.org/presentationml/2006/main">
   <p:cSld>
+    <p:bg>
+      <p:bgPr>
+        <a:solidFill>
+          <a:schemeClr val="bg1"/>
+        </a:solidFill>
+        <a:effectLst/>
+      </p:bgPr>
+    </p:bg>
     <p:spTree>
       <p:nvGrpSpPr>
         <p:cNvPr id="1" name=""/>
@@ -12858,28 +13007,205 @@
           <a:chExt cx="0" cy="0"/>
         </a:xfrm>
       </p:grpSpPr>
-      <p:sp>
-        <p:nvSpPr>
-          <p:cNvPr id="2" name="Slide Number Placeholder 1">
-            <a:extLst>
-              <a:ext uri="{FF2B5EF4-FFF2-40B4-BE49-F238E27FC236}">
-                <a16:creationId xmlns:a16="http://schemas.microsoft.com/office/drawing/2014/main" id="{9A42AE67-4E3D-1698-8B4F-F47D32F779B7}"/>
-              </a:ext>
-            </a:extLst>
-          </p:cNvPr>
-          <p:cNvSpPr>
-            <a:spLocks noGrp="1"/>
-          </p:cNvSpPr>
-          <p:nvPr>
-            <p:ph type="sldNum" sz="quarter" idx="12"/>
-          </p:nvPr>
-        </p:nvSpPr>
-        <p:spPr/>
-        <p:txBody>
-          <a:bodyPr/>
-          <a:lstStyle/>
-          <a:p>
-            <a:pPr marL="0" marR="0" lvl="0" indent="0" algn="r" defTabSz="914400" rtl="0" eaLnBrk="1" fontAlgn="auto" latinLnBrk="0" hangingPunct="1">
+      <p:sp useBgFill="1">
+        <p:nvSpPr>
+          <p:cNvPr id="19" name="Rectangle 9">
+            <a:extLst>
+              <a:ext uri="{FF2B5EF4-FFF2-40B4-BE49-F238E27FC236}">
+                <a16:creationId xmlns:a16="http://schemas.microsoft.com/office/drawing/2014/main" id="{0288C6B4-AFC3-407F-A595-EFFD38D4CCAF}"/>
+              </a:ext>
+              <a:ext uri="{C183D7F6-B498-43B3-948B-1728B52AA6E4}">
+                <adec:decorative xmlns:adec="http://schemas.microsoft.com/office/drawing/2017/decorative" val="1"/>
+              </a:ext>
+            </a:extLst>
+          </p:cNvPr>
+          <p:cNvSpPr>
+            <a:spLocks noGrp="1" noRot="1" noChangeAspect="1" noMove="1" noResize="1" noEditPoints="1" noAdjustHandles="1" noChangeArrowheads="1" noChangeShapeType="1" noTextEdit="1"/>
+          </p:cNvSpPr>
+          <p:nvPr>
+            <p:extLst>
+              <p:ext uri="{386F3935-93C4-4BCD-93E2-E3B085C9AB24}">
+                <p16:designElem xmlns:p16="http://schemas.microsoft.com/office/powerpoint/2015/main" val="1"/>
+              </p:ext>
+            </p:extLst>
+          </p:nvPr>
+        </p:nvSpPr>
+        <p:spPr>
+          <a:xfrm>
+            <a:off x="0" y="0"/>
+            <a:ext cx="12192000" cy="6858000"/>
+          </a:xfrm>
+          <a:prstGeom prst="rect">
+            <a:avLst/>
+          </a:prstGeom>
+          <a:ln>
+            <a:noFill/>
+          </a:ln>
+        </p:spPr>
+        <p:style>
+          <a:lnRef idx="2">
+            <a:schemeClr val="accent1">
+              <a:shade val="50000"/>
+            </a:schemeClr>
+          </a:lnRef>
+          <a:fillRef idx="1">
+            <a:schemeClr val="accent1"/>
+          </a:fillRef>
+          <a:effectRef idx="0">
+            <a:schemeClr val="accent1"/>
+          </a:effectRef>
+          <a:fontRef idx="minor">
+            <a:schemeClr val="lt1"/>
+          </a:fontRef>
+        </p:style>
+        <p:txBody>
+          <a:bodyPr rtlCol="0" anchor="ctr"/>
+          <a:lstStyle/>
+          <a:p>
+            <a:pPr algn="ctr"/>
+            <a:endParaRPr lang="en-US"/>
+          </a:p>
+        </p:txBody>
+      </p:sp>
+      <p:sp useBgFill="1">
+        <p:nvSpPr>
+          <p:cNvPr id="20" name="Freeform: Shape 11">
+            <a:extLst>
+              <a:ext uri="{FF2B5EF4-FFF2-40B4-BE49-F238E27FC236}">
+                <a16:creationId xmlns:a16="http://schemas.microsoft.com/office/drawing/2014/main" id="{CF236821-17FE-429B-8D2C-08E13A64EA40}"/>
+              </a:ext>
+              <a:ext uri="{C183D7F6-B498-43B3-948B-1728B52AA6E4}">
+                <adec:decorative xmlns:adec="http://schemas.microsoft.com/office/drawing/2017/decorative" val="1"/>
+              </a:ext>
+            </a:extLst>
+          </p:cNvPr>
+          <p:cNvSpPr>
+            <a:spLocks noGrp="1" noRot="1" noChangeAspect="1" noMove="1" noResize="1" noEditPoints="1" noAdjustHandles="1" noChangeArrowheads="1" noChangeShapeType="1" noTextEdit="1"/>
+          </p:cNvSpPr>
+          <p:nvPr>
+            <p:extLst>
+              <p:ext uri="{386F3935-93C4-4BCD-93E2-E3B085C9AB24}">
+                <p16:designElem xmlns:p16="http://schemas.microsoft.com/office/powerpoint/2015/main" val="1"/>
+              </p:ext>
+            </p:extLst>
+          </p:nvPr>
+        </p:nvSpPr>
+        <p:spPr>
+          <a:xfrm>
+            <a:off x="-1" y="0"/>
+            <a:ext cx="4455673" cy="6858000"/>
+          </a:xfrm>
+          <a:custGeom>
+            <a:avLst/>
+            <a:gdLst>
+              <a:gd name="connsiteX0" fmla="*/ 0 w 4455673"/>
+              <a:gd name="connsiteY0" fmla="*/ 0 h 6858000"/>
+              <a:gd name="connsiteX1" fmla="*/ 3242695 w 4455673"/>
+              <a:gd name="connsiteY1" fmla="*/ 0 h 6858000"/>
+              <a:gd name="connsiteX2" fmla="*/ 3305678 w 4455673"/>
+              <a:gd name="connsiteY2" fmla="*/ 69271 h 6858000"/>
+              <a:gd name="connsiteX3" fmla="*/ 4455673 w 4455673"/>
+              <a:gd name="connsiteY3" fmla="*/ 3429000 h 6858000"/>
+              <a:gd name="connsiteX4" fmla="*/ 3305678 w 4455673"/>
+              <a:gd name="connsiteY4" fmla="*/ 6788730 h 6858000"/>
+              <a:gd name="connsiteX5" fmla="*/ 3242695 w 4455673"/>
+              <a:gd name="connsiteY5" fmla="*/ 6858000 h 6858000"/>
+              <a:gd name="connsiteX6" fmla="*/ 0 w 4455673"/>
+              <a:gd name="connsiteY6" fmla="*/ 6858000 h 6858000"/>
+            </a:gdLst>
+            <a:ahLst/>
+            <a:cxnLst>
+              <a:cxn ang="0">
+                <a:pos x="connsiteX0" y="connsiteY0"/>
+              </a:cxn>
+              <a:cxn ang="0">
+                <a:pos x="connsiteX1" y="connsiteY1"/>
+              </a:cxn>
+              <a:cxn ang="0">
+                <a:pos x="connsiteX2" y="connsiteY2"/>
+              </a:cxn>
+              <a:cxn ang="0">
+                <a:pos x="connsiteX3" y="connsiteY3"/>
+              </a:cxn>
+              <a:cxn ang="0">
+                <a:pos x="connsiteX4" y="connsiteY4"/>
+              </a:cxn>
+              <a:cxn ang="0">
+                <a:pos x="connsiteX5" y="connsiteY5"/>
+              </a:cxn>
+              <a:cxn ang="0">
+                <a:pos x="connsiteX6" y="connsiteY6"/>
+              </a:cxn>
+            </a:cxnLst>
+            <a:rect l="l" t="t" r="r" b="b"/>
+            <a:pathLst>
+              <a:path w="4455673" h="6858000">
+                <a:moveTo>
+                  <a:pt x="0" y="0"/>
+                </a:moveTo>
+                <a:lnTo>
+                  <a:pt x="3242695" y="0"/>
+                </a:lnTo>
+                <a:lnTo>
+                  <a:pt x="3305678" y="69271"/>
+                </a:lnTo>
+                <a:cubicBezTo>
+                  <a:pt x="4016204" y="929100"/>
+                  <a:pt x="4455673" y="2116944"/>
+                  <a:pt x="4455673" y="3429000"/>
+                </a:cubicBezTo>
+                <a:cubicBezTo>
+                  <a:pt x="4455673" y="4741056"/>
+                  <a:pt x="4016204" y="5928900"/>
+                  <a:pt x="3305678" y="6788730"/>
+                </a:cubicBezTo>
+                <a:lnTo>
+                  <a:pt x="3242695" y="6858000"/>
+                </a:lnTo>
+                <a:lnTo>
+                  <a:pt x="0" y="6858000"/>
+                </a:lnTo>
+                <a:close/>
+              </a:path>
+            </a:pathLst>
+          </a:custGeom>
+          <a:ln w="9525">
+            <a:solidFill>
+              <a:srgbClr val="EFEFEF"/>
+            </a:solidFill>
+          </a:ln>
+          <a:effectLst>
+            <a:outerShdw blurRad="88900" dist="38100" algn="l" rotWithShape="0">
+              <a:schemeClr val="bg1">
+                <a:lumMod val="85000"/>
+                <a:alpha val="50000"/>
+              </a:schemeClr>
+            </a:outerShdw>
+          </a:effectLst>
+        </p:spPr>
+        <p:style>
+          <a:lnRef idx="2">
+            <a:schemeClr val="accent1">
+              <a:shade val="50000"/>
+            </a:schemeClr>
+          </a:lnRef>
+          <a:fillRef idx="1">
+            <a:schemeClr val="accent1"/>
+          </a:fillRef>
+          <a:effectRef idx="0">
+            <a:schemeClr val="accent1"/>
+          </a:effectRef>
+          <a:fontRef idx="minor">
+            <a:schemeClr val="lt1"/>
+          </a:fontRef>
+        </p:style>
+        <p:txBody>
+          <a:bodyPr wrap="square" rtlCol="0" anchor="ctr">
+            <a:noAutofit/>
+          </a:bodyPr>
+          <a:lstStyle/>
+          <a:p>
+            <a:pPr marL="0" marR="0" lvl="0" indent="0" algn="ctr" defTabSz="914400" rtl="0" eaLnBrk="1" fontAlgn="auto" latinLnBrk="0" hangingPunct="1">
               <a:lnSpc>
                 <a:spcPct val="100000"/>
               </a:lnSpc>
@@ -12896,90 +13222,153 @@
               <a:tabLst/>
               <a:defRPr/>
             </a:pPr>
-            <a:fld id="{6A8A6847-FF54-4997-9E64-663FA8B5A75E}" type="slidenum">
-              <a:rPr kumimoji="0" lang="en-US" sz="1200" b="0" i="0" u="none" strike="noStrike" kern="1200" cap="none" spc="0" normalizeH="0" baseline="0" noProof="0" smtClean="0">
-                <a:ln>
-                  <a:noFill/>
-                </a:ln>
-                <a:solidFill>
-                  <a:prstClr val="black">
-                    <a:tint val="75000"/>
-                  </a:prstClr>
-                </a:solidFill>
-                <a:effectLst/>
-                <a:uLnTx/>
-                <a:uFillTx/>
-                <a:latin typeface="Calibri"/>
-                <a:ea typeface="+mn-ea"/>
-                <a:cs typeface="+mn-cs"/>
-              </a:rPr>
-              <a:pPr marL="0" marR="0" lvl="0" indent="0" algn="r" defTabSz="914400" rtl="0" eaLnBrk="1" fontAlgn="auto" latinLnBrk="0" hangingPunct="1">
-                <a:lnSpc>
-                  <a:spcPct val="100000"/>
-                </a:lnSpc>
-                <a:spcBef>
-                  <a:spcPts val="0"/>
-                </a:spcBef>
-                <a:spcAft>
-                  <a:spcPts val="0"/>
-                </a:spcAft>
-                <a:buClrTx/>
-                <a:buSzTx/>
-                <a:buFontTx/>
-                <a:buNone/>
-                <a:tabLst/>
-                <a:defRPr/>
-              </a:pPr>
-              <a:t>4</a:t>
-            </a:fld>
-            <a:endParaRPr kumimoji="0" lang="en-US" sz="1200" b="0" i="0" u="none" strike="noStrike" kern="1200" cap="none" spc="0" normalizeH="0" baseline="0" noProof="0">
+            <a:endParaRPr kumimoji="0" lang="en-US" sz="1800" b="0" i="0" u="none" strike="noStrike" kern="1200" cap="none" spc="0" normalizeH="0" baseline="0" noProof="0">
               <a:ln>
                 <a:noFill/>
               </a:ln>
               <a:solidFill>
-                <a:prstClr val="black">
-                  <a:tint val="75000"/>
-                </a:prstClr>
+                <a:prstClr val="white"/>
               </a:solidFill>
               <a:effectLst/>
               <a:uLnTx/>
               <a:uFillTx/>
-              <a:latin typeface="Calibri"/>
+              <a:latin typeface="Calibri" panose="020F0502020204030204"/>
               <a:ea typeface="+mn-ea"/>
               <a:cs typeface="+mn-cs"/>
             </a:endParaRPr>
           </a:p>
         </p:txBody>
       </p:sp>
-      <p:sp>
-        <p:nvSpPr>
-          <p:cNvPr id="3" name="TextBox 2">
-            <a:extLst>
-              <a:ext uri="{FF2B5EF4-FFF2-40B4-BE49-F238E27FC236}">
-                <a16:creationId xmlns:a16="http://schemas.microsoft.com/office/drawing/2014/main" id="{7AB5F1B2-1417-EFFA-2FFE-97AE95916F57}"/>
-              </a:ext>
-            </a:extLst>
-          </p:cNvPr>
-          <p:cNvSpPr txBox="1"/>
-          <p:nvPr/>
+      <p:sp useBgFill="1">
+        <p:nvSpPr>
+          <p:cNvPr id="21" name="Freeform: Shape 13">
+            <a:extLst>
+              <a:ext uri="{FF2B5EF4-FFF2-40B4-BE49-F238E27FC236}">
+                <a16:creationId xmlns:a16="http://schemas.microsoft.com/office/drawing/2014/main" id="{C0BDBCD2-E081-43AB-9119-C55465E59757}"/>
+              </a:ext>
+              <a:ext uri="{C183D7F6-B498-43B3-948B-1728B52AA6E4}">
+                <adec:decorative xmlns:adec="http://schemas.microsoft.com/office/drawing/2017/decorative" val="1"/>
+              </a:ext>
+            </a:extLst>
+          </p:cNvPr>
+          <p:cNvSpPr>
+            <a:spLocks noGrp="1" noRot="1" noChangeAspect="1" noMove="1" noResize="1" noEditPoints="1" noAdjustHandles="1" noChangeArrowheads="1" noChangeShapeType="1" noTextEdit="1"/>
+          </p:cNvSpPr>
+          <p:nvPr>
+            <p:extLst>
+              <p:ext uri="{386F3935-93C4-4BCD-93E2-E3B085C9AB24}">
+                <p16:designElem xmlns:p16="http://schemas.microsoft.com/office/powerpoint/2015/main" val="1"/>
+              </p:ext>
+            </p:extLst>
+          </p:nvPr>
         </p:nvSpPr>
         <p:spPr>
           <a:xfrm>
-            <a:off x="3123649" y="806615"/>
-            <a:ext cx="5486951" cy="5016758"/>
+            <a:off x="0" y="0"/>
+            <a:ext cx="4446529" cy="6858000"/>
           </a:xfrm>
-          <a:prstGeom prst="rect">
+          <a:custGeom>
             <a:avLst/>
-          </a:prstGeom>
-          <a:noFill/>
+            <a:gdLst>
+              <a:gd name="connsiteX0" fmla="*/ 0 w 4446529"/>
+              <a:gd name="connsiteY0" fmla="*/ 0 h 6858000"/>
+              <a:gd name="connsiteX1" fmla="*/ 3233551 w 4446529"/>
+              <a:gd name="connsiteY1" fmla="*/ 0 h 6858000"/>
+              <a:gd name="connsiteX2" fmla="*/ 3296534 w 4446529"/>
+              <a:gd name="connsiteY2" fmla="*/ 69271 h 6858000"/>
+              <a:gd name="connsiteX3" fmla="*/ 4446529 w 4446529"/>
+              <a:gd name="connsiteY3" fmla="*/ 3429000 h 6858000"/>
+              <a:gd name="connsiteX4" fmla="*/ 3296534 w 4446529"/>
+              <a:gd name="connsiteY4" fmla="*/ 6788730 h 6858000"/>
+              <a:gd name="connsiteX5" fmla="*/ 3233551 w 4446529"/>
+              <a:gd name="connsiteY5" fmla="*/ 6858000 h 6858000"/>
+              <a:gd name="connsiteX6" fmla="*/ 0 w 4446529"/>
+              <a:gd name="connsiteY6" fmla="*/ 6858000 h 6858000"/>
+            </a:gdLst>
+            <a:ahLst/>
+            <a:cxnLst>
+              <a:cxn ang="0">
+                <a:pos x="connsiteX0" y="connsiteY0"/>
+              </a:cxn>
+              <a:cxn ang="0">
+                <a:pos x="connsiteX1" y="connsiteY1"/>
+              </a:cxn>
+              <a:cxn ang="0">
+                <a:pos x="connsiteX2" y="connsiteY2"/>
+              </a:cxn>
+              <a:cxn ang="0">
+                <a:pos x="connsiteX3" y="connsiteY3"/>
+              </a:cxn>
+              <a:cxn ang="0">
+                <a:pos x="connsiteX4" y="connsiteY4"/>
+              </a:cxn>
+              <a:cxn ang="0">
+                <a:pos x="connsiteX5" y="connsiteY5"/>
+              </a:cxn>
+              <a:cxn ang="0">
+                <a:pos x="connsiteX6" y="connsiteY6"/>
+              </a:cxn>
+            </a:cxnLst>
+            <a:rect l="l" t="t" r="r" b="b"/>
+            <a:pathLst>
+              <a:path w="4446529" h="6858000">
+                <a:moveTo>
+                  <a:pt x="0" y="0"/>
+                </a:moveTo>
+                <a:lnTo>
+                  <a:pt x="3233551" y="0"/>
+                </a:lnTo>
+                <a:lnTo>
+                  <a:pt x="3296534" y="69271"/>
+                </a:lnTo>
+                <a:cubicBezTo>
+                  <a:pt x="4007060" y="929100"/>
+                  <a:pt x="4446529" y="2116944"/>
+                  <a:pt x="4446529" y="3429000"/>
+                </a:cubicBezTo>
+                <a:cubicBezTo>
+                  <a:pt x="4446529" y="4741056"/>
+                  <a:pt x="4007060" y="5928900"/>
+                  <a:pt x="3296534" y="6788730"/>
+                </a:cubicBezTo>
+                <a:lnTo>
+                  <a:pt x="3233551" y="6858000"/>
+                </a:lnTo>
+                <a:lnTo>
+                  <a:pt x="0" y="6858000"/>
+                </a:lnTo>
+                <a:close/>
+              </a:path>
+            </a:pathLst>
+          </a:custGeom>
+          <a:ln w="9525">
+            <a:noFill/>
+          </a:ln>
+          <a:effectLst/>
         </p:spPr>
-        <p:txBody>
-          <a:bodyPr wrap="none" rtlCol="0">
-            <a:spAutoFit/>
+        <p:style>
+          <a:lnRef idx="2">
+            <a:schemeClr val="accent1">
+              <a:shade val="50000"/>
+            </a:schemeClr>
+          </a:lnRef>
+          <a:fillRef idx="1">
+            <a:schemeClr val="accent1"/>
+          </a:fillRef>
+          <a:effectRef idx="0">
+            <a:schemeClr val="accent1"/>
+          </a:effectRef>
+          <a:fontRef idx="minor">
+            <a:schemeClr val="lt1"/>
+          </a:fontRef>
+        </p:style>
+        <p:txBody>
+          <a:bodyPr wrap="square" rtlCol="0" anchor="ctr">
+            <a:noAutofit/>
           </a:bodyPr>
           <a:lstStyle/>
           <a:p>
-            <a:pPr marL="0" marR="0" lvl="0" indent="0" algn="l" defTabSz="914400" rtl="0" eaLnBrk="1" fontAlgn="auto" latinLnBrk="0" hangingPunct="1">
+            <a:pPr marL="0" marR="0" lvl="0" indent="0" algn="ctr" defTabSz="914400" rtl="0" eaLnBrk="1" fontAlgn="auto" latinLnBrk="0" hangingPunct="1">
               <a:lnSpc>
                 <a:spcPct val="100000"/>
               </a:lnSpc>
@@ -12996,26 +13385,151 @@
               <a:tabLst/>
               <a:defRPr/>
             </a:pPr>
-            <a:r>
-              <a:rPr kumimoji="0" lang="en-US" sz="2800" b="0" i="0" u="none" strike="noStrike" kern="1200" cap="none" spc="0" normalizeH="0" baseline="0" noProof="0" dirty="0">
-                <a:ln>
-                  <a:noFill/>
-                </a:ln>
-                <a:solidFill>
-                  <a:prstClr val="black"/>
-                </a:solidFill>
-                <a:effectLst/>
-                <a:uLnTx/>
-                <a:uFillTx/>
-                <a:latin typeface="Calibri"/>
-                <a:ea typeface="+mn-ea"/>
-                <a:cs typeface="+mn-cs"/>
-              </a:rPr>
-              <a:t>Mission Code:  		B24</a:t>
-            </a:r>
-          </a:p>
-          <a:p>
-            <a:pPr marL="0" marR="0" lvl="0" indent="0" algn="l" defTabSz="914400" rtl="0" eaLnBrk="1" fontAlgn="auto" latinLnBrk="0" hangingPunct="1">
+            <a:endParaRPr kumimoji="0" lang="en-US" sz="1800" b="0" i="0" u="none" strike="noStrike" kern="1200" cap="none" spc="0" normalizeH="0" baseline="0" noProof="0">
+              <a:ln>
+                <a:noFill/>
+              </a:ln>
+              <a:solidFill>
+                <a:prstClr val="white"/>
+              </a:solidFill>
+              <a:effectLst/>
+              <a:uLnTx/>
+              <a:uFillTx/>
+              <a:latin typeface="Calibri" panose="020F0502020204030204"/>
+              <a:ea typeface="+mn-ea"/>
+              <a:cs typeface="+mn-cs"/>
+            </a:endParaRPr>
+          </a:p>
+        </p:txBody>
+      </p:sp>
+      <p:sp>
+        <p:nvSpPr>
+          <p:cNvPr id="22" name="Rectangle 15">
+            <a:extLst>
+              <a:ext uri="{FF2B5EF4-FFF2-40B4-BE49-F238E27FC236}">
+                <a16:creationId xmlns:a16="http://schemas.microsoft.com/office/drawing/2014/main" id="{98E79BE4-34FE-485A-98A5-92CE8F7C4743}"/>
+              </a:ext>
+              <a:ext uri="{C183D7F6-B498-43B3-948B-1728B52AA6E4}">
+                <adec:decorative xmlns:adec="http://schemas.microsoft.com/office/drawing/2017/decorative" val="1"/>
+              </a:ext>
+            </a:extLst>
+          </p:cNvPr>
+          <p:cNvSpPr>
+            <a:spLocks noGrp="1" noRot="1" noChangeAspect="1" noMove="1" noResize="1" noEditPoints="1" noAdjustHandles="1" noChangeArrowheads="1" noChangeShapeType="1" noTextEdit="1"/>
+          </p:cNvSpPr>
+          <p:nvPr>
+            <p:extLst>
+              <p:ext uri="{386F3935-93C4-4BCD-93E2-E3B085C9AB24}">
+                <p16:designElem xmlns:p16="http://schemas.microsoft.com/office/powerpoint/2015/main" val="1"/>
+              </p:ext>
+            </p:extLst>
+          </p:nvPr>
+        </p:nvSpPr>
+        <p:spPr>
+          <a:xfrm>
+            <a:off x="0" y="1426546"/>
+            <a:ext cx="128016" cy="653903"/>
+          </a:xfrm>
+          <a:prstGeom prst="rect">
+            <a:avLst/>
+          </a:prstGeom>
+          <a:solidFill>
+            <a:schemeClr val="accent2"/>
+          </a:solidFill>
+          <a:ln>
+            <a:noFill/>
+          </a:ln>
+        </p:spPr>
+        <p:style>
+          <a:lnRef idx="2">
+            <a:schemeClr val="accent1">
+              <a:shade val="50000"/>
+            </a:schemeClr>
+          </a:lnRef>
+          <a:fillRef idx="1">
+            <a:schemeClr val="accent1"/>
+          </a:fillRef>
+          <a:effectRef idx="0">
+            <a:schemeClr val="accent1"/>
+          </a:effectRef>
+          <a:fontRef idx="minor">
+            <a:schemeClr val="lt1"/>
+          </a:fontRef>
+        </p:style>
+        <p:txBody>
+          <a:bodyPr rtlCol="0" anchor="ctr"/>
+          <a:lstStyle/>
+          <a:p>
+            <a:pPr algn="ctr"/>
+            <a:endParaRPr lang="en-US">
+              <a:solidFill>
+                <a:prstClr val="white"/>
+              </a:solidFill>
+              <a:latin typeface="Calibri" panose="020F0502020204030204"/>
+            </a:endParaRPr>
+          </a:p>
+        </p:txBody>
+      </p:sp>
+      <p:sp>
+        <p:nvSpPr>
+          <p:cNvPr id="23" name="Rectangle 17">
+            <a:extLst>
+              <a:ext uri="{FF2B5EF4-FFF2-40B4-BE49-F238E27FC236}">
+                <a16:creationId xmlns:a16="http://schemas.microsoft.com/office/drawing/2014/main" id="{7A5F0580-5EE9-419F-96EE-B6529EF6E7D0}"/>
+              </a:ext>
+              <a:ext uri="{C183D7F6-B498-43B3-948B-1728B52AA6E4}">
+                <adec:decorative xmlns:adec="http://schemas.microsoft.com/office/drawing/2017/decorative" val="1"/>
+              </a:ext>
+            </a:extLst>
+          </p:cNvPr>
+          <p:cNvSpPr>
+            <a:spLocks noGrp="1" noRot="1" noChangeAspect="1" noMove="1" noResize="1" noEditPoints="1" noAdjustHandles="1" noChangeArrowheads="1" noChangeShapeType="1" noTextEdit="1"/>
+          </p:cNvSpPr>
+          <p:nvPr>
+            <p:extLst>
+              <p:ext uri="{386F3935-93C4-4BCD-93E2-E3B085C9AB24}">
+                <p16:designElem xmlns:p16="http://schemas.microsoft.com/office/powerpoint/2015/main" val="1"/>
+              </p:ext>
+            </p:extLst>
+          </p:nvPr>
+        </p:nvSpPr>
+        <p:spPr>
+          <a:xfrm>
+            <a:off x="395893" y="2443480"/>
+            <a:ext cx="3383280" cy="18288"/>
+          </a:xfrm>
+          <a:prstGeom prst="rect">
+            <a:avLst/>
+          </a:prstGeom>
+          <a:solidFill>
+            <a:srgbClr val="D5D5D5"/>
+          </a:solidFill>
+          <a:ln w="3175">
+            <a:noFill/>
+          </a:ln>
+          <a:effectLst/>
+        </p:spPr>
+        <p:style>
+          <a:lnRef idx="2">
+            <a:schemeClr val="accent1">
+              <a:shade val="50000"/>
+            </a:schemeClr>
+          </a:lnRef>
+          <a:fillRef idx="1">
+            <a:schemeClr val="accent1"/>
+          </a:fillRef>
+          <a:effectRef idx="0">
+            <a:schemeClr val="accent1"/>
+          </a:effectRef>
+          <a:fontRef idx="minor">
+            <a:schemeClr val="lt1"/>
+          </a:fontRef>
+        </p:style>
+        <p:txBody>
+          <a:bodyPr rtlCol="0" anchor="ctr"/>
+          <a:lstStyle/>
+          <a:p>
+            <a:pPr marL="0" marR="0" lvl="0" indent="0" algn="ctr" defTabSz="914400" rtl="0" eaLnBrk="1" fontAlgn="auto" latinLnBrk="0" hangingPunct="1">
               <a:lnSpc>
                 <a:spcPct val="100000"/>
               </a:lnSpc>
@@ -13032,256 +13546,59 @@
               <a:tabLst/>
               <a:defRPr/>
             </a:pPr>
-            <a:r>
-              <a:rPr kumimoji="0" lang="en-US" sz="2800" b="0" i="0" u="none" strike="noStrike" kern="1200" cap="none" spc="0" normalizeH="0" baseline="0" noProof="0" dirty="0">
-                <a:ln>
-                  <a:noFill/>
-                </a:ln>
-                <a:solidFill>
-                  <a:prstClr val="black"/>
-                </a:solidFill>
-                <a:effectLst/>
-                <a:uLnTx/>
-                <a:uFillTx/>
-                <a:latin typeface="Calibri"/>
-                <a:ea typeface="+mn-ea"/>
-                <a:cs typeface="+mn-cs"/>
-              </a:rPr>
-              <a:t>Location: 			Atlanta</a:t>
-            </a:r>
-          </a:p>
-          <a:p>
-            <a:pPr marL="0" marR="0" lvl="0" indent="0" algn="l" defTabSz="914400" rtl="0" eaLnBrk="1" fontAlgn="auto" latinLnBrk="0" hangingPunct="1">
+            <a:endParaRPr kumimoji="0" lang="en-US" sz="1800" b="0" i="0" u="none" strike="noStrike" kern="1200" cap="none" spc="0" normalizeH="0" baseline="0" noProof="0">
+              <a:ln>
+                <a:noFill/>
+              </a:ln>
+              <a:solidFill>
+                <a:prstClr val="white"/>
+              </a:solidFill>
+              <a:effectLst/>
+              <a:uLnTx/>
+              <a:uFillTx/>
+              <a:latin typeface="Calibri" panose="020F0502020204030204"/>
+              <a:ea typeface="+mn-ea"/>
+              <a:cs typeface="+mn-cs"/>
+            </a:endParaRPr>
+          </a:p>
+        </p:txBody>
+      </p:sp>
+      <p:sp>
+        <p:nvSpPr>
+          <p:cNvPr id="3" name="TextBox 2">
+            <a:extLst>
+              <a:ext uri="{FF2B5EF4-FFF2-40B4-BE49-F238E27FC236}">
+                <a16:creationId xmlns:a16="http://schemas.microsoft.com/office/drawing/2014/main" id="{7AB5F1B2-1417-EFFA-2FFE-97AE95916F57}"/>
+              </a:ext>
+            </a:extLst>
+          </p:cNvPr>
+          <p:cNvSpPr txBox="1"/>
+          <p:nvPr/>
+        </p:nvSpPr>
+        <p:spPr>
+          <a:xfrm>
+            <a:off x="371093" y="2718054"/>
+            <a:ext cx="4949051" cy="3207258"/>
+          </a:xfrm>
+          <a:prstGeom prst="rect">
+            <a:avLst/>
+          </a:prstGeom>
+        </p:spPr>
+        <p:txBody>
+          <a:bodyPr vert="horz" lIns="91440" tIns="45720" rIns="91440" bIns="45720" rtlCol="0" anchor="t">
+            <a:normAutofit/>
+          </a:bodyPr>
+          <a:lstStyle/>
+          <a:p>
+            <a:pPr marL="0" marR="0" lvl="0" indent="-228600" fontAlgn="auto">
               <a:lnSpc>
-                <a:spcPct val="100000"/>
+                <a:spcPct val="90000"/>
               </a:lnSpc>
               <a:spcBef>
                 <a:spcPts val="0"/>
               </a:spcBef>
               <a:spcAft>
-                <a:spcPts val="0"/>
-              </a:spcAft>
-              <a:buClrTx/>
-              <a:buSzTx/>
-              <a:buFontTx/>
-              <a:buNone/>
-              <a:tabLst/>
-              <a:defRPr/>
-            </a:pPr>
-            <a:r>
-              <a:rPr kumimoji="0" lang="en-US" sz="2800" b="0" i="0" u="none" strike="noStrike" kern="1200" cap="none" spc="0" normalizeH="0" baseline="0" noProof="0" dirty="0">
-                <a:ln>
-                  <a:noFill/>
-                </a:ln>
-                <a:solidFill>
-                  <a:prstClr val="black"/>
-                </a:solidFill>
-                <a:effectLst/>
-                <a:uLnTx/>
-                <a:uFillTx/>
-                <a:latin typeface="Calibri"/>
-                <a:ea typeface="+mn-ea"/>
-                <a:cs typeface="+mn-cs"/>
-              </a:rPr>
-              <a:t>Annual Budget:	 	$5m</a:t>
-            </a:r>
-          </a:p>
-          <a:p>
-            <a:pPr marL="0" marR="0" lvl="0" indent="0" algn="l" defTabSz="914400" rtl="0" eaLnBrk="1" fontAlgn="auto" latinLnBrk="0" hangingPunct="1">
-              <a:lnSpc>
-                <a:spcPct val="100000"/>
-              </a:lnSpc>
-              <a:spcBef>
-                <a:spcPts val="0"/>
-              </a:spcBef>
-              <a:spcAft>
-                <a:spcPts val="0"/>
-              </a:spcAft>
-              <a:buClrTx/>
-              <a:buSzTx/>
-              <a:buFontTx/>
-              <a:buNone/>
-              <a:tabLst/>
-              <a:defRPr/>
-            </a:pPr>
-            <a:endParaRPr lang="en-US" sz="2800" dirty="0">
-              <a:solidFill>
-                <a:prstClr val="black"/>
-              </a:solidFill>
-              <a:latin typeface="Calibri"/>
-            </a:endParaRPr>
-          </a:p>
-          <a:p>
-            <a:pPr marL="0" marR="0" lvl="0" indent="0" algn="l" defTabSz="914400" rtl="0" eaLnBrk="1" fontAlgn="auto" latinLnBrk="0" hangingPunct="1">
-              <a:lnSpc>
-                <a:spcPct val="100000"/>
-              </a:lnSpc>
-              <a:spcBef>
-                <a:spcPts val="0"/>
-              </a:spcBef>
-              <a:spcAft>
-                <a:spcPts val="0"/>
-              </a:spcAft>
-              <a:buClrTx/>
-              <a:buSzTx/>
-              <a:buFontTx/>
-              <a:buNone/>
-              <a:tabLst/>
-              <a:defRPr/>
-            </a:pPr>
-            <a:endParaRPr kumimoji="0" lang="en-US" sz="2800" b="0" i="0" u="none" strike="noStrike" kern="1200" cap="none" spc="0" normalizeH="0" baseline="0" noProof="0" dirty="0">
-              <a:ln>
-                <a:noFill/>
-              </a:ln>
-              <a:solidFill>
-                <a:prstClr val="black"/>
-              </a:solidFill>
-              <a:effectLst/>
-              <a:uLnTx/>
-              <a:uFillTx/>
-              <a:latin typeface="Calibri"/>
-              <a:ea typeface="+mn-ea"/>
-              <a:cs typeface="+mn-cs"/>
-            </a:endParaRPr>
-          </a:p>
-          <a:p>
-            <a:pPr marL="0" marR="0" lvl="0" indent="0" algn="l" defTabSz="914400" rtl="0" eaLnBrk="1" fontAlgn="auto" latinLnBrk="0" hangingPunct="1">
-              <a:lnSpc>
-                <a:spcPct val="100000"/>
-              </a:lnSpc>
-              <a:spcBef>
-                <a:spcPts val="0"/>
-              </a:spcBef>
-              <a:spcAft>
-                <a:spcPts val="0"/>
-              </a:spcAft>
-              <a:buClrTx/>
-              <a:buSzTx/>
-              <a:buFontTx/>
-              <a:buNone/>
-              <a:tabLst/>
-              <a:defRPr/>
-            </a:pPr>
-            <a:r>
-              <a:rPr lang="en-US" dirty="0">
-                <a:solidFill>
-                  <a:prstClr val="black"/>
-                </a:solidFill>
-                <a:latin typeface="Calibri"/>
-              </a:rPr>
-              <a:t>State</a:t>
-            </a:r>
-          </a:p>
-          <a:p>
-            <a:pPr marL="0" marR="0" lvl="0" indent="0" algn="l" defTabSz="914400" rtl="0" eaLnBrk="1" fontAlgn="auto" latinLnBrk="0" hangingPunct="1">
-              <a:lnSpc>
-                <a:spcPct val="100000"/>
-              </a:lnSpc>
-              <a:spcBef>
-                <a:spcPts val="0"/>
-              </a:spcBef>
-              <a:spcAft>
-                <a:spcPts val="0"/>
-              </a:spcAft>
-              <a:buClrTx/>
-              <a:buSzTx/>
-              <a:buFontTx/>
-              <a:buNone/>
-              <a:tabLst/>
-              <a:defRPr/>
-            </a:pPr>
-            <a:r>
-              <a:rPr kumimoji="0" lang="en-US" b="0" i="0" u="none" strike="noStrike" kern="1200" cap="none" spc="0" normalizeH="0" baseline="0" noProof="0" dirty="0">
-                <a:ln>
-                  <a:noFill/>
-                </a:ln>
-                <a:solidFill>
-                  <a:prstClr val="black"/>
-                </a:solidFill>
-                <a:effectLst/>
-                <a:uLnTx/>
-                <a:uFillTx/>
-                <a:latin typeface="Calibri"/>
-                <a:ea typeface="+mn-ea"/>
-                <a:cs typeface="+mn-cs"/>
-              </a:rPr>
-              <a:t>Location Type (urban/rural)</a:t>
-            </a:r>
-          </a:p>
-          <a:p>
-            <a:pPr marL="0" marR="0" lvl="0" indent="0" algn="l" defTabSz="914400" rtl="0" eaLnBrk="1" fontAlgn="auto" latinLnBrk="0" hangingPunct="1">
-              <a:lnSpc>
-                <a:spcPct val="100000"/>
-              </a:lnSpc>
-              <a:spcBef>
-                <a:spcPts val="0"/>
-              </a:spcBef>
-              <a:spcAft>
-                <a:spcPts val="0"/>
-              </a:spcAft>
-              <a:buClrTx/>
-              <a:buSzTx/>
-              <a:buFontTx/>
-              <a:buNone/>
-              <a:tabLst/>
-              <a:defRPr/>
-            </a:pPr>
-            <a:r>
-              <a:rPr kumimoji="0" lang="en-US" b="0" i="0" u="none" strike="noStrike" kern="1200" cap="none" spc="0" normalizeH="0" baseline="0" noProof="0" dirty="0">
-                <a:ln>
-                  <a:noFill/>
-                </a:ln>
-                <a:solidFill>
-                  <a:prstClr val="black"/>
-                </a:solidFill>
-                <a:effectLst/>
-                <a:uLnTx/>
-                <a:uFillTx/>
-                <a:latin typeface="Calibri"/>
-                <a:ea typeface="+mn-ea"/>
-                <a:cs typeface="+mn-cs"/>
-              </a:rPr>
-              <a:t>Size (expenses)</a:t>
-            </a:r>
-          </a:p>
-          <a:p>
-            <a:pPr marL="0" marR="0" lvl="0" indent="0" algn="l" defTabSz="914400" rtl="0" eaLnBrk="1" fontAlgn="auto" latinLnBrk="0" hangingPunct="1">
-              <a:lnSpc>
-                <a:spcPct val="100000"/>
-              </a:lnSpc>
-              <a:spcBef>
-                <a:spcPts val="0"/>
-              </a:spcBef>
-              <a:spcAft>
-                <a:spcPts val="0"/>
-              </a:spcAft>
-              <a:buClrTx/>
-              <a:buSzTx/>
-              <a:buFontTx/>
-              <a:buNone/>
-              <a:tabLst/>
-              <a:defRPr/>
-            </a:pPr>
-            <a:r>
-              <a:rPr lang="en-US" dirty="0">
-                <a:solidFill>
-                  <a:prstClr val="black"/>
-                </a:solidFill>
-                <a:latin typeface="Calibri"/>
-              </a:rPr>
-              <a:t>NTEE code</a:t>
-            </a:r>
-          </a:p>
-          <a:p>
-            <a:pPr marL="457200" marR="0" lvl="0" indent="-457200" algn="l" defTabSz="914400" rtl="0" eaLnBrk="1" fontAlgn="auto" latinLnBrk="0" hangingPunct="1">
-              <a:lnSpc>
-                <a:spcPct val="100000"/>
-              </a:lnSpc>
-              <a:spcBef>
-                <a:spcPts val="0"/>
-              </a:spcBef>
-              <a:spcAft>
-                <a:spcPts val="0"/>
+                <a:spcPts val="600"/>
               </a:spcAft>
               <a:buClrTx/>
               <a:buSzTx/>
@@ -13291,79 +13608,40 @@
               <a:defRPr/>
             </a:pPr>
             <a:r>
-              <a:rPr kumimoji="0" lang="en-US" b="0" i="0" u="none" strike="noStrike" kern="1200" cap="none" spc="0" normalizeH="0" baseline="0" noProof="0" dirty="0">
+              <a:rPr kumimoji="0" lang="en-US" sz="1700" b="0" i="0" u="none" strike="noStrike" cap="none" spc="0" normalizeH="0" baseline="0" noProof="0" dirty="0">
                 <a:ln>
                   <a:noFill/>
                 </a:ln>
-                <a:solidFill>
-                  <a:prstClr val="black"/>
-                </a:solidFill>
                 <a:effectLst/>
                 <a:uLnTx/>
                 <a:uFillTx/>
-                <a:latin typeface="Calibri"/>
-                <a:ea typeface="+mn-ea"/>
-                <a:cs typeface="+mn-cs"/>
               </a:rPr>
-              <a:t>Specialty</a:t>
-            </a:r>
-          </a:p>
-          <a:p>
-            <a:pPr marL="914400" lvl="1" indent="-457200">
-              <a:buFont typeface="Arial" panose="020B0604020202020204" pitchFamily="34" charset="0"/>
-              <a:buChar char="•"/>
-            </a:pPr>
-            <a:r>
-              <a:rPr kumimoji="0" lang="en-US" b="0" i="0" u="none" strike="noStrike" kern="1200" cap="none" spc="0" normalizeH="0" baseline="0" noProof="0" dirty="0">
+              <a:t>Mission Code:  	</a:t>
+            </a:r>
+            <a:r>
+              <a:rPr kumimoji="0" lang="en-US" sz="1700" b="0" i="0" u="none" strike="noStrike" cap="none" spc="0" normalizeH="0" baseline="0" noProof="0" dirty="0">
                 <a:ln>
                   <a:noFill/>
                 </a:ln>
-                <a:solidFill>
-                  <a:prstClr val="black"/>
-                </a:solidFill>
                 <a:effectLst/>
                 <a:uLnTx/>
                 <a:uFillTx/>
-                <a:latin typeface="Calibri"/>
-                <a:ea typeface="+mn-ea"/>
-                <a:cs typeface="+mn-cs"/>
+                <a:latin typeface="Amasis MT Pro Black" panose="02040A04050005020304" pitchFamily="18" charset="0"/>
+                <a:cs typeface="Aharoni" panose="02010803020104030203" pitchFamily="2" charset="-79"/>
               </a:rPr>
-              <a:t>Letter + 4 </a:t>
-            </a:r>
-            <a:r>
-              <a:rPr lang="en-US" dirty="0">
-                <a:solidFill>
-                  <a:prstClr val="black"/>
-                </a:solidFill>
-                <a:latin typeface="Calibri"/>
-              </a:rPr>
-              <a:t>digits</a:t>
-            </a:r>
-            <a:endParaRPr kumimoji="0" lang="en-US" b="0" i="0" u="none" strike="noStrike" kern="1200" cap="none" spc="0" normalizeH="0" baseline="0" noProof="0" dirty="0">
-              <a:ln>
-                <a:noFill/>
-              </a:ln>
-              <a:solidFill>
-                <a:prstClr val="black"/>
-              </a:solidFill>
-              <a:effectLst/>
-              <a:uLnTx/>
-              <a:uFillTx/>
-              <a:latin typeface="Calibri"/>
-              <a:ea typeface="+mn-ea"/>
-              <a:cs typeface="+mn-cs"/>
-            </a:endParaRPr>
-          </a:p>
-          <a:p>
-            <a:pPr marL="457200" marR="0" lvl="0" indent="-457200" algn="l" defTabSz="914400" rtl="0" eaLnBrk="1" fontAlgn="auto" latinLnBrk="0" hangingPunct="1">
+              <a:t>B24</a:t>
+            </a:r>
+          </a:p>
+          <a:p>
+            <a:pPr marL="0" marR="0" lvl="0" indent="-228600" fontAlgn="auto">
               <a:lnSpc>
-                <a:spcPct val="100000"/>
+                <a:spcPct val="90000"/>
               </a:lnSpc>
               <a:spcBef>
                 <a:spcPts val="0"/>
               </a:spcBef>
               <a:spcAft>
-                <a:spcPts val="0"/>
+                <a:spcPts val="600"/>
               </a:spcAft>
               <a:buClrTx/>
               <a:buSzTx/>
@@ -13373,80 +13651,268 @@
               <a:defRPr/>
             </a:pPr>
             <a:r>
-              <a:rPr lang="en-US" dirty="0">
-                <a:solidFill>
-                  <a:prstClr val="black"/>
-                </a:solidFill>
-                <a:latin typeface="Calibri"/>
+              <a:rPr kumimoji="0" lang="en-US" sz="1700" b="0" i="0" u="none" strike="noStrike" cap="none" spc="0" normalizeH="0" baseline="0" noProof="0" dirty="0">
+                <a:ln>
+                  <a:noFill/>
+                </a:ln>
+                <a:effectLst/>
+                <a:uLnTx/>
+                <a:uFillTx/>
               </a:rPr>
-              <a:t>Regular</a:t>
-            </a:r>
-          </a:p>
-          <a:p>
-            <a:pPr marL="914400" lvl="1" indent="-457200">
+              <a:t>Location: 	</a:t>
+            </a:r>
+            <a:r>
+              <a:rPr kumimoji="0" lang="en-US" sz="1700" b="0" i="0" u="none" strike="noStrike" cap="none" spc="0" normalizeH="0" baseline="0" noProof="0" dirty="0">
+                <a:ln>
+                  <a:noFill/>
+                </a:ln>
+                <a:effectLst/>
+                <a:uLnTx/>
+                <a:uFillTx/>
+                <a:latin typeface="Amasis MT Pro Black" panose="02040A04050005020304" pitchFamily="18" charset="0"/>
+              </a:rPr>
+              <a:t>Atlanta</a:t>
+            </a:r>
+          </a:p>
+          <a:p>
+            <a:pPr indent="-228600">
+              <a:lnSpc>
+                <a:spcPct val="90000"/>
+              </a:lnSpc>
+              <a:spcAft>
+                <a:spcPts val="600"/>
+              </a:spcAft>
               <a:buFont typeface="Arial" panose="020B0604020202020204" pitchFamily="34" charset="0"/>
               <a:buChar char="•"/>
+              <a:defRPr/>
             </a:pPr>
             <a:r>
-              <a:rPr kumimoji="0" lang="en-US" b="0" i="0" u="none" strike="noStrike" kern="1200" cap="none" spc="0" normalizeH="0" baseline="0" noProof="0" dirty="0">
+              <a:rPr kumimoji="0" lang="en-US" sz="1700" b="0" i="0" u="none" strike="noStrike" cap="none" spc="0" normalizeH="0" baseline="0" noProof="0" dirty="0">
+                <a:ln>
+                  <a:noFill/>
+                </a:ln>
+                <a:effectLst/>
+                <a:uLnTx/>
+                <a:uFillTx/>
+              </a:rPr>
+              <a:t>Annual Budget:	</a:t>
+            </a:r>
+            <a:r>
+              <a:rPr kumimoji="0" lang="en-US" sz="1700" b="0" i="0" u="none" strike="noStrike" cap="none" spc="0" normalizeH="0" baseline="0" noProof="0" dirty="0">
+                <a:ln>
+                  <a:noFill/>
+                </a:ln>
+                <a:effectLst/>
+                <a:uLnTx/>
+                <a:uFillTx/>
+                <a:latin typeface="Amasis MT Pro Black" panose="02040A04050005020304" pitchFamily="18" charset="0"/>
+              </a:rPr>
+              <a:t>$5m</a:t>
+            </a:r>
+          </a:p>
+          <a:p>
+            <a:pPr marL="0" marR="0" lvl="0" indent="-228600" fontAlgn="auto">
+              <a:lnSpc>
+                <a:spcPct val="90000"/>
+              </a:lnSpc>
+              <a:spcBef>
+                <a:spcPts val="0"/>
+              </a:spcBef>
+              <a:spcAft>
+                <a:spcPts val="600"/>
+              </a:spcAft>
+              <a:buClrTx/>
+              <a:buSzTx/>
+              <a:buFont typeface="Arial" panose="020B0604020202020204" pitchFamily="34" charset="0"/>
+              <a:buChar char="•"/>
+              <a:tabLst/>
+              <a:defRPr/>
+            </a:pPr>
+            <a:r>
+              <a:rPr lang="en-US" sz="1700" dirty="0"/>
+              <a:t>Exclude:         	</a:t>
+            </a:r>
+            <a:r>
+              <a:rPr lang="en-US" sz="1700" dirty="0">
+                <a:latin typeface="Amasis MT Pro Black" panose="02040A04050005020304" pitchFamily="18" charset="0"/>
+              </a:rPr>
+              <a:t>Rural nonprofits</a:t>
+            </a:r>
+            <a:endParaRPr kumimoji="0" lang="en-US" sz="1700" b="0" i="0" u="none" strike="noStrike" cap="none" spc="0" normalizeH="0" baseline="0" noProof="0" dirty="0">
+              <a:ln>
+                <a:noFill/>
+              </a:ln>
+              <a:effectLst/>
+              <a:uLnTx/>
+              <a:uFillTx/>
+              <a:latin typeface="Amasis MT Pro Black" panose="02040A04050005020304" pitchFamily="18" charset="0"/>
+            </a:endParaRPr>
+          </a:p>
+          <a:p>
+            <a:pPr marL="0" marR="0" lvl="0" indent="-228600" fontAlgn="auto">
+              <a:lnSpc>
+                <a:spcPct val="90000"/>
+              </a:lnSpc>
+              <a:spcBef>
+                <a:spcPts val="0"/>
+              </a:spcBef>
+              <a:spcAft>
+                <a:spcPts val="600"/>
+              </a:spcAft>
+              <a:buClrTx/>
+              <a:buSzTx/>
+              <a:buFont typeface="Arial" panose="020B0604020202020204" pitchFamily="34" charset="0"/>
+              <a:buChar char="•"/>
+              <a:tabLst/>
+              <a:defRPr/>
+            </a:pPr>
+            <a:endParaRPr lang="en-US" sz="1700" dirty="0"/>
+          </a:p>
+          <a:p>
+            <a:pPr marL="0" marR="0" lvl="0" indent="-228600" fontAlgn="auto">
+              <a:lnSpc>
+                <a:spcPct val="90000"/>
+              </a:lnSpc>
+              <a:spcBef>
+                <a:spcPts val="0"/>
+              </a:spcBef>
+              <a:spcAft>
+                <a:spcPts val="600"/>
+              </a:spcAft>
+              <a:buClrTx/>
+              <a:buSzTx/>
+              <a:buFont typeface="Arial" panose="020B0604020202020204" pitchFamily="34" charset="0"/>
+              <a:buChar char="•"/>
+              <a:tabLst/>
+              <a:defRPr/>
+            </a:pPr>
+            <a:endParaRPr kumimoji="0" lang="en-US" sz="1700" b="0" i="0" u="none" strike="noStrike" cap="none" spc="0" normalizeH="0" baseline="0" noProof="0" dirty="0">
+              <a:ln>
+                <a:noFill/>
+              </a:ln>
+              <a:effectLst/>
+              <a:uLnTx/>
+              <a:uFillTx/>
+            </a:endParaRPr>
+          </a:p>
+        </p:txBody>
+      </p:sp>
+      <p:pic>
+        <p:nvPicPr>
+          <p:cNvPr id="5" name="Picture 4">
+            <a:extLst>
+              <a:ext uri="{FF2B5EF4-FFF2-40B4-BE49-F238E27FC236}">
+                <a16:creationId xmlns:a16="http://schemas.microsoft.com/office/drawing/2014/main" id="{ACAE5FAA-2614-7C0A-9FA6-DCD186DF1D51}"/>
+              </a:ext>
+            </a:extLst>
+          </p:cNvPr>
+          <p:cNvPicPr>
+            <a:picLocks noChangeAspect="1"/>
+          </p:cNvPicPr>
+          <p:nvPr/>
+        </p:nvPicPr>
+        <p:blipFill>
+          <a:blip r:embed="rId2"/>
+          <a:stretch>
+            <a:fillRect/>
+          </a:stretch>
+        </p:blipFill>
+        <p:spPr>
+          <a:xfrm>
+            <a:off x="4901184" y="996021"/>
+            <a:ext cx="6922008" cy="4966541"/>
+          </a:xfrm>
+          <a:prstGeom prst="rect">
+            <a:avLst/>
+          </a:prstGeom>
+        </p:spPr>
+      </p:pic>
+      <p:sp>
+        <p:nvSpPr>
+          <p:cNvPr id="2" name="Slide Number Placeholder 1">
+            <a:extLst>
+              <a:ext uri="{FF2B5EF4-FFF2-40B4-BE49-F238E27FC236}">
+                <a16:creationId xmlns:a16="http://schemas.microsoft.com/office/drawing/2014/main" id="{9A42AE67-4E3D-1698-8B4F-F47D32F779B7}"/>
+              </a:ext>
+            </a:extLst>
+          </p:cNvPr>
+          <p:cNvSpPr>
+            <a:spLocks noGrp="1"/>
+          </p:cNvSpPr>
+          <p:nvPr>
+            <p:ph type="sldNum" sz="quarter" idx="12"/>
+          </p:nvPr>
+        </p:nvSpPr>
+        <p:spPr>
+          <a:xfrm>
+            <a:off x="9695688" y="6356350"/>
+            <a:ext cx="2121408" cy="365125"/>
+          </a:xfrm>
+        </p:spPr>
+        <p:txBody>
+          <a:bodyPr vert="horz" lIns="91440" tIns="45720" rIns="91440" bIns="45720" rtlCol="0" anchor="ctr">
+            <a:normAutofit/>
+          </a:bodyPr>
+          <a:lstStyle/>
+          <a:p>
+            <a:pPr marR="0" lvl="0" indent="0" fontAlgn="auto">
+              <a:spcBef>
+                <a:spcPts val="0"/>
+              </a:spcBef>
+              <a:spcAft>
+                <a:spcPts val="600"/>
+              </a:spcAft>
+              <a:buClrTx/>
+              <a:buSzTx/>
+              <a:buFontTx/>
+              <a:buNone/>
+              <a:tabLst/>
+              <a:defRPr/>
+            </a:pPr>
+            <a:fld id="{6A8A6847-FF54-4997-9E64-663FA8B5A75E}" type="slidenum">
+              <a:rPr kumimoji="0" lang="en-US" b="0" i="0" u="none" strike="noStrike" cap="none" spc="0" normalizeH="0" baseline="0" noProof="0">
                 <a:ln>
                   <a:noFill/>
                 </a:ln>
                 <a:solidFill>
-                  <a:prstClr val="black"/>
+                  <a:schemeClr val="tx1">
+                    <a:lumMod val="50000"/>
+                    <a:lumOff val="50000"/>
+                  </a:schemeClr>
                 </a:solidFill>
                 <a:effectLst/>
                 <a:uLnTx/>
                 <a:uFillTx/>
-                <a:latin typeface="Calibri"/>
-                <a:ea typeface="+mn-ea"/>
-                <a:cs typeface="+mn-cs"/>
               </a:rPr>
-              <a:t>Letter + 2 digits</a:t>
-            </a:r>
-          </a:p>
-          <a:p>
-            <a:pPr marL="914400" lvl="1" indent="-457200">
-              <a:buFont typeface="Arial" panose="020B0604020202020204" pitchFamily="34" charset="0"/>
-              <a:buChar char="•"/>
-            </a:pPr>
-            <a:r>
-              <a:rPr lang="en-US" dirty="0">
-                <a:solidFill>
-                  <a:prstClr val="black"/>
-                </a:solidFill>
-                <a:latin typeface="Calibri"/>
-              </a:rPr>
-              <a:t>Can they choose which level they want to use?</a:t>
-            </a:r>
-          </a:p>
-          <a:p>
-            <a:pPr marL="1371600" lvl="2" indent="-457200">
-              <a:buFont typeface="Arial" panose="020B0604020202020204" pitchFamily="34" charset="0"/>
-              <a:buChar char="•"/>
-            </a:pPr>
-            <a:r>
-              <a:rPr lang="en-US" dirty="0">
-                <a:solidFill>
-                  <a:prstClr val="black"/>
-                </a:solidFill>
-                <a:latin typeface="Calibri"/>
-              </a:rPr>
-              <a:t>B** or B2* vs B21</a:t>
-            </a:r>
-            <a:endParaRPr kumimoji="0" lang="en-US" b="0" i="0" u="none" strike="noStrike" kern="1200" cap="none" spc="0" normalizeH="0" baseline="0" noProof="0" dirty="0">
+              <a:pPr marR="0" lvl="0" indent="0" fontAlgn="auto">
+                <a:spcBef>
+                  <a:spcPts val="0"/>
+                </a:spcBef>
+                <a:spcAft>
+                  <a:spcPts val="600"/>
+                </a:spcAft>
+                <a:buClrTx/>
+                <a:buSzTx/>
+                <a:buFontTx/>
+                <a:buNone/>
+                <a:tabLst/>
+                <a:defRPr/>
+              </a:pPr>
+              <a:t>4</a:t>
+            </a:fld>
+            <a:endParaRPr kumimoji="0" lang="en-US" b="0" i="0" u="none" strike="noStrike" cap="none" spc="0" normalizeH="0" baseline="0" noProof="0">
               <a:ln>
                 <a:noFill/>
               </a:ln>
               <a:solidFill>
-                <a:prstClr val="black"/>
+                <a:schemeClr val="tx1">
+                  <a:lumMod val="50000"/>
+                  <a:lumOff val="50000"/>
+                </a:schemeClr>
               </a:solidFill>
               <a:effectLst/>
               <a:uLnTx/>
               <a:uFillTx/>
-              <a:latin typeface="Calibri"/>
-              <a:ea typeface="+mn-ea"/>
-              <a:cs typeface="+mn-cs"/>
             </a:endParaRPr>
           </a:p>
         </p:txBody>
@@ -13486,7 +13952,7 @@
           <p:cNvPr id="2" name="Slide Number Placeholder 1">
             <a:extLst>
               <a:ext uri="{FF2B5EF4-FFF2-40B4-BE49-F238E27FC236}">
-                <a16:creationId xmlns:a16="http://schemas.microsoft.com/office/drawing/2014/main" id="{9A42AE67-4E3D-1698-8B4F-F47D32F779B7}"/>
+                <a16:creationId xmlns:a16="http://schemas.microsoft.com/office/drawing/2014/main" id="{DCD0F08F-5A68-5C4F-043C-B9F316974447}"/>
               </a:ext>
             </a:extLst>
           </p:cNvPr>
@@ -13576,57 +14042,382 @@
       </p:sp>
       <p:pic>
         <p:nvPicPr>
-          <p:cNvPr id="4098" name="Picture 2" descr="Probability in Python – Dataquest">
-            <a:extLst>
-              <a:ext uri="{FF2B5EF4-FFF2-40B4-BE49-F238E27FC236}">
-                <a16:creationId xmlns:a16="http://schemas.microsoft.com/office/drawing/2014/main" id="{9B97C5C5-77B7-45C8-F6F1-55FAC85E3243}"/>
+          <p:cNvPr id="4" name="Picture 3">
+            <a:extLst>
+              <a:ext uri="{FF2B5EF4-FFF2-40B4-BE49-F238E27FC236}">
+                <a16:creationId xmlns:a16="http://schemas.microsoft.com/office/drawing/2014/main" id="{7D1A9601-825E-4F42-10DA-B1360BA424BA}"/>
               </a:ext>
             </a:extLst>
           </p:cNvPr>
           <p:cNvPicPr>
-            <a:picLocks noChangeAspect="1" noChangeArrowheads="1"/>
+            <a:picLocks noChangeAspect="1"/>
           </p:cNvPicPr>
           <p:nvPr/>
         </p:nvPicPr>
         <p:blipFill>
           <a:blip r:embed="rId2">
             <a:extLst>
-              <a:ext uri="{28A0092B-C50C-407E-A947-70E740481C1C}">
-                <a14:useLocalDpi xmlns:a14="http://schemas.microsoft.com/office/drawing/2010/main" val="0"/>
+              <a:ext uri="{BEBA8EAE-BF5A-486C-A8C5-ECC9F3942E4B}">
+                <a14:imgProps xmlns:a14="http://schemas.microsoft.com/office/drawing/2010/main">
+                  <a14:imgLayer r:embed="rId3">
+                    <a14:imgEffect>
+                      <a14:saturation sat="0"/>
+                    </a14:imgEffect>
+                  </a14:imgLayer>
+                </a14:imgProps>
               </a:ext>
             </a:extLst>
           </a:blip>
-          <a:srcRect/>
           <a:stretch>
             <a:fillRect/>
           </a:stretch>
         </p:blipFill>
-        <p:spPr bwMode="auto">
+        <p:spPr>
           <a:xfrm>
-            <a:off x="2090737" y="2524760"/>
-            <a:ext cx="8010525" cy="3209925"/>
+            <a:off x="784860" y="712787"/>
+            <a:ext cx="4648200" cy="4924425"/>
+          </a:xfrm>
+          <a:prstGeom prst="rect">
+            <a:avLst/>
+          </a:prstGeom>
+        </p:spPr>
+      </p:pic>
+      <p:sp>
+        <p:nvSpPr>
+          <p:cNvPr id="5" name="Rectangle 4">
+            <a:extLst>
+              <a:ext uri="{FF2B5EF4-FFF2-40B4-BE49-F238E27FC236}">
+                <a16:creationId xmlns:a16="http://schemas.microsoft.com/office/drawing/2014/main" id="{506B7C75-97F4-7924-9D6A-666EC9AC4E27}"/>
+              </a:ext>
+            </a:extLst>
+          </p:cNvPr>
+          <p:cNvSpPr/>
+          <p:nvPr/>
+        </p:nvSpPr>
+        <p:spPr>
+          <a:xfrm>
+            <a:off x="916940" y="3383280"/>
+            <a:ext cx="2842260" cy="243840"/>
           </a:xfrm>
           <a:prstGeom prst="rect">
             <a:avLst/>
           </a:prstGeom>
           <a:noFill/>
-          <a:extLst>
-            <a:ext uri="{909E8E84-426E-40DD-AFC4-6F175D3DCCD1}">
-              <a14:hiddenFill xmlns:a14="http://schemas.microsoft.com/office/drawing/2010/main">
-                <a:solidFill>
-                  <a:srgbClr val="FFFFFF"/>
-                </a:solidFill>
-              </a14:hiddenFill>
-            </a:ext>
-          </a:extLst>
+          <a:ln w="25400">
+            <a:solidFill>
+              <a:schemeClr val="accent2">
+                <a:lumMod val="75000"/>
+              </a:schemeClr>
+            </a:solidFill>
+          </a:ln>
         </p:spPr>
-      </p:pic>
-      <p:sp>
-        <p:nvSpPr>
-          <p:cNvPr id="3" name="TextBox 2">
-            <a:extLst>
-              <a:ext uri="{FF2B5EF4-FFF2-40B4-BE49-F238E27FC236}">
-                <a16:creationId xmlns:a16="http://schemas.microsoft.com/office/drawing/2014/main" id="{7AB5F1B2-1417-EFFA-2FFE-97AE95916F57}"/>
+        <p:style>
+          <a:lnRef idx="2">
+            <a:schemeClr val="accent1">
+              <a:shade val="50000"/>
+            </a:schemeClr>
+          </a:lnRef>
+          <a:fillRef idx="1">
+            <a:schemeClr val="accent1"/>
+          </a:fillRef>
+          <a:effectRef idx="0">
+            <a:schemeClr val="accent1"/>
+          </a:effectRef>
+          <a:fontRef idx="minor">
+            <a:schemeClr val="lt1"/>
+          </a:fontRef>
+        </p:style>
+        <p:txBody>
+          <a:bodyPr rtlCol="0" anchor="ctr"/>
+          <a:lstStyle/>
+          <a:p>
+            <a:pPr marL="0" marR="0" lvl="0" indent="0" algn="ctr" defTabSz="914400" rtl="0" eaLnBrk="1" fontAlgn="auto" latinLnBrk="0" hangingPunct="1">
+              <a:lnSpc>
+                <a:spcPct val="100000"/>
+              </a:lnSpc>
+              <a:spcBef>
+                <a:spcPts val="0"/>
+              </a:spcBef>
+              <a:spcAft>
+                <a:spcPts val="0"/>
+              </a:spcAft>
+              <a:buClrTx/>
+              <a:buSzTx/>
+              <a:buFontTx/>
+              <a:buNone/>
+              <a:tabLst/>
+              <a:defRPr/>
+            </a:pPr>
+            <a:endParaRPr kumimoji="0" lang="en-US" sz="1800" b="0" i="0" u="none" strike="noStrike" kern="1200" cap="none" spc="0" normalizeH="0" baseline="0" noProof="0">
+              <a:ln>
+                <a:noFill/>
+              </a:ln>
+              <a:solidFill>
+                <a:prstClr val="white"/>
+              </a:solidFill>
+              <a:effectLst/>
+              <a:uLnTx/>
+              <a:uFillTx/>
+              <a:latin typeface="Calibri"/>
+              <a:ea typeface="+mn-ea"/>
+              <a:cs typeface="+mn-cs"/>
+            </a:endParaRPr>
+          </a:p>
+        </p:txBody>
+      </p:sp>
+      <p:sp>
+        <p:nvSpPr>
+          <p:cNvPr id="6" name="Rectangle 5">
+            <a:extLst>
+              <a:ext uri="{FF2B5EF4-FFF2-40B4-BE49-F238E27FC236}">
+                <a16:creationId xmlns:a16="http://schemas.microsoft.com/office/drawing/2014/main" id="{D063877A-C78E-17D5-AB65-B6A3FCCBA299}"/>
+              </a:ext>
+            </a:extLst>
+          </p:cNvPr>
+          <p:cNvSpPr/>
+          <p:nvPr/>
+        </p:nvSpPr>
+        <p:spPr>
+          <a:xfrm>
+            <a:off x="784860" y="2650966"/>
+            <a:ext cx="4498340" cy="1433354"/>
+          </a:xfrm>
+          <a:prstGeom prst="rect">
+            <a:avLst/>
+          </a:prstGeom>
+          <a:noFill/>
+          <a:ln w="25400">
+            <a:solidFill>
+              <a:schemeClr val="accent2">
+                <a:lumMod val="75000"/>
+              </a:schemeClr>
+            </a:solidFill>
+          </a:ln>
+        </p:spPr>
+        <p:style>
+          <a:lnRef idx="2">
+            <a:schemeClr val="accent1">
+              <a:shade val="50000"/>
+            </a:schemeClr>
+          </a:lnRef>
+          <a:fillRef idx="1">
+            <a:schemeClr val="accent1"/>
+          </a:fillRef>
+          <a:effectRef idx="0">
+            <a:schemeClr val="accent1"/>
+          </a:effectRef>
+          <a:fontRef idx="minor">
+            <a:schemeClr val="lt1"/>
+          </a:fontRef>
+        </p:style>
+        <p:txBody>
+          <a:bodyPr rtlCol="0" anchor="ctr"/>
+          <a:lstStyle/>
+          <a:p>
+            <a:pPr marL="0" marR="0" lvl="0" indent="0" algn="ctr" defTabSz="914400" rtl="0" eaLnBrk="1" fontAlgn="auto" latinLnBrk="0" hangingPunct="1">
+              <a:lnSpc>
+                <a:spcPct val="100000"/>
+              </a:lnSpc>
+              <a:spcBef>
+                <a:spcPts val="0"/>
+              </a:spcBef>
+              <a:spcAft>
+                <a:spcPts val="0"/>
+              </a:spcAft>
+              <a:buClrTx/>
+              <a:buSzTx/>
+              <a:buFontTx/>
+              <a:buNone/>
+              <a:tabLst/>
+              <a:defRPr/>
+            </a:pPr>
+            <a:endParaRPr kumimoji="0" lang="en-US" sz="1800" b="0" i="0" u="none" strike="noStrike" kern="1200" cap="none" spc="0" normalizeH="0" baseline="0" noProof="0">
+              <a:ln>
+                <a:noFill/>
+              </a:ln>
+              <a:solidFill>
+                <a:prstClr val="white"/>
+              </a:solidFill>
+              <a:effectLst/>
+              <a:uLnTx/>
+              <a:uFillTx/>
+              <a:latin typeface="Calibri"/>
+              <a:ea typeface="+mn-ea"/>
+              <a:cs typeface="+mn-cs"/>
+            </a:endParaRPr>
+          </a:p>
+        </p:txBody>
+      </p:sp>
+      <p:sp>
+        <p:nvSpPr>
+          <p:cNvPr id="7" name="Rectangle 6">
+            <a:extLst>
+              <a:ext uri="{FF2B5EF4-FFF2-40B4-BE49-F238E27FC236}">
+                <a16:creationId xmlns:a16="http://schemas.microsoft.com/office/drawing/2014/main" id="{05342899-116D-44B3-4D72-D0A6AAC6479A}"/>
+              </a:ext>
+            </a:extLst>
+          </p:cNvPr>
+          <p:cNvSpPr/>
+          <p:nvPr/>
+        </p:nvSpPr>
+        <p:spPr>
+          <a:xfrm>
+            <a:off x="480060" y="618965"/>
+            <a:ext cx="5260340" cy="5526247"/>
+          </a:xfrm>
+          <a:prstGeom prst="rect">
+            <a:avLst/>
+          </a:prstGeom>
+          <a:noFill/>
+          <a:ln w="25400">
+            <a:solidFill>
+              <a:schemeClr val="accent2">
+                <a:lumMod val="75000"/>
+              </a:schemeClr>
+            </a:solidFill>
+          </a:ln>
+        </p:spPr>
+        <p:style>
+          <a:lnRef idx="2">
+            <a:schemeClr val="accent1">
+              <a:shade val="50000"/>
+            </a:schemeClr>
+          </a:lnRef>
+          <a:fillRef idx="1">
+            <a:schemeClr val="accent1"/>
+          </a:fillRef>
+          <a:effectRef idx="0">
+            <a:schemeClr val="accent1"/>
+          </a:effectRef>
+          <a:fontRef idx="minor">
+            <a:schemeClr val="lt1"/>
+          </a:fontRef>
+        </p:style>
+        <p:txBody>
+          <a:bodyPr rtlCol="0" anchor="ctr"/>
+          <a:lstStyle/>
+          <a:p>
+            <a:pPr marL="0" marR="0" lvl="0" indent="0" algn="ctr" defTabSz="914400" rtl="0" eaLnBrk="1" fontAlgn="auto" latinLnBrk="0" hangingPunct="1">
+              <a:lnSpc>
+                <a:spcPct val="100000"/>
+              </a:lnSpc>
+              <a:spcBef>
+                <a:spcPts val="0"/>
+              </a:spcBef>
+              <a:spcAft>
+                <a:spcPts val="0"/>
+              </a:spcAft>
+              <a:buClrTx/>
+              <a:buSzTx/>
+              <a:buFontTx/>
+              <a:buNone/>
+              <a:tabLst/>
+              <a:defRPr/>
+            </a:pPr>
+            <a:endParaRPr kumimoji="0" lang="en-US" sz="1800" b="0" i="0" u="none" strike="noStrike" kern="1200" cap="none" spc="0" normalizeH="0" baseline="0" noProof="0">
+              <a:ln>
+                <a:noFill/>
+              </a:ln>
+              <a:solidFill>
+                <a:prstClr val="white"/>
+              </a:solidFill>
+              <a:effectLst/>
+              <a:uLnTx/>
+              <a:uFillTx/>
+              <a:latin typeface="Calibri"/>
+              <a:ea typeface="+mn-ea"/>
+              <a:cs typeface="+mn-cs"/>
+            </a:endParaRPr>
+          </a:p>
+        </p:txBody>
+      </p:sp>
+      <p:sp>
+        <p:nvSpPr>
+          <p:cNvPr id="8" name="Rectangle 7">
+            <a:extLst>
+              <a:ext uri="{FF2B5EF4-FFF2-40B4-BE49-F238E27FC236}">
+                <a16:creationId xmlns:a16="http://schemas.microsoft.com/office/drawing/2014/main" id="{D26A1703-2464-56F6-200F-F13C08C86FB5}"/>
+              </a:ext>
+            </a:extLst>
+          </p:cNvPr>
+          <p:cNvSpPr/>
+          <p:nvPr/>
+        </p:nvSpPr>
+        <p:spPr>
+          <a:xfrm>
+            <a:off x="172720" y="1098074"/>
+            <a:ext cx="6278882" cy="1552892"/>
+          </a:xfrm>
+          <a:prstGeom prst="rect">
+            <a:avLst/>
+          </a:prstGeom>
+          <a:noFill/>
+          <a:ln w="34925">
+            <a:solidFill>
+              <a:srgbClr val="0070C0"/>
+            </a:solidFill>
+          </a:ln>
+        </p:spPr>
+        <p:style>
+          <a:lnRef idx="2">
+            <a:schemeClr val="accent1">
+              <a:shade val="50000"/>
+            </a:schemeClr>
+          </a:lnRef>
+          <a:fillRef idx="1">
+            <a:schemeClr val="accent1"/>
+          </a:fillRef>
+          <a:effectRef idx="0">
+            <a:schemeClr val="accent1"/>
+          </a:effectRef>
+          <a:fontRef idx="minor">
+            <a:schemeClr val="lt1"/>
+          </a:fontRef>
+        </p:style>
+        <p:txBody>
+          <a:bodyPr rtlCol="0" anchor="ctr"/>
+          <a:lstStyle/>
+          <a:p>
+            <a:pPr marL="0" marR="0" lvl="0" indent="0" algn="ctr" defTabSz="914400" rtl="0" eaLnBrk="1" fontAlgn="auto" latinLnBrk="0" hangingPunct="1">
+              <a:lnSpc>
+                <a:spcPct val="100000"/>
+              </a:lnSpc>
+              <a:spcBef>
+                <a:spcPts val="0"/>
+              </a:spcBef>
+              <a:spcAft>
+                <a:spcPts val="0"/>
+              </a:spcAft>
+              <a:buClrTx/>
+              <a:buSzTx/>
+              <a:buFontTx/>
+              <a:buNone/>
+              <a:tabLst/>
+              <a:defRPr/>
+            </a:pPr>
+            <a:endParaRPr kumimoji="0" lang="en-US" sz="1800" b="0" i="0" u="none" strike="noStrike" kern="1200" cap="none" spc="0" normalizeH="0" baseline="0" noProof="0">
+              <a:ln>
+                <a:noFill/>
+              </a:ln>
+              <a:solidFill>
+                <a:srgbClr val="0070C0"/>
+              </a:solidFill>
+              <a:effectLst/>
+              <a:uLnTx/>
+              <a:uFillTx/>
+              <a:latin typeface="Calibri"/>
+              <a:ea typeface="+mn-ea"/>
+              <a:cs typeface="+mn-cs"/>
+            </a:endParaRPr>
+          </a:p>
+        </p:txBody>
+      </p:sp>
+      <p:sp>
+        <p:nvSpPr>
+          <p:cNvPr id="9" name="TextBox 8">
+            <a:extLst>
+              <a:ext uri="{FF2B5EF4-FFF2-40B4-BE49-F238E27FC236}">
+                <a16:creationId xmlns:a16="http://schemas.microsoft.com/office/drawing/2014/main" id="{81D3C897-3963-0172-994E-E84FD83B2DFA}"/>
               </a:ext>
             </a:extLst>
           </p:cNvPr>
@@ -13635,8 +14426,8 @@
         </p:nvSpPr>
         <p:spPr>
           <a:xfrm>
-            <a:off x="3748245" y="754857"/>
-            <a:ext cx="4923977" cy="1384995"/>
+            <a:off x="7307038" y="2008774"/>
+            <a:ext cx="1303562" cy="1815882"/>
           </a:xfrm>
           <a:prstGeom prst="rect">
             <a:avLst/>
@@ -13672,7 +14463,7 @@
                   <a:noFill/>
                 </a:ln>
                 <a:solidFill>
-                  <a:prstClr val="black"/>
+                  <a:srgbClr val="0070C0"/>
                 </a:solidFill>
                 <a:effectLst/>
                 <a:uLnTx/>
@@ -13681,7 +14472,7 @@
                 <a:ea typeface="+mn-ea"/>
                 <a:cs typeface="+mn-cs"/>
               </a:rPr>
-              <a:t>Mission Code:  		B24</a:t>
+              <a:t>LEVEL 1</a:t>
             </a:r>
           </a:p>
           <a:p>
@@ -13708,7 +14499,9 @@
                   <a:noFill/>
                 </a:ln>
                 <a:solidFill>
-                  <a:prstClr val="black"/>
+                  <a:srgbClr val="ED7D31">
+                    <a:lumMod val="75000"/>
+                  </a:srgbClr>
                 </a:solidFill>
                 <a:effectLst/>
                 <a:uLnTx/>
@@ -13717,7 +14510,7 @@
                 <a:ea typeface="+mn-ea"/>
                 <a:cs typeface="+mn-cs"/>
               </a:rPr>
-              <a:t>Location: 			Atlanta</a:t>
+              <a:t>LEVEL 2</a:t>
             </a:r>
           </a:p>
           <a:p>
@@ -13744,7 +14537,9 @@
                   <a:noFill/>
                 </a:ln>
                 <a:solidFill>
-                  <a:prstClr val="black"/>
+                  <a:srgbClr val="ED7D31">
+                    <a:lumMod val="75000"/>
+                  </a:srgbClr>
                 </a:solidFill>
                 <a:effectLst/>
                 <a:uLnTx/>
@@ -13753,17 +14548,55 @@
                 <a:ea typeface="+mn-ea"/>
                 <a:cs typeface="+mn-cs"/>
               </a:rPr>
-              <a:t>Annual Budget:	 	$5m </a:t>
+              <a:t>LEVEL 3</a:t>
+            </a:r>
+          </a:p>
+          <a:p>
+            <a:pPr marL="0" marR="0" lvl="0" indent="0" algn="l" defTabSz="914400" rtl="0" eaLnBrk="1" fontAlgn="auto" latinLnBrk="0" hangingPunct="1">
+              <a:lnSpc>
+                <a:spcPct val="100000"/>
+              </a:lnSpc>
+              <a:spcBef>
+                <a:spcPts val="0"/>
+              </a:spcBef>
+              <a:spcAft>
+                <a:spcPts val="0"/>
+              </a:spcAft>
+              <a:buClrTx/>
+              <a:buSzTx/>
+              <a:buFontTx/>
+              <a:buNone/>
+              <a:tabLst/>
+              <a:defRPr/>
+            </a:pPr>
+            <a:r>
+              <a:rPr kumimoji="0" lang="en-US" sz="2800" b="0" i="0" u="none" strike="noStrike" kern="1200" cap="none" spc="0" normalizeH="0" baseline="0" noProof="0" dirty="0">
+                <a:ln>
+                  <a:noFill/>
+                </a:ln>
+                <a:solidFill>
+                  <a:srgbClr val="ED7D31">
+                    <a:lumMod val="75000"/>
+                  </a:srgbClr>
+                </a:solidFill>
+                <a:effectLst/>
+                <a:uLnTx/>
+                <a:uFillTx/>
+                <a:latin typeface="Calibri"/>
+                <a:ea typeface="+mn-ea"/>
+                <a:cs typeface="+mn-cs"/>
+              </a:rPr>
+              <a:t>LEVEL 4</a:t>
             </a:r>
           </a:p>
         </p:txBody>
       </p:sp>
       <p:cxnSp>
         <p:nvCxnSpPr>
-          <p:cNvPr id="5" name="Straight Connector 4">
-            <a:extLst>
-              <a:ext uri="{FF2B5EF4-FFF2-40B4-BE49-F238E27FC236}">
-                <a16:creationId xmlns:a16="http://schemas.microsoft.com/office/drawing/2014/main" id="{48E2796E-F7E9-89A1-C396-6BC524F00969}"/>
+          <p:cNvPr id="11" name="Straight Arrow Connector 10">
+            <a:extLst>
+              <a:ext uri="{FF2B5EF4-FFF2-40B4-BE49-F238E27FC236}">
+                <a16:creationId xmlns:a16="http://schemas.microsoft.com/office/drawing/2014/main" id="{F552A578-53CC-D085-7445-2A126B0CEF50}"/>
               </a:ext>
             </a:extLst>
           </p:cNvPr>
@@ -13773,21 +14606,15 @@
           <p:nvPr/>
         </p:nvCxnSpPr>
         <p:spPr>
-          <a:xfrm>
-            <a:off x="4145280" y="3952240"/>
-            <a:ext cx="3881120" cy="0"/>
+          <a:xfrm flipH="1" flipV="1">
+            <a:off x="6537961" y="2019728"/>
+            <a:ext cx="769077" cy="297337"/>
           </a:xfrm>
-          <a:prstGeom prst="line">
+          <a:prstGeom prst="straightConnector1">
             <a:avLst/>
           </a:prstGeom>
-          <a:ln w="28575">
-            <a:solidFill>
-              <a:schemeClr val="accent2">
-                <a:lumMod val="75000"/>
-              </a:schemeClr>
-            </a:solidFill>
-            <a:headEnd type="oval"/>
-            <a:tailEnd type="oval"/>
+          <a:ln w="38100">
+            <a:tailEnd type="triangle" w="lg" len="lg"/>
           </a:ln>
         </p:spPr>
         <p:style>
@@ -13807,30 +14634,34 @@
       </p:cxnSp>
       <p:cxnSp>
         <p:nvCxnSpPr>
-          <p:cNvPr id="8" name="Straight Connector 7">
-            <a:extLst>
-              <a:ext uri="{FF2B5EF4-FFF2-40B4-BE49-F238E27FC236}">
-                <a16:creationId xmlns:a16="http://schemas.microsoft.com/office/drawing/2014/main" id="{7F4EAB17-5E75-8A7D-4AD0-5C09E8E32A55}"/>
-              </a:ext>
-            </a:extLst>
-          </p:cNvPr>
-          <p:cNvCxnSpPr/>
+          <p:cNvPr id="12" name="Straight Arrow Connector 11">
+            <a:extLst>
+              <a:ext uri="{FF2B5EF4-FFF2-40B4-BE49-F238E27FC236}">
+                <a16:creationId xmlns:a16="http://schemas.microsoft.com/office/drawing/2014/main" id="{F5D74109-52A1-1460-94DA-D9D9AB929B56}"/>
+              </a:ext>
+            </a:extLst>
+          </p:cNvPr>
+          <p:cNvCxnSpPr>
+            <a:cxnSpLocks/>
+          </p:cNvCxnSpPr>
           <p:nvPr/>
         </p:nvCxnSpPr>
         <p:spPr>
-          <a:xfrm>
-            <a:off x="6146799" y="3799840"/>
-            <a:ext cx="0" cy="329882"/>
+          <a:xfrm flipH="1" flipV="1">
+            <a:off x="5786120" y="2317065"/>
+            <a:ext cx="1520918" cy="333901"/>
           </a:xfrm>
-          <a:prstGeom prst="line">
+          <a:prstGeom prst="straightConnector1">
             <a:avLst/>
           </a:prstGeom>
           <a:ln w="38100">
             <a:solidFill>
               <a:schemeClr val="accent2">
                 <a:lumMod val="75000"/>
+                <a:alpha val="80000"/>
               </a:schemeClr>
             </a:solidFill>
+            <a:tailEnd type="triangle" w="lg" len="lg"/>
           </a:ln>
         </p:spPr>
         <p:style>
@@ -13850,30 +14681,35 @@
       </p:cxnSp>
       <p:cxnSp>
         <p:nvCxnSpPr>
-          <p:cNvPr id="9" name="Straight Connector 8">
-            <a:extLst>
-              <a:ext uri="{FF2B5EF4-FFF2-40B4-BE49-F238E27FC236}">
-                <a16:creationId xmlns:a16="http://schemas.microsoft.com/office/drawing/2014/main" id="{A7B5E5CA-78B1-DD29-401B-6FD3B5E87026}"/>
-              </a:ext>
-            </a:extLst>
-          </p:cNvPr>
-          <p:cNvCxnSpPr/>
+          <p:cNvPr id="14" name="Straight Arrow Connector 13">
+            <a:extLst>
+              <a:ext uri="{FF2B5EF4-FFF2-40B4-BE49-F238E27FC236}">
+                <a16:creationId xmlns:a16="http://schemas.microsoft.com/office/drawing/2014/main" id="{FD48610F-0485-F4D1-4E19-DDD69616068F}"/>
+              </a:ext>
+            </a:extLst>
+          </p:cNvPr>
+          <p:cNvCxnSpPr>
+            <a:cxnSpLocks/>
+            <a:endCxn id="4" idx="3"/>
+          </p:cNvCxnSpPr>
           <p:nvPr/>
         </p:nvCxnSpPr>
         <p:spPr>
-          <a:xfrm>
-            <a:off x="9265919" y="3810000"/>
-            <a:ext cx="0" cy="329882"/>
+          <a:xfrm flipH="1">
+            <a:off x="5433060" y="3174999"/>
+            <a:ext cx="1828258" cy="1"/>
           </a:xfrm>
-          <a:prstGeom prst="line">
+          <a:prstGeom prst="straightConnector1">
             <a:avLst/>
           </a:prstGeom>
           <a:ln w="38100">
             <a:solidFill>
               <a:schemeClr val="accent2">
                 <a:lumMod val="75000"/>
+                <a:alpha val="80000"/>
               </a:schemeClr>
             </a:solidFill>
+            <a:tailEnd type="triangle" w="lg" len="lg"/>
           </a:ln>
         </p:spPr>
         <p:style>
@@ -13893,30 +14729,34 @@
       </p:cxnSp>
       <p:cxnSp>
         <p:nvCxnSpPr>
-          <p:cNvPr id="10" name="Straight Connector 9">
-            <a:extLst>
-              <a:ext uri="{FF2B5EF4-FFF2-40B4-BE49-F238E27FC236}">
-                <a16:creationId xmlns:a16="http://schemas.microsoft.com/office/drawing/2014/main" id="{E9835378-CB3A-921C-DFAC-704F0E826730}"/>
-              </a:ext>
-            </a:extLst>
-          </p:cNvPr>
-          <p:cNvCxnSpPr/>
+          <p:cNvPr id="22" name="Straight Arrow Connector 21">
+            <a:extLst>
+              <a:ext uri="{FF2B5EF4-FFF2-40B4-BE49-F238E27FC236}">
+                <a16:creationId xmlns:a16="http://schemas.microsoft.com/office/drawing/2014/main" id="{DE219EFF-3E60-A42C-C5C8-A5C0762E1B18}"/>
+              </a:ext>
+            </a:extLst>
+          </p:cNvPr>
+          <p:cNvCxnSpPr>
+            <a:cxnSpLocks/>
+          </p:cNvCxnSpPr>
           <p:nvPr/>
         </p:nvCxnSpPr>
         <p:spPr>
-          <a:xfrm>
-            <a:off x="2966719" y="3787299"/>
-            <a:ext cx="0" cy="329882"/>
+          <a:xfrm flipH="1" flipV="1">
+            <a:off x="3891280" y="3536056"/>
+            <a:ext cx="3415758" cy="12114"/>
           </a:xfrm>
-          <a:prstGeom prst="line">
+          <a:prstGeom prst="straightConnector1">
             <a:avLst/>
           </a:prstGeom>
           <a:ln w="38100">
             <a:solidFill>
               <a:schemeClr val="accent2">
                 <a:lumMod val="75000"/>
+                <a:alpha val="80000"/>
               </a:schemeClr>
             </a:solidFill>
+            <a:tailEnd type="triangle" w="lg" len="lg"/>
           </a:ln>
         </p:spPr>
         <p:style>
@@ -13934,118 +14774,321 @@
           </a:fontRef>
         </p:style>
       </p:cxnSp>
-      <p:cxnSp>
-        <p:nvCxnSpPr>
-          <p:cNvPr id="12" name="Straight Connector 11">
-            <a:extLst>
-              <a:ext uri="{FF2B5EF4-FFF2-40B4-BE49-F238E27FC236}">
-                <a16:creationId xmlns:a16="http://schemas.microsoft.com/office/drawing/2014/main" id="{7ADBA7EC-2AA6-C523-8CE9-7290A20977C7}"/>
-              </a:ext>
-            </a:extLst>
-          </p:cNvPr>
-          <p:cNvCxnSpPr>
-            <a:cxnSpLocks/>
-          </p:cNvCxnSpPr>
+      <mc:AlternateContent xmlns:mc="http://schemas.openxmlformats.org/markup-compatibility/2006" xmlns:a14="http://schemas.microsoft.com/office/drawing/2010/main">
+        <mc:Choice Requires="a14">
+          <p:sp>
+            <p:nvSpPr>
+              <p:cNvPr id="25" name="TextBox 24">
+                <a:extLst>
+                  <a:ext uri="{FF2B5EF4-FFF2-40B4-BE49-F238E27FC236}">
+                    <a16:creationId xmlns:a16="http://schemas.microsoft.com/office/drawing/2014/main" id="{C57DAC45-971E-2B03-CC5F-A2AA2614FC83}"/>
+                  </a:ext>
+                </a:extLst>
+              </p:cNvPr>
+              <p:cNvSpPr txBox="1"/>
+              <p:nvPr/>
+            </p:nvSpPr>
+            <p:spPr>
+              <a:xfrm>
+                <a:off x="9229458" y="1242175"/>
+                <a:ext cx="2102938" cy="1555106"/>
+              </a:xfrm>
+              <a:prstGeom prst="rect">
+                <a:avLst/>
+              </a:prstGeom>
+              <a:noFill/>
+            </p:spPr>
+            <p:txBody>
+              <a:bodyPr wrap="square" lIns="0" tIns="0" rIns="0" bIns="0" rtlCol="0">
+                <a:spAutoFit/>
+              </a:bodyPr>
+              <a:lstStyle/>
+              <a:p>
+                <a:pPr marL="0" marR="0" lvl="0" indent="0" algn="l" defTabSz="914400" rtl="0" eaLnBrk="1" fontAlgn="auto" latinLnBrk="0" hangingPunct="1">
+                  <a:lnSpc>
+                    <a:spcPct val="100000"/>
+                  </a:lnSpc>
+                  <a:spcBef>
+                    <a:spcPts val="0"/>
+                  </a:spcBef>
+                  <a:spcAft>
+                    <a:spcPts val="0"/>
+                  </a:spcAft>
+                  <a:buClrTx/>
+                  <a:buSzTx/>
+                  <a:buFontTx/>
+                  <a:buNone/>
+                  <a:tabLst/>
+                  <a:defRPr/>
+                </a:pPr>
+                <a14:m>
+                  <m:oMathPara xmlns:m="http://schemas.openxmlformats.org/officeDocument/2006/math">
+                    <m:oMathParaPr>
+                      <m:jc m:val="centerGroup"/>
+                    </m:oMathParaPr>
+                    <m:oMath xmlns:m="http://schemas.openxmlformats.org/officeDocument/2006/math">
+                      <m:nary>
+                        <m:naryPr>
+                          <m:chr m:val="∑"/>
+                          <m:ctrlPr>
+                            <a:rPr kumimoji="0" lang="en-US" sz="3600" b="0" i="1" u="none" strike="noStrike" kern="1200" cap="none" spc="0" normalizeH="0" baseline="0" noProof="0" smtClean="0">
+                              <a:ln>
+                                <a:noFill/>
+                              </a:ln>
+                              <a:solidFill>
+                                <a:prstClr val="black"/>
+                              </a:solidFill>
+                              <a:effectLst/>
+                              <a:uLnTx/>
+                              <a:uFillTx/>
+                              <a:latin typeface="Cambria Math" panose="02040503050406030204" pitchFamily="18" charset="0"/>
+                              <a:ea typeface="+mn-ea"/>
+                              <a:cs typeface="+mn-cs"/>
+                            </a:rPr>
+                          </m:ctrlPr>
+                        </m:naryPr>
+                        <m:sub>
+                          <m:r>
+                            <m:rPr>
+                              <m:brk m:alnAt="23"/>
+                            </m:rPr>
+                            <a:rPr kumimoji="0" lang="en-US" sz="3600" b="0" i="1" u="none" strike="noStrike" kern="1200" cap="none" spc="0" normalizeH="0" baseline="0" noProof="0" smtClean="0">
+                              <a:ln>
+                                <a:noFill/>
+                              </a:ln>
+                              <a:solidFill>
+                                <a:prstClr val="black"/>
+                              </a:solidFill>
+                              <a:effectLst/>
+                              <a:uLnTx/>
+                              <a:uFillTx/>
+                              <a:latin typeface="Cambria Math" panose="02040503050406030204" pitchFamily="18" charset="0"/>
+                              <a:ea typeface="+mn-ea"/>
+                              <a:cs typeface="+mn-cs"/>
+                            </a:rPr>
+                            <m:t>𝑖</m:t>
+                          </m:r>
+                        </m:sub>
+                        <m:sup>
+                          <m:r>
+                            <a:rPr kumimoji="0" lang="en-US" sz="3600" b="0" i="1" u="none" strike="noStrike" kern="1200" cap="none" spc="0" normalizeH="0" baseline="0" noProof="0" smtClean="0">
+                              <a:ln>
+                                <a:noFill/>
+                              </a:ln>
+                              <a:solidFill>
+                                <a:prstClr val="black"/>
+                              </a:solidFill>
+                              <a:effectLst/>
+                              <a:uLnTx/>
+                              <a:uFillTx/>
+                              <a:latin typeface="Cambria Math" panose="02040503050406030204" pitchFamily="18" charset="0"/>
+                              <a:ea typeface="+mn-ea"/>
+                              <a:cs typeface="+mn-cs"/>
+                            </a:rPr>
+                            <m:t>4</m:t>
+                          </m:r>
+                        </m:sup>
+                        <m:e>
+                          <m:sSub>
+                            <m:sSubPr>
+                              <m:ctrlPr>
+                                <a:rPr kumimoji="0" lang="en-US" sz="3600" b="0" i="1" u="none" strike="noStrike" kern="1200" cap="none" spc="0" normalizeH="0" baseline="0" noProof="0" smtClean="0">
+                                  <a:ln>
+                                    <a:noFill/>
+                                  </a:ln>
+                                  <a:solidFill>
+                                    <a:prstClr val="black"/>
+                                  </a:solidFill>
+                                  <a:effectLst/>
+                                  <a:uLnTx/>
+                                  <a:uFillTx/>
+                                  <a:latin typeface="Cambria Math" panose="02040503050406030204" pitchFamily="18" charset="0"/>
+                                  <a:ea typeface="+mn-ea"/>
+                                  <a:cs typeface="+mn-cs"/>
+                                </a:rPr>
+                              </m:ctrlPr>
+                            </m:sSubPr>
+                            <m:e>
+                              <m:r>
+                                <a:rPr kumimoji="0" lang="en-US" sz="3600" b="0" i="1" u="none" strike="noStrike" kern="1200" cap="none" spc="0" normalizeH="0" baseline="0" noProof="0" smtClean="0">
+                                  <a:ln>
+                                    <a:noFill/>
+                                  </a:ln>
+                                  <a:solidFill>
+                                    <a:prstClr val="black"/>
+                                  </a:solidFill>
+                                  <a:effectLst/>
+                                  <a:uLnTx/>
+                                  <a:uFillTx/>
+                                  <a:latin typeface="Cambria Math" panose="02040503050406030204" pitchFamily="18" charset="0"/>
+                                  <a:ea typeface="Cambria Math" panose="02040503050406030204" pitchFamily="18" charset="0"/>
+                                  <a:cs typeface="+mn-cs"/>
+                                </a:rPr>
+                                <m:t>𝛼</m:t>
+                              </m:r>
+                            </m:e>
+                            <m:sub>
+                              <m:r>
+                                <a:rPr kumimoji="0" lang="en-US" sz="3600" b="0" i="1" u="none" strike="noStrike" kern="1200" cap="none" spc="0" normalizeH="0" baseline="0" noProof="0" smtClean="0">
+                                  <a:ln>
+                                    <a:noFill/>
+                                  </a:ln>
+                                  <a:solidFill>
+                                    <a:prstClr val="black"/>
+                                  </a:solidFill>
+                                  <a:effectLst/>
+                                  <a:uLnTx/>
+                                  <a:uFillTx/>
+                                  <a:latin typeface="Cambria Math" panose="02040503050406030204" pitchFamily="18" charset="0"/>
+                                  <a:ea typeface="+mn-ea"/>
+                                  <a:cs typeface="+mn-cs"/>
+                                </a:rPr>
+                                <m:t>𝑖</m:t>
+                              </m:r>
+                            </m:sub>
+                          </m:sSub>
+                          <m:sSub>
+                            <m:sSubPr>
+                              <m:ctrlPr>
+                                <a:rPr kumimoji="0" lang="en-US" sz="3600" b="0" i="1" u="none" strike="noStrike" kern="1200" cap="none" spc="0" normalizeH="0" baseline="0" noProof="0" smtClean="0">
+                                  <a:ln>
+                                    <a:noFill/>
+                                  </a:ln>
+                                  <a:solidFill>
+                                    <a:prstClr val="black"/>
+                                  </a:solidFill>
+                                  <a:effectLst/>
+                                  <a:uLnTx/>
+                                  <a:uFillTx/>
+                                  <a:latin typeface="Cambria Math" panose="02040503050406030204" pitchFamily="18" charset="0"/>
+                                  <a:ea typeface="+mn-ea"/>
+                                  <a:cs typeface="+mn-cs"/>
+                                </a:rPr>
+                              </m:ctrlPr>
+                            </m:sSubPr>
+                            <m:e>
+                              <m:r>
+                                <a:rPr kumimoji="0" lang="en-US" sz="3600" b="0" i="1" u="none" strike="noStrike" kern="1200" cap="none" spc="0" normalizeH="0" baseline="0" noProof="0" smtClean="0">
+                                  <a:ln>
+                                    <a:noFill/>
+                                  </a:ln>
+                                  <a:solidFill>
+                                    <a:prstClr val="black"/>
+                                  </a:solidFill>
+                                  <a:effectLst/>
+                                  <a:uLnTx/>
+                                  <a:uFillTx/>
+                                  <a:latin typeface="Cambria Math" panose="02040503050406030204" pitchFamily="18" charset="0"/>
+                                  <a:ea typeface="Cambria Math" panose="02040503050406030204" pitchFamily="18" charset="0"/>
+                                  <a:cs typeface="+mn-cs"/>
+                                </a:rPr>
+                                <m:t>𝛿</m:t>
+                              </m:r>
+                            </m:e>
+                            <m:sub>
+                              <m:r>
+                                <a:rPr kumimoji="0" lang="en-US" sz="3600" b="0" i="1" u="none" strike="noStrike" kern="1200" cap="none" spc="0" normalizeH="0" baseline="0" noProof="0" smtClean="0">
+                                  <a:ln>
+                                    <a:noFill/>
+                                  </a:ln>
+                                  <a:solidFill>
+                                    <a:prstClr val="black"/>
+                                  </a:solidFill>
+                                  <a:effectLst/>
+                                  <a:uLnTx/>
+                                  <a:uFillTx/>
+                                  <a:latin typeface="Cambria Math" panose="02040503050406030204" pitchFamily="18" charset="0"/>
+                                  <a:ea typeface="+mn-ea"/>
+                                  <a:cs typeface="+mn-cs"/>
+                                </a:rPr>
+                                <m:t>𝑖</m:t>
+                              </m:r>
+                            </m:sub>
+                          </m:sSub>
+                        </m:e>
+                      </m:nary>
+                    </m:oMath>
+                  </m:oMathPara>
+                </a14:m>
+                <a:endParaRPr kumimoji="0" lang="en-US" sz="3200" b="0" i="0" u="none" strike="noStrike" kern="1200" cap="none" spc="0" normalizeH="0" baseline="0" noProof="0" dirty="0">
+                  <a:ln>
+                    <a:noFill/>
+                  </a:ln>
+                  <a:solidFill>
+                    <a:prstClr val="black"/>
+                  </a:solidFill>
+                  <a:effectLst/>
+                  <a:uLnTx/>
+                  <a:uFillTx/>
+                  <a:latin typeface="Calibri"/>
+                  <a:ea typeface="+mn-ea"/>
+                  <a:cs typeface="+mn-cs"/>
+                </a:endParaRPr>
+              </a:p>
+            </p:txBody>
+          </p:sp>
+        </mc:Choice>
+        <mc:Fallback xmlns="">
+          <p:sp>
+            <p:nvSpPr>
+              <p:cNvPr id="25" name="TextBox 24">
+                <a:extLst>
+                  <a:ext uri="{FF2B5EF4-FFF2-40B4-BE49-F238E27FC236}">
+                    <a16:creationId xmlns:a16="http://schemas.microsoft.com/office/drawing/2014/main" id="{C57DAC45-971E-2B03-CC5F-A2AA2614FC83}"/>
+                  </a:ext>
+                </a:extLst>
+              </p:cNvPr>
+              <p:cNvSpPr txBox="1">
+                <a:spLocks noRot="1" noChangeAspect="1" noMove="1" noResize="1" noEditPoints="1" noAdjustHandles="1" noChangeArrowheads="1" noChangeShapeType="1" noTextEdit="1"/>
+              </p:cNvSpPr>
+              <p:nvPr/>
+            </p:nvSpPr>
+            <p:spPr>
+              <a:xfrm>
+                <a:off x="9229458" y="1242175"/>
+                <a:ext cx="2102938" cy="1555106"/>
+              </a:xfrm>
+              <a:prstGeom prst="rect">
+                <a:avLst/>
+              </a:prstGeom>
+              <a:blipFill>
+                <a:blip r:embed="rId4"/>
+                <a:stretch>
+                  <a:fillRect/>
+                </a:stretch>
+              </a:blipFill>
+            </p:spPr>
+            <p:txBody>
+              <a:bodyPr/>
+              <a:lstStyle/>
+              <a:p>
+                <a:r>
+                  <a:rPr lang="en-US">
+                    <a:noFill/>
+                  </a:rPr>
+                  <a:t> </a:t>
+                </a:r>
+              </a:p>
+            </p:txBody>
+          </p:sp>
+        </mc:Fallback>
+      </mc:AlternateContent>
+      <p:sp>
+        <p:nvSpPr>
+          <p:cNvPr id="26" name="TextBox 25">
+            <a:extLst>
+              <a:ext uri="{FF2B5EF4-FFF2-40B4-BE49-F238E27FC236}">
+                <a16:creationId xmlns:a16="http://schemas.microsoft.com/office/drawing/2014/main" id="{A39494A7-AC1D-0DCA-B05E-845AD0850959}"/>
+              </a:ext>
+            </a:extLst>
+          </p:cNvPr>
+          <p:cNvSpPr txBox="1"/>
           <p:nvPr/>
-        </p:nvCxnSpPr>
+        </p:nvSpPr>
         <p:spPr>
           <a:xfrm>
-            <a:off x="8163560" y="3964781"/>
-            <a:ext cx="1005840" cy="0"/>
-          </a:xfrm>
-          <a:prstGeom prst="line">
-            <a:avLst/>
-          </a:prstGeom>
-          <a:ln w="28575">
-            <a:solidFill>
-              <a:schemeClr val="accent2">
-                <a:lumMod val="75000"/>
-              </a:schemeClr>
-            </a:solidFill>
-            <a:prstDash val="dash"/>
-            <a:headEnd type="none"/>
-            <a:tailEnd type="none"/>
-          </a:ln>
-        </p:spPr>
-        <p:style>
-          <a:lnRef idx="1">
-            <a:schemeClr val="accent1"/>
-          </a:lnRef>
-          <a:fillRef idx="0">
-            <a:schemeClr val="accent1"/>
-          </a:fillRef>
-          <a:effectRef idx="0">
-            <a:schemeClr val="accent1"/>
-          </a:effectRef>
-          <a:fontRef idx="minor">
-            <a:schemeClr val="tx1"/>
-          </a:fontRef>
-        </p:style>
-      </p:cxnSp>
-      <p:cxnSp>
-        <p:nvCxnSpPr>
-          <p:cNvPr id="14" name="Straight Connector 13">
-            <a:extLst>
-              <a:ext uri="{FF2B5EF4-FFF2-40B4-BE49-F238E27FC236}">
-                <a16:creationId xmlns:a16="http://schemas.microsoft.com/office/drawing/2014/main" id="{ADDB3890-8A30-C2DB-83B6-39482B61E5F6}"/>
-              </a:ext>
-            </a:extLst>
-          </p:cNvPr>
-          <p:cNvCxnSpPr>
-            <a:cxnSpLocks/>
-          </p:cNvCxnSpPr>
-          <p:nvPr/>
-        </p:nvCxnSpPr>
-        <p:spPr>
-          <a:xfrm>
-            <a:off x="3078480" y="3964781"/>
-            <a:ext cx="1005840" cy="0"/>
-          </a:xfrm>
-          <a:prstGeom prst="line">
-            <a:avLst/>
-          </a:prstGeom>
-          <a:ln w="28575">
-            <a:solidFill>
-              <a:schemeClr val="accent2">
-                <a:lumMod val="75000"/>
-              </a:schemeClr>
-            </a:solidFill>
-            <a:prstDash val="dash"/>
-            <a:headEnd type="none"/>
-            <a:tailEnd type="none"/>
-          </a:ln>
-        </p:spPr>
-        <p:style>
-          <a:lnRef idx="1">
-            <a:schemeClr val="accent1"/>
-          </a:lnRef>
-          <a:fillRef idx="0">
-            <a:schemeClr val="accent1"/>
-          </a:fillRef>
-          <a:effectRef idx="0">
-            <a:schemeClr val="accent1"/>
-          </a:effectRef>
-          <a:fontRef idx="minor">
-            <a:schemeClr val="tx1"/>
-          </a:fontRef>
-        </p:style>
-      </p:cxnSp>
-      <p:sp>
-        <p:nvSpPr>
-          <p:cNvPr id="16" name="TextBox 15">
-            <a:extLst>
-              <a:ext uri="{FF2B5EF4-FFF2-40B4-BE49-F238E27FC236}">
-                <a16:creationId xmlns:a16="http://schemas.microsoft.com/office/drawing/2014/main" id="{3371E693-1D29-1F8E-1273-E3D3E610F7FF}"/>
-              </a:ext>
-            </a:extLst>
-          </p:cNvPr>
-          <p:cNvSpPr txBox="1"/>
-          <p:nvPr/>
-        </p:nvSpPr>
-        <p:spPr>
-          <a:xfrm>
-            <a:off x="7566660" y="3345402"/>
-            <a:ext cx="1079500" cy="461665"/>
+            <a:off x="7958819" y="4452410"/>
+            <a:ext cx="2220031" cy="646331"/>
           </a:xfrm>
           <a:prstGeom prst="rect">
             <a:avLst/>
@@ -14053,7 +15096,7 @@
           <a:noFill/>
         </p:spPr>
         <p:txBody>
-          <a:bodyPr wrap="square" rtlCol="0">
+          <a:bodyPr wrap="none" rtlCol="0">
             <a:spAutoFit/>
           </a:bodyPr>
           <a:lstStyle/>
@@ -14076,33 +15119,504 @@
               <a:defRPr/>
             </a:pPr>
             <a:r>
-              <a:rPr kumimoji="0" lang="en-US" sz="2400" b="1" i="0" u="none" strike="noStrike" kern="1200" cap="none" spc="0" normalizeH="0" baseline="0" noProof="0" dirty="0">
+              <a:rPr kumimoji="0" lang="en-US" sz="3600" b="0" i="0" u="sng" strike="noStrike" kern="1200" cap="none" spc="0" normalizeH="0" baseline="0" noProof="0" dirty="0">
                 <a:ln>
                   <a:noFill/>
                 </a:ln>
                 <a:solidFill>
-                  <a:srgbClr val="ED7D31">
-                    <a:lumMod val="75000"/>
-                  </a:srgbClr>
+                  <a:prstClr val="black">
+                    <a:lumMod val="50000"/>
+                    <a:lumOff val="50000"/>
+                  </a:prstClr>
                 </a:solidFill>
                 <a:effectLst/>
                 <a:uLnTx/>
                 <a:uFillTx/>
-                <a:latin typeface="Calibri"/>
+                <a:latin typeface="Calibri Light"/>
                 <a:ea typeface="+mn-ea"/>
                 <a:cs typeface="+mn-cs"/>
               </a:rPr>
-              <a:t>$250k</a:t>
-            </a:r>
-          </a:p>
-        </p:txBody>
-      </p:sp>
-      <p:sp>
-        <p:nvSpPr>
-          <p:cNvPr id="17" name="TextBox 16">
-            <a:extLst>
-              <a:ext uri="{FF2B5EF4-FFF2-40B4-BE49-F238E27FC236}">
-                <a16:creationId xmlns:a16="http://schemas.microsoft.com/office/drawing/2014/main" id="{19057B74-AE7F-2E36-0977-00668B0B73DB}"/>
+              <a:t>B25 vs B24</a:t>
+            </a:r>
+          </a:p>
+        </p:txBody>
+      </p:sp>
+      <mc:AlternateContent xmlns:mc="http://schemas.openxmlformats.org/markup-compatibility/2006" xmlns:a14="http://schemas.microsoft.com/office/drawing/2010/main">
+        <mc:Choice Requires="a14">
+          <p:sp>
+            <p:nvSpPr>
+              <p:cNvPr id="27" name="TextBox 26">
+                <a:extLst>
+                  <a:ext uri="{FF2B5EF4-FFF2-40B4-BE49-F238E27FC236}">
+                    <a16:creationId xmlns:a16="http://schemas.microsoft.com/office/drawing/2014/main" id="{795B20BA-1860-DCFD-89C1-5B58014D0EC0}"/>
+                  </a:ext>
+                </a:extLst>
+              </p:cNvPr>
+              <p:cNvSpPr txBox="1"/>
+              <p:nvPr/>
+            </p:nvSpPr>
+            <p:spPr>
+              <a:xfrm>
+                <a:off x="6655571" y="5438516"/>
+                <a:ext cx="4848956" cy="369332"/>
+              </a:xfrm>
+              <a:prstGeom prst="rect">
+                <a:avLst/>
+              </a:prstGeom>
+              <a:noFill/>
+            </p:spPr>
+            <p:txBody>
+              <a:bodyPr wrap="none" lIns="0" tIns="0" rIns="0" bIns="0" rtlCol="0">
+                <a:spAutoFit/>
+              </a:bodyPr>
+              <a:lstStyle/>
+              <a:p>
+                <a:pPr marL="0" marR="0" lvl="0" indent="0" algn="l" defTabSz="914400" rtl="0" eaLnBrk="1" fontAlgn="auto" latinLnBrk="0" hangingPunct="1">
+                  <a:lnSpc>
+                    <a:spcPct val="100000"/>
+                  </a:lnSpc>
+                  <a:spcBef>
+                    <a:spcPts val="0"/>
+                  </a:spcBef>
+                  <a:spcAft>
+                    <a:spcPts val="0"/>
+                  </a:spcAft>
+                  <a:buClrTx/>
+                  <a:buSzTx/>
+                  <a:buFontTx/>
+                  <a:buNone/>
+                  <a:tabLst/>
+                  <a:defRPr/>
+                </a:pPr>
+                <a14:m>
+                  <m:oMathPara xmlns:m="http://schemas.openxmlformats.org/officeDocument/2006/math">
+                    <m:oMathParaPr>
+                      <m:jc m:val="centerGroup"/>
+                    </m:oMathParaPr>
+                    <m:oMath xmlns:m="http://schemas.openxmlformats.org/officeDocument/2006/math">
+                      <m:sSub>
+                        <m:sSubPr>
+                          <m:ctrlPr>
+                            <a:rPr kumimoji="0" lang="en-US" sz="2400" b="0" i="1" u="none" strike="noStrike" kern="1200" cap="none" spc="0" normalizeH="0" baseline="0" noProof="0" smtClean="0">
+                              <a:ln>
+                                <a:noFill/>
+                              </a:ln>
+                              <a:solidFill>
+                                <a:prstClr val="black">
+                                  <a:lumMod val="50000"/>
+                                  <a:lumOff val="50000"/>
+                                </a:prstClr>
+                              </a:solidFill>
+                              <a:effectLst/>
+                              <a:uLnTx/>
+                              <a:uFillTx/>
+                              <a:latin typeface="Cambria Math" panose="02040503050406030204" pitchFamily="18" charset="0"/>
+                              <a:ea typeface="+mn-ea"/>
+                              <a:cs typeface="+mn-cs"/>
+                            </a:rPr>
+                          </m:ctrlPr>
+                        </m:sSubPr>
+                        <m:e>
+                          <m:r>
+                            <a:rPr kumimoji="0" lang="en-US" sz="2400" b="0" i="1" u="none" strike="noStrike" kern="1200" cap="none" spc="0" normalizeH="0" baseline="0" noProof="0" smtClean="0">
+                              <a:ln>
+                                <a:noFill/>
+                              </a:ln>
+                              <a:solidFill>
+                                <a:prstClr val="black">
+                                  <a:lumMod val="50000"/>
+                                  <a:lumOff val="50000"/>
+                                </a:prstClr>
+                              </a:solidFill>
+                              <a:effectLst/>
+                              <a:uLnTx/>
+                              <a:uFillTx/>
+                              <a:latin typeface="Cambria Math" panose="02040503050406030204" pitchFamily="18" charset="0"/>
+                              <a:ea typeface="Cambria Math" panose="02040503050406030204" pitchFamily="18" charset="0"/>
+                              <a:cs typeface="+mn-cs"/>
+                            </a:rPr>
+                            <m:t>𝛼</m:t>
+                          </m:r>
+                        </m:e>
+                        <m:sub>
+                          <m:r>
+                            <a:rPr kumimoji="0" lang="en-US" sz="2400" b="0" i="1" u="none" strike="noStrike" kern="1200" cap="none" spc="0" normalizeH="0" baseline="0" noProof="0" smtClean="0">
+                              <a:ln>
+                                <a:noFill/>
+                              </a:ln>
+                              <a:solidFill>
+                                <a:prstClr val="black">
+                                  <a:lumMod val="50000"/>
+                                  <a:lumOff val="50000"/>
+                                </a:prstClr>
+                              </a:solidFill>
+                              <a:effectLst/>
+                              <a:uLnTx/>
+                              <a:uFillTx/>
+                              <a:latin typeface="Cambria Math" panose="02040503050406030204" pitchFamily="18" charset="0"/>
+                              <a:ea typeface="+mn-ea"/>
+                              <a:cs typeface="+mn-cs"/>
+                            </a:rPr>
+                            <m:t>1</m:t>
+                          </m:r>
+                        </m:sub>
+                      </m:sSub>
+                      <m:r>
+                        <a:rPr kumimoji="0" lang="en-US" sz="2400" b="0" i="1" u="none" strike="noStrike" kern="1200" cap="none" spc="0" normalizeH="0" baseline="0" noProof="0" smtClean="0">
+                          <a:ln>
+                            <a:noFill/>
+                          </a:ln>
+                          <a:solidFill>
+                            <a:prstClr val="black">
+                              <a:lumMod val="50000"/>
+                              <a:lumOff val="50000"/>
+                            </a:prstClr>
+                          </a:solidFill>
+                          <a:effectLst/>
+                          <a:uLnTx/>
+                          <a:uFillTx/>
+                          <a:latin typeface="Cambria Math" panose="02040503050406030204" pitchFamily="18" charset="0"/>
+                          <a:ea typeface="Cambria Math" panose="02040503050406030204" pitchFamily="18" charset="0"/>
+                          <a:cs typeface="+mn-cs"/>
+                        </a:rPr>
+                        <m:t>∙1  +  </m:t>
+                      </m:r>
+                      <m:sSub>
+                        <m:sSubPr>
+                          <m:ctrlPr>
+                            <a:rPr kumimoji="0" lang="en-US" sz="2400" b="0" i="1" u="none" strike="noStrike" kern="1200" cap="none" spc="0" normalizeH="0" baseline="0" noProof="0" smtClean="0">
+                              <a:ln>
+                                <a:noFill/>
+                              </a:ln>
+                              <a:solidFill>
+                                <a:prstClr val="black">
+                                  <a:lumMod val="50000"/>
+                                  <a:lumOff val="50000"/>
+                                </a:prstClr>
+                              </a:solidFill>
+                              <a:effectLst/>
+                              <a:uLnTx/>
+                              <a:uFillTx/>
+                              <a:latin typeface="Cambria Math" panose="02040503050406030204" pitchFamily="18" charset="0"/>
+                              <a:ea typeface="+mn-ea"/>
+                              <a:cs typeface="+mn-cs"/>
+                            </a:rPr>
+                          </m:ctrlPr>
+                        </m:sSubPr>
+                        <m:e>
+                          <m:r>
+                            <a:rPr kumimoji="0" lang="en-US" sz="2400" b="0" i="1" u="none" strike="noStrike" kern="1200" cap="none" spc="0" normalizeH="0" baseline="0" noProof="0" smtClean="0">
+                              <a:ln>
+                                <a:noFill/>
+                              </a:ln>
+                              <a:solidFill>
+                                <a:prstClr val="black">
+                                  <a:lumMod val="50000"/>
+                                  <a:lumOff val="50000"/>
+                                </a:prstClr>
+                              </a:solidFill>
+                              <a:effectLst/>
+                              <a:uLnTx/>
+                              <a:uFillTx/>
+                              <a:latin typeface="Cambria Math" panose="02040503050406030204" pitchFamily="18" charset="0"/>
+                              <a:ea typeface="Cambria Math" panose="02040503050406030204" pitchFamily="18" charset="0"/>
+                              <a:cs typeface="+mn-cs"/>
+                            </a:rPr>
+                            <m:t>𝛼</m:t>
+                          </m:r>
+                        </m:e>
+                        <m:sub>
+                          <m:r>
+                            <a:rPr kumimoji="0" lang="en-US" sz="2400" b="0" i="1" u="none" strike="noStrike" kern="1200" cap="none" spc="0" normalizeH="0" baseline="0" noProof="0" smtClean="0">
+                              <a:ln>
+                                <a:noFill/>
+                              </a:ln>
+                              <a:solidFill>
+                                <a:prstClr val="black">
+                                  <a:lumMod val="50000"/>
+                                  <a:lumOff val="50000"/>
+                                </a:prstClr>
+                              </a:solidFill>
+                              <a:effectLst/>
+                              <a:uLnTx/>
+                              <a:uFillTx/>
+                              <a:latin typeface="Cambria Math" panose="02040503050406030204" pitchFamily="18" charset="0"/>
+                              <a:ea typeface="Cambria Math" panose="02040503050406030204" pitchFamily="18" charset="0"/>
+                              <a:cs typeface="+mn-cs"/>
+                            </a:rPr>
+                            <m:t>2</m:t>
+                          </m:r>
+                        </m:sub>
+                      </m:sSub>
+                      <m:r>
+                        <a:rPr kumimoji="0" lang="en-US" sz="2400" b="0" i="1" u="none" strike="noStrike" kern="1200" cap="none" spc="0" normalizeH="0" baseline="0" noProof="0" smtClean="0">
+                          <a:ln>
+                            <a:noFill/>
+                          </a:ln>
+                          <a:solidFill>
+                            <a:prstClr val="black">
+                              <a:lumMod val="50000"/>
+                              <a:lumOff val="50000"/>
+                            </a:prstClr>
+                          </a:solidFill>
+                          <a:effectLst/>
+                          <a:uLnTx/>
+                          <a:uFillTx/>
+                          <a:latin typeface="Cambria Math" panose="02040503050406030204" pitchFamily="18" charset="0"/>
+                          <a:ea typeface="Cambria Math" panose="02040503050406030204" pitchFamily="18" charset="0"/>
+                          <a:cs typeface="+mn-cs"/>
+                        </a:rPr>
+                        <m:t>∙1  +  </m:t>
+                      </m:r>
+                      <m:sSub>
+                        <m:sSubPr>
+                          <m:ctrlPr>
+                            <a:rPr kumimoji="0" lang="en-US" sz="2400" b="0" i="1" u="none" strike="noStrike" kern="1200" cap="none" spc="0" normalizeH="0" baseline="0" noProof="0" smtClean="0">
+                              <a:ln>
+                                <a:noFill/>
+                              </a:ln>
+                              <a:solidFill>
+                                <a:prstClr val="black">
+                                  <a:lumMod val="50000"/>
+                                  <a:lumOff val="50000"/>
+                                </a:prstClr>
+                              </a:solidFill>
+                              <a:effectLst/>
+                              <a:uLnTx/>
+                              <a:uFillTx/>
+                              <a:latin typeface="Cambria Math" panose="02040503050406030204" pitchFamily="18" charset="0"/>
+                              <a:ea typeface="+mn-ea"/>
+                              <a:cs typeface="+mn-cs"/>
+                            </a:rPr>
+                          </m:ctrlPr>
+                        </m:sSubPr>
+                        <m:e>
+                          <m:r>
+                            <a:rPr kumimoji="0" lang="en-US" sz="2400" b="0" i="1" u="none" strike="noStrike" kern="1200" cap="none" spc="0" normalizeH="0" baseline="0" noProof="0" smtClean="0">
+                              <a:ln>
+                                <a:noFill/>
+                              </a:ln>
+                              <a:solidFill>
+                                <a:prstClr val="black">
+                                  <a:lumMod val="50000"/>
+                                  <a:lumOff val="50000"/>
+                                </a:prstClr>
+                              </a:solidFill>
+                              <a:effectLst/>
+                              <a:uLnTx/>
+                              <a:uFillTx/>
+                              <a:latin typeface="Cambria Math" panose="02040503050406030204" pitchFamily="18" charset="0"/>
+                              <a:ea typeface="Cambria Math" panose="02040503050406030204" pitchFamily="18" charset="0"/>
+                              <a:cs typeface="+mn-cs"/>
+                            </a:rPr>
+                            <m:t>𝛼</m:t>
+                          </m:r>
+                        </m:e>
+                        <m:sub>
+                          <m:r>
+                            <a:rPr kumimoji="0" lang="en-US" sz="2400" b="0" i="1" u="none" strike="noStrike" kern="1200" cap="none" spc="0" normalizeH="0" baseline="0" noProof="0" smtClean="0">
+                              <a:ln>
+                                <a:noFill/>
+                              </a:ln>
+                              <a:solidFill>
+                                <a:prstClr val="black">
+                                  <a:lumMod val="50000"/>
+                                  <a:lumOff val="50000"/>
+                                </a:prstClr>
+                              </a:solidFill>
+                              <a:effectLst/>
+                              <a:uLnTx/>
+                              <a:uFillTx/>
+                              <a:latin typeface="Cambria Math" panose="02040503050406030204" pitchFamily="18" charset="0"/>
+                              <a:ea typeface="Cambria Math" panose="02040503050406030204" pitchFamily="18" charset="0"/>
+                              <a:cs typeface="+mn-cs"/>
+                            </a:rPr>
+                            <m:t>3</m:t>
+                          </m:r>
+                        </m:sub>
+                      </m:sSub>
+                      <m:r>
+                        <a:rPr kumimoji="0" lang="en-US" sz="2400" b="0" i="1" u="none" strike="noStrike" kern="1200" cap="none" spc="0" normalizeH="0" baseline="0" noProof="0" smtClean="0">
+                          <a:ln>
+                            <a:noFill/>
+                          </a:ln>
+                          <a:solidFill>
+                            <a:prstClr val="black">
+                              <a:lumMod val="50000"/>
+                              <a:lumOff val="50000"/>
+                            </a:prstClr>
+                          </a:solidFill>
+                          <a:effectLst/>
+                          <a:uLnTx/>
+                          <a:uFillTx/>
+                          <a:latin typeface="Cambria Math" panose="02040503050406030204" pitchFamily="18" charset="0"/>
+                          <a:ea typeface="Cambria Math" panose="02040503050406030204" pitchFamily="18" charset="0"/>
+                          <a:cs typeface="+mn-cs"/>
+                        </a:rPr>
+                        <m:t>∙1  +  </m:t>
+                      </m:r>
+                      <m:sSub>
+                        <m:sSubPr>
+                          <m:ctrlPr>
+                            <a:rPr kumimoji="0" lang="en-US" sz="2400" b="0" i="1" u="none" strike="noStrike" kern="1200" cap="none" spc="0" normalizeH="0" baseline="0" noProof="0" smtClean="0">
+                              <a:ln>
+                                <a:noFill/>
+                              </a:ln>
+                              <a:solidFill>
+                                <a:prstClr val="black">
+                                  <a:lumMod val="50000"/>
+                                  <a:lumOff val="50000"/>
+                                </a:prstClr>
+                              </a:solidFill>
+                              <a:effectLst/>
+                              <a:uLnTx/>
+                              <a:uFillTx/>
+                              <a:latin typeface="Cambria Math" panose="02040503050406030204" pitchFamily="18" charset="0"/>
+                              <a:ea typeface="+mn-ea"/>
+                              <a:cs typeface="+mn-cs"/>
+                            </a:rPr>
+                          </m:ctrlPr>
+                        </m:sSubPr>
+                        <m:e>
+                          <m:r>
+                            <a:rPr kumimoji="0" lang="en-US" sz="2400" b="0" i="1" u="none" strike="noStrike" kern="1200" cap="none" spc="0" normalizeH="0" baseline="0" noProof="0" smtClean="0">
+                              <a:ln>
+                                <a:noFill/>
+                              </a:ln>
+                              <a:solidFill>
+                                <a:prstClr val="black">
+                                  <a:lumMod val="50000"/>
+                                  <a:lumOff val="50000"/>
+                                </a:prstClr>
+                              </a:solidFill>
+                              <a:effectLst/>
+                              <a:uLnTx/>
+                              <a:uFillTx/>
+                              <a:latin typeface="Cambria Math" panose="02040503050406030204" pitchFamily="18" charset="0"/>
+                              <a:ea typeface="Cambria Math" panose="02040503050406030204" pitchFamily="18" charset="0"/>
+                              <a:cs typeface="+mn-cs"/>
+                            </a:rPr>
+                            <m:t>𝛼</m:t>
+                          </m:r>
+                        </m:e>
+                        <m:sub>
+                          <m:r>
+                            <a:rPr kumimoji="0" lang="en-US" sz="2400" b="0" i="1" u="none" strike="noStrike" kern="1200" cap="none" spc="0" normalizeH="0" baseline="0" noProof="0" smtClean="0">
+                              <a:ln>
+                                <a:noFill/>
+                              </a:ln>
+                              <a:solidFill>
+                                <a:prstClr val="black">
+                                  <a:lumMod val="50000"/>
+                                  <a:lumOff val="50000"/>
+                                </a:prstClr>
+                              </a:solidFill>
+                              <a:effectLst/>
+                              <a:uLnTx/>
+                              <a:uFillTx/>
+                              <a:latin typeface="Cambria Math" panose="02040503050406030204" pitchFamily="18" charset="0"/>
+                              <a:ea typeface="Cambria Math" panose="02040503050406030204" pitchFamily="18" charset="0"/>
+                              <a:cs typeface="+mn-cs"/>
+                            </a:rPr>
+                            <m:t>4</m:t>
+                          </m:r>
+                        </m:sub>
+                      </m:sSub>
+                      <m:r>
+                        <a:rPr kumimoji="0" lang="en-US" sz="2400" b="0" i="1" u="none" strike="noStrike" kern="1200" cap="none" spc="0" normalizeH="0" baseline="0" noProof="0" smtClean="0">
+                          <a:ln>
+                            <a:noFill/>
+                          </a:ln>
+                          <a:solidFill>
+                            <a:prstClr val="black">
+                              <a:lumMod val="50000"/>
+                              <a:lumOff val="50000"/>
+                            </a:prstClr>
+                          </a:solidFill>
+                          <a:effectLst/>
+                          <a:uLnTx/>
+                          <a:uFillTx/>
+                          <a:latin typeface="Cambria Math" panose="02040503050406030204" pitchFamily="18" charset="0"/>
+                          <a:ea typeface="Cambria Math" panose="02040503050406030204" pitchFamily="18" charset="0"/>
+                          <a:cs typeface="+mn-cs"/>
+                        </a:rPr>
+                        <m:t>∙0</m:t>
+                      </m:r>
+                    </m:oMath>
+                  </m:oMathPara>
+                </a14:m>
+                <a:endParaRPr kumimoji="0" lang="en-US" sz="2400" b="0" i="0" u="none" strike="noStrike" kern="1200" cap="none" spc="0" normalizeH="0" baseline="0" noProof="0" dirty="0">
+                  <a:ln>
+                    <a:noFill/>
+                  </a:ln>
+                  <a:solidFill>
+                    <a:prstClr val="black">
+                      <a:lumMod val="50000"/>
+                      <a:lumOff val="50000"/>
+                    </a:prstClr>
+                  </a:solidFill>
+                  <a:effectLst/>
+                  <a:uLnTx/>
+                  <a:uFillTx/>
+                  <a:latin typeface="Calibri"/>
+                  <a:ea typeface="+mn-ea"/>
+                  <a:cs typeface="+mn-cs"/>
+                </a:endParaRPr>
+              </a:p>
+            </p:txBody>
+          </p:sp>
+        </mc:Choice>
+        <mc:Fallback xmlns="">
+          <p:sp>
+            <p:nvSpPr>
+              <p:cNvPr id="27" name="TextBox 26">
+                <a:extLst>
+                  <a:ext uri="{FF2B5EF4-FFF2-40B4-BE49-F238E27FC236}">
+                    <a16:creationId xmlns:a16="http://schemas.microsoft.com/office/drawing/2014/main" id="{795B20BA-1860-DCFD-89C1-5B58014D0EC0}"/>
+                  </a:ext>
+                </a:extLst>
+              </p:cNvPr>
+              <p:cNvSpPr txBox="1">
+                <a:spLocks noRot="1" noChangeAspect="1" noMove="1" noResize="1" noEditPoints="1" noAdjustHandles="1" noChangeArrowheads="1" noChangeShapeType="1" noTextEdit="1"/>
+              </p:cNvSpPr>
+              <p:nvPr/>
+            </p:nvSpPr>
+            <p:spPr>
+              <a:xfrm>
+                <a:off x="6655571" y="5438516"/>
+                <a:ext cx="4848956" cy="369332"/>
+              </a:xfrm>
+              <a:prstGeom prst="rect">
+                <a:avLst/>
+              </a:prstGeom>
+              <a:blipFill>
+                <a:blip r:embed="rId5"/>
+                <a:stretch>
+                  <a:fillRect l="-503" r="-1006" b="-13115"/>
+                </a:stretch>
+              </a:blipFill>
+            </p:spPr>
+            <p:txBody>
+              <a:bodyPr/>
+              <a:lstStyle/>
+              <a:p>
+                <a:r>
+                  <a:rPr lang="en-US">
+                    <a:noFill/>
+                  </a:rPr>
+                  <a:t> </a:t>
+                </a:r>
+              </a:p>
+            </p:txBody>
+          </p:sp>
+        </mc:Fallback>
+      </mc:AlternateContent>
+      <p:sp>
+        <p:nvSpPr>
+          <p:cNvPr id="28" name="TextBox 27">
+            <a:extLst>
+              <a:ext uri="{FF2B5EF4-FFF2-40B4-BE49-F238E27FC236}">
+                <a16:creationId xmlns:a16="http://schemas.microsoft.com/office/drawing/2014/main" id="{93773B21-B5C7-3B3A-2CFB-7427ACD2CF43}"/>
               </a:ext>
             </a:extLst>
           </p:cNvPr>
@@ -14111,8 +15625,8 @@
         </p:nvSpPr>
         <p:spPr>
           <a:xfrm>
-            <a:off x="5647689" y="3338175"/>
-            <a:ext cx="1079500" cy="461665"/>
+            <a:off x="10646596" y="5851266"/>
+            <a:ext cx="923971" cy="461665"/>
           </a:xfrm>
           <a:prstGeom prst="rect">
             <a:avLst/>
@@ -14120,7 +15634,7 @@
           <a:noFill/>
         </p:spPr>
         <p:txBody>
-          <a:bodyPr wrap="square" rtlCol="0">
+          <a:bodyPr wrap="none" rtlCol="0">
             <a:spAutoFit/>
           </a:bodyPr>
           <a:lstStyle/>
@@ -14143,14 +15657,15 @@
               <a:defRPr/>
             </a:pPr>
             <a:r>
-              <a:rPr kumimoji="0" lang="en-US" sz="2400" b="1" i="0" u="none" strike="noStrike" kern="1200" cap="none" spc="0" normalizeH="0" baseline="0" noProof="0" dirty="0">
+              <a:rPr kumimoji="0" lang="en-US" sz="2400" b="0" i="0" u="none" strike="noStrike" kern="1200" cap="none" spc="0" normalizeH="0" baseline="0" noProof="0" dirty="0">
                 <a:ln>
                   <a:noFill/>
                 </a:ln>
                 <a:solidFill>
-                  <a:srgbClr val="ED7D31">
-                    <a:lumMod val="75000"/>
-                  </a:srgbClr>
+                  <a:prstClr val="black">
+                    <a:lumMod val="50000"/>
+                    <a:lumOff val="50000"/>
+                  </a:prstClr>
                 </a:solidFill>
                 <a:effectLst/>
                 <a:uLnTx/>
@@ -14159,17 +15674,17 @@
                 <a:ea typeface="+mn-ea"/>
                 <a:cs typeface="+mn-cs"/>
               </a:rPr>
-              <a:t>$200k</a:t>
-            </a:r>
-          </a:p>
-        </p:txBody>
-      </p:sp>
-      <p:sp>
-        <p:nvSpPr>
-          <p:cNvPr id="18" name="TextBox 17">
-            <a:extLst>
-              <a:ext uri="{FF2B5EF4-FFF2-40B4-BE49-F238E27FC236}">
-                <a16:creationId xmlns:a16="http://schemas.microsoft.com/office/drawing/2014/main" id="{19FA2B8E-6589-1363-FEE5-8245E2E3C5C2}"/>
+              <a:t>level4</a:t>
+            </a:r>
+          </a:p>
+        </p:txBody>
+      </p:sp>
+      <p:sp>
+        <p:nvSpPr>
+          <p:cNvPr id="29" name="TextBox 28">
+            <a:extLst>
+              <a:ext uri="{FF2B5EF4-FFF2-40B4-BE49-F238E27FC236}">
+                <a16:creationId xmlns:a16="http://schemas.microsoft.com/office/drawing/2014/main" id="{4CCBB4FA-7CC0-526F-6BF5-4345509F0773}"/>
               </a:ext>
             </a:extLst>
           </p:cNvPr>
@@ -14178,8 +15693,8 @@
         </p:nvSpPr>
         <p:spPr>
           <a:xfrm>
-            <a:off x="3748245" y="3345402"/>
-            <a:ext cx="1079500" cy="461665"/>
+            <a:off x="9278606" y="5851266"/>
+            <a:ext cx="923971" cy="461665"/>
           </a:xfrm>
           <a:prstGeom prst="rect">
             <a:avLst/>
@@ -14187,7 +15702,7 @@
           <a:noFill/>
         </p:spPr>
         <p:txBody>
-          <a:bodyPr wrap="square" rtlCol="0">
+          <a:bodyPr wrap="none" rtlCol="0">
             <a:spAutoFit/>
           </a:bodyPr>
           <a:lstStyle/>
@@ -14210,14 +15725,15 @@
               <a:defRPr/>
             </a:pPr>
             <a:r>
-              <a:rPr kumimoji="0" lang="en-US" sz="2400" b="1" i="0" u="none" strike="noStrike" kern="1200" cap="none" spc="0" normalizeH="0" baseline="0" noProof="0" dirty="0">
+              <a:rPr kumimoji="0" lang="en-US" sz="2400" b="0" i="0" u="none" strike="noStrike" kern="1200" cap="none" spc="0" normalizeH="0" baseline="0" noProof="0" dirty="0">
                 <a:ln>
                   <a:noFill/>
                 </a:ln>
                 <a:solidFill>
-                  <a:srgbClr val="ED7D31">
-                    <a:lumMod val="75000"/>
-                  </a:srgbClr>
+                  <a:prstClr val="black">
+                    <a:lumMod val="50000"/>
+                    <a:lumOff val="50000"/>
+                  </a:prstClr>
                 </a:solidFill>
                 <a:effectLst/>
                 <a:uLnTx/>
@@ -14226,7 +15742,208 @@
                 <a:ea typeface="+mn-ea"/>
                 <a:cs typeface="+mn-cs"/>
               </a:rPr>
-              <a:t>$150k</a:t>
+              <a:t>level3</a:t>
+            </a:r>
+          </a:p>
+        </p:txBody>
+      </p:sp>
+      <p:sp>
+        <p:nvSpPr>
+          <p:cNvPr id="30" name="TextBox 29">
+            <a:extLst>
+              <a:ext uri="{FF2B5EF4-FFF2-40B4-BE49-F238E27FC236}">
+                <a16:creationId xmlns:a16="http://schemas.microsoft.com/office/drawing/2014/main" id="{D69A6B6D-B809-BA21-5026-FD2D6B418ABE}"/>
+              </a:ext>
+            </a:extLst>
+          </p:cNvPr>
+          <p:cNvSpPr txBox="1"/>
+          <p:nvPr/>
+        </p:nvSpPr>
+        <p:spPr>
+          <a:xfrm>
+            <a:off x="7958819" y="5851266"/>
+            <a:ext cx="923971" cy="461665"/>
+          </a:xfrm>
+          <a:prstGeom prst="rect">
+            <a:avLst/>
+          </a:prstGeom>
+          <a:noFill/>
+        </p:spPr>
+        <p:txBody>
+          <a:bodyPr wrap="none" rtlCol="0">
+            <a:spAutoFit/>
+          </a:bodyPr>
+          <a:lstStyle/>
+          <a:p>
+            <a:pPr marL="0" marR="0" lvl="0" indent="0" algn="l" defTabSz="914400" rtl="0" eaLnBrk="1" fontAlgn="auto" latinLnBrk="0" hangingPunct="1">
+              <a:lnSpc>
+                <a:spcPct val="100000"/>
+              </a:lnSpc>
+              <a:spcBef>
+                <a:spcPts val="0"/>
+              </a:spcBef>
+              <a:spcAft>
+                <a:spcPts val="0"/>
+              </a:spcAft>
+              <a:buClrTx/>
+              <a:buSzTx/>
+              <a:buFontTx/>
+              <a:buNone/>
+              <a:tabLst/>
+              <a:defRPr/>
+            </a:pPr>
+            <a:r>
+              <a:rPr kumimoji="0" lang="en-US" sz="2400" b="0" i="0" u="none" strike="noStrike" kern="1200" cap="none" spc="0" normalizeH="0" baseline="0" noProof="0" dirty="0">
+                <a:ln>
+                  <a:noFill/>
+                </a:ln>
+                <a:solidFill>
+                  <a:prstClr val="black">
+                    <a:lumMod val="50000"/>
+                    <a:lumOff val="50000"/>
+                  </a:prstClr>
+                </a:solidFill>
+                <a:effectLst/>
+                <a:uLnTx/>
+                <a:uFillTx/>
+                <a:latin typeface="Calibri"/>
+                <a:ea typeface="+mn-ea"/>
+                <a:cs typeface="+mn-cs"/>
+              </a:rPr>
+              <a:t>level2</a:t>
+            </a:r>
+          </a:p>
+        </p:txBody>
+      </p:sp>
+      <p:sp>
+        <p:nvSpPr>
+          <p:cNvPr id="31" name="TextBox 30">
+            <a:extLst>
+              <a:ext uri="{FF2B5EF4-FFF2-40B4-BE49-F238E27FC236}">
+                <a16:creationId xmlns:a16="http://schemas.microsoft.com/office/drawing/2014/main" id="{1EC3A86D-306C-7FCE-BDAE-940B3B36D91B}"/>
+              </a:ext>
+            </a:extLst>
+          </p:cNvPr>
+          <p:cNvSpPr txBox="1"/>
+          <p:nvPr/>
+        </p:nvSpPr>
+        <p:spPr>
+          <a:xfrm>
+            <a:off x="6590829" y="5854520"/>
+            <a:ext cx="923971" cy="461665"/>
+          </a:xfrm>
+          <a:prstGeom prst="rect">
+            <a:avLst/>
+          </a:prstGeom>
+          <a:noFill/>
+        </p:spPr>
+        <p:txBody>
+          <a:bodyPr wrap="none" rtlCol="0">
+            <a:spAutoFit/>
+          </a:bodyPr>
+          <a:lstStyle/>
+          <a:p>
+            <a:pPr marL="0" marR="0" lvl="0" indent="0" algn="l" defTabSz="914400" rtl="0" eaLnBrk="1" fontAlgn="auto" latinLnBrk="0" hangingPunct="1">
+              <a:lnSpc>
+                <a:spcPct val="100000"/>
+              </a:lnSpc>
+              <a:spcBef>
+                <a:spcPts val="0"/>
+              </a:spcBef>
+              <a:spcAft>
+                <a:spcPts val="0"/>
+              </a:spcAft>
+              <a:buClrTx/>
+              <a:buSzTx/>
+              <a:buFontTx/>
+              <a:buNone/>
+              <a:tabLst/>
+              <a:defRPr/>
+            </a:pPr>
+            <a:r>
+              <a:rPr kumimoji="0" lang="en-US" sz="2400" b="0" i="0" u="none" strike="noStrike" kern="1200" cap="none" spc="0" normalizeH="0" baseline="0" noProof="0" dirty="0">
+                <a:ln>
+                  <a:noFill/>
+                </a:ln>
+                <a:solidFill>
+                  <a:prstClr val="black">
+                    <a:lumMod val="50000"/>
+                    <a:lumOff val="50000"/>
+                  </a:prstClr>
+                </a:solidFill>
+                <a:effectLst/>
+                <a:uLnTx/>
+                <a:uFillTx/>
+                <a:latin typeface="Calibri"/>
+                <a:ea typeface="+mn-ea"/>
+                <a:cs typeface="+mn-cs"/>
+              </a:rPr>
+              <a:t>level1</a:t>
+            </a:r>
+          </a:p>
+        </p:txBody>
+      </p:sp>
+      <p:sp>
+        <p:nvSpPr>
+          <p:cNvPr id="32" name="TextBox 31">
+            <a:extLst>
+              <a:ext uri="{FF2B5EF4-FFF2-40B4-BE49-F238E27FC236}">
+                <a16:creationId xmlns:a16="http://schemas.microsoft.com/office/drawing/2014/main" id="{B429DADC-9819-D56C-19AB-481E837947E2}"/>
+              </a:ext>
+            </a:extLst>
+          </p:cNvPr>
+          <p:cNvSpPr txBox="1"/>
+          <p:nvPr/>
+        </p:nvSpPr>
+        <p:spPr>
+          <a:xfrm>
+            <a:off x="9282031" y="545069"/>
+            <a:ext cx="1997791" cy="646331"/>
+          </a:xfrm>
+          <a:prstGeom prst="rect">
+            <a:avLst/>
+          </a:prstGeom>
+          <a:noFill/>
+        </p:spPr>
+        <p:txBody>
+          <a:bodyPr wrap="none" rtlCol="0">
+            <a:spAutoFit/>
+          </a:bodyPr>
+          <a:lstStyle/>
+          <a:p>
+            <a:pPr marL="0" marR="0" lvl="0" indent="0" algn="l" defTabSz="914400" rtl="0" eaLnBrk="1" fontAlgn="auto" latinLnBrk="0" hangingPunct="1">
+              <a:lnSpc>
+                <a:spcPct val="100000"/>
+              </a:lnSpc>
+              <a:spcBef>
+                <a:spcPts val="0"/>
+              </a:spcBef>
+              <a:spcAft>
+                <a:spcPts val="0"/>
+              </a:spcAft>
+              <a:buClrTx/>
+              <a:buSzTx/>
+              <a:buFontTx/>
+              <a:buNone/>
+              <a:tabLst/>
+              <a:defRPr/>
+            </a:pPr>
+            <a:r>
+              <a:rPr kumimoji="0" lang="en-US" sz="3600" b="0" i="0" u="none" strike="noStrike" kern="1200" cap="none" spc="0" normalizeH="0" baseline="0" noProof="0" dirty="0">
+                <a:ln>
+                  <a:noFill/>
+                </a:ln>
+                <a:solidFill>
+                  <a:prstClr val="black"/>
+                </a:solidFill>
+                <a:effectLst/>
+                <a:uLnTx/>
+                <a:uFillTx/>
+                <a:latin typeface="Calibri Light"/>
+                <a:ea typeface="+mn-ea"/>
+                <a:cs typeface="+mn-cs"/>
+              </a:rPr>
+              <a:t>DISTANCE</a:t>
             </a:r>
           </a:p>
         </p:txBody>
@@ -14234,7 +15951,7 @@
     </p:spTree>
     <p:extLst>
       <p:ext uri="{BB962C8B-B14F-4D97-AF65-F5344CB8AC3E}">
-        <p14:creationId xmlns:p14="http://schemas.microsoft.com/office/powerpoint/2010/main" val="2405168608"/>
+        <p14:creationId xmlns:p14="http://schemas.microsoft.com/office/powerpoint/2010/main" val="2303835735"/>
       </p:ext>
     </p:extLst>
   </p:cSld>
@@ -14263,18 +15980,18 @@
       </p:grpSpPr>
       <p:sp>
         <p:nvSpPr>
-          <p:cNvPr id="2" name="Title 1">
-            <a:extLst>
-              <a:ext uri="{FF2B5EF4-FFF2-40B4-BE49-F238E27FC236}">
-                <a16:creationId xmlns:a16="http://schemas.microsoft.com/office/drawing/2014/main" id="{3A2EEDF4-267F-3B38-12FA-1E29EB35C10A}"/>
-              </a:ext>
-            </a:extLst>
-          </p:cNvPr>
-          <p:cNvSpPr>
-            <a:spLocks noGrp="1"/>
-          </p:cNvSpPr>
-          <p:nvPr>
-            <p:ph type="title"/>
+          <p:cNvPr id="2" name="Slide Number Placeholder 1">
+            <a:extLst>
+              <a:ext uri="{FF2B5EF4-FFF2-40B4-BE49-F238E27FC236}">
+                <a16:creationId xmlns:a16="http://schemas.microsoft.com/office/drawing/2014/main" id="{425ECCB9-F7EC-7744-3048-EDA4C915E9E4}"/>
+              </a:ext>
+            </a:extLst>
+          </p:cNvPr>
+          <p:cNvSpPr>
+            <a:spLocks noGrp="1"/>
+          </p:cNvSpPr>
+          <p:nvPr>
+            <p:ph type="sldNum" sz="quarter" idx="12"/>
           </p:nvPr>
         </p:nvSpPr>
         <p:spPr/>
@@ -14282,94 +15999,522 @@
           <a:bodyPr/>
           <a:lstStyle/>
           <a:p>
-            <a:r>
-              <a:rPr lang="en-US" dirty="0"/>
-              <a:t>Inflation adjustment</a:t>
-            </a:r>
-          </a:p>
-        </p:txBody>
-      </p:sp>
-      <p:sp>
-        <p:nvSpPr>
-          <p:cNvPr id="3" name="Content Placeholder 2">
-            <a:extLst>
-              <a:ext uri="{FF2B5EF4-FFF2-40B4-BE49-F238E27FC236}">
-                <a16:creationId xmlns:a16="http://schemas.microsoft.com/office/drawing/2014/main" id="{093CB00D-4DEA-03F0-8967-F744C48CA1FF}"/>
-              </a:ext>
-            </a:extLst>
-          </p:cNvPr>
-          <p:cNvSpPr>
-            <a:spLocks noGrp="1"/>
-          </p:cNvSpPr>
-          <p:nvPr>
-            <p:ph idx="1"/>
-          </p:nvPr>
-        </p:nvSpPr>
-        <p:spPr/>
-        <p:txBody>
-          <a:bodyPr/>
-          <a:lstStyle/>
-          <a:p>
-            <a:r>
-              <a:rPr lang="en-US" dirty="0"/>
-              <a:t>Function that adjusts all data to given year</a:t>
-            </a:r>
-          </a:p>
-          <a:p>
-            <a:r>
-              <a:rPr lang="en-US" dirty="0"/>
-              <a:t>Arguments: </a:t>
-            </a:r>
-          </a:p>
-          <a:p>
-            <a:pPr lvl="1"/>
-            <a:r>
-              <a:rPr lang="en-US" dirty="0"/>
-              <a:t>Table with year and inflation rate</a:t>
-            </a:r>
-          </a:p>
-          <a:p>
-            <a:pPr lvl="1"/>
-            <a:r>
-              <a:rPr lang="en-US" dirty="0"/>
-              <a:t>Reference year</a:t>
-            </a:r>
-          </a:p>
-        </p:txBody>
-      </p:sp>
-      <p:sp>
-        <p:nvSpPr>
-          <p:cNvPr id="4" name="Slide Number Placeholder 3">
-            <a:extLst>
-              <a:ext uri="{FF2B5EF4-FFF2-40B4-BE49-F238E27FC236}">
-                <a16:creationId xmlns:a16="http://schemas.microsoft.com/office/drawing/2014/main" id="{1E01CCE7-B88F-2738-43E7-7589CBC5B2D2}"/>
-              </a:ext>
-            </a:extLst>
-          </p:cNvPr>
-          <p:cNvSpPr>
-            <a:spLocks noGrp="1"/>
-          </p:cNvSpPr>
-          <p:nvPr>
-            <p:ph type="sldNum" sz="quarter" idx="12"/>
-          </p:nvPr>
-        </p:nvSpPr>
-        <p:spPr/>
-        <p:txBody>
-          <a:bodyPr/>
-          <a:lstStyle/>
-          <a:p>
+            <a:pPr marL="0" marR="0" lvl="0" indent="0" algn="r" defTabSz="914400" rtl="0" eaLnBrk="1" fontAlgn="auto" latinLnBrk="0" hangingPunct="1">
+              <a:lnSpc>
+                <a:spcPct val="100000"/>
+              </a:lnSpc>
+              <a:spcBef>
+                <a:spcPts val="0"/>
+              </a:spcBef>
+              <a:spcAft>
+                <a:spcPts val="0"/>
+              </a:spcAft>
+              <a:buClrTx/>
+              <a:buSzTx/>
+              <a:buFontTx/>
+              <a:buNone/>
+              <a:tabLst/>
+              <a:defRPr/>
+            </a:pPr>
             <a:fld id="{6A8A6847-FF54-4997-9E64-663FA8B5A75E}" type="slidenum">
-              <a:rPr lang="en-US" smtClean="0"/>
+              <a:rPr kumimoji="0" lang="en-US" sz="1200" b="0" i="0" u="none" strike="noStrike" kern="1200" cap="none" spc="0" normalizeH="0" baseline="0" noProof="0" smtClean="0">
+                <a:ln>
+                  <a:noFill/>
+                </a:ln>
+                <a:solidFill>
+                  <a:prstClr val="black">
+                    <a:tint val="75000"/>
+                  </a:prstClr>
+                </a:solidFill>
+                <a:effectLst/>
+                <a:uLnTx/>
+                <a:uFillTx/>
+                <a:latin typeface="Calibri"/>
+                <a:ea typeface="+mn-ea"/>
+                <a:cs typeface="+mn-cs"/>
+              </a:rPr>
+              <a:pPr marL="0" marR="0" lvl="0" indent="0" algn="r" defTabSz="914400" rtl="0" eaLnBrk="1" fontAlgn="auto" latinLnBrk="0" hangingPunct="1">
+                <a:lnSpc>
+                  <a:spcPct val="100000"/>
+                </a:lnSpc>
+                <a:spcBef>
+                  <a:spcPts val="0"/>
+                </a:spcBef>
+                <a:spcAft>
+                  <a:spcPts val="0"/>
+                </a:spcAft>
+                <a:buClrTx/>
+                <a:buSzTx/>
+                <a:buFontTx/>
+                <a:buNone/>
+                <a:tabLst/>
+                <a:defRPr/>
+              </a:pPr>
               <a:t>6</a:t>
             </a:fld>
-            <a:endParaRPr lang="en-US"/>
+            <a:endParaRPr kumimoji="0" lang="en-US" sz="1200" b="0" i="0" u="none" strike="noStrike" kern="1200" cap="none" spc="0" normalizeH="0" baseline="0" noProof="0">
+              <a:ln>
+                <a:noFill/>
+              </a:ln>
+              <a:solidFill>
+                <a:prstClr val="black">
+                  <a:tint val="75000"/>
+                </a:prstClr>
+              </a:solidFill>
+              <a:effectLst/>
+              <a:uLnTx/>
+              <a:uFillTx/>
+              <a:latin typeface="Calibri"/>
+              <a:ea typeface="+mn-ea"/>
+              <a:cs typeface="+mn-cs"/>
+            </a:endParaRPr>
+          </a:p>
+        </p:txBody>
+      </p:sp>
+      <p:pic>
+        <p:nvPicPr>
+          <p:cNvPr id="4" name="Picture 3">
+            <a:extLst>
+              <a:ext uri="{FF2B5EF4-FFF2-40B4-BE49-F238E27FC236}">
+                <a16:creationId xmlns:a16="http://schemas.microsoft.com/office/drawing/2014/main" id="{08AE2B1A-CD0A-3294-D6CD-568E5BC6FB2F}"/>
+              </a:ext>
+            </a:extLst>
+          </p:cNvPr>
+          <p:cNvPicPr>
+            <a:picLocks noChangeAspect="1"/>
+          </p:cNvPicPr>
+          <p:nvPr/>
+        </p:nvPicPr>
+        <p:blipFill>
+          <a:blip r:embed="rId2"/>
+          <a:stretch>
+            <a:fillRect/>
+          </a:stretch>
+        </p:blipFill>
+        <p:spPr>
+          <a:xfrm>
+            <a:off x="2681923" y="361884"/>
+            <a:ext cx="7386638" cy="5610926"/>
+          </a:xfrm>
+          <a:prstGeom prst="rect">
+            <a:avLst/>
+          </a:prstGeom>
+        </p:spPr>
+      </p:pic>
+      <p:sp>
+        <p:nvSpPr>
+          <p:cNvPr id="5" name="TextBox 4">
+            <a:extLst>
+              <a:ext uri="{FF2B5EF4-FFF2-40B4-BE49-F238E27FC236}">
+                <a16:creationId xmlns:a16="http://schemas.microsoft.com/office/drawing/2014/main" id="{48D94E41-7452-8EC9-A6AD-3AEB4BE17D54}"/>
+              </a:ext>
+            </a:extLst>
+          </p:cNvPr>
+          <p:cNvSpPr txBox="1"/>
+          <p:nvPr/>
+        </p:nvSpPr>
+        <p:spPr>
+          <a:xfrm>
+            <a:off x="4572000" y="6171684"/>
+            <a:ext cx="2112566" cy="369332"/>
+          </a:xfrm>
+          <a:prstGeom prst="rect">
+            <a:avLst/>
+          </a:prstGeom>
+          <a:noFill/>
+        </p:spPr>
+        <p:txBody>
+          <a:bodyPr wrap="none" rtlCol="0">
+            <a:spAutoFit/>
+          </a:bodyPr>
+          <a:lstStyle/>
+          <a:p>
+            <a:pPr marL="0" marR="0" lvl="0" indent="0" algn="l" defTabSz="914400" rtl="0" eaLnBrk="1" fontAlgn="auto" latinLnBrk="0" hangingPunct="1">
+              <a:lnSpc>
+                <a:spcPct val="100000"/>
+              </a:lnSpc>
+              <a:spcBef>
+                <a:spcPts val="0"/>
+              </a:spcBef>
+              <a:spcAft>
+                <a:spcPts val="0"/>
+              </a:spcAft>
+              <a:buClrTx/>
+              <a:buSzTx/>
+              <a:buFontTx/>
+              <a:buNone/>
+              <a:tabLst/>
+              <a:defRPr/>
+            </a:pPr>
+            <a:r>
+              <a:rPr kumimoji="0" lang="en-US" sz="1800" b="0" i="0" u="none" strike="noStrike" kern="1200" cap="none" spc="0" normalizeH="0" baseline="0" noProof="0" dirty="0">
+                <a:ln>
+                  <a:noFill/>
+                </a:ln>
+                <a:solidFill>
+                  <a:prstClr val="black"/>
+                </a:solidFill>
+                <a:effectLst/>
+                <a:uLnTx/>
+                <a:uFillTx/>
+                <a:latin typeface="Calibri"/>
+                <a:ea typeface="+mn-ea"/>
+                <a:cs typeface="+mn-cs"/>
+              </a:rPr>
+              <a:t>Geographic Distance</a:t>
+            </a:r>
+          </a:p>
+        </p:txBody>
+      </p:sp>
+      <p:cxnSp>
+        <p:nvCxnSpPr>
+          <p:cNvPr id="7" name="Straight Arrow Connector 6">
+            <a:extLst>
+              <a:ext uri="{FF2B5EF4-FFF2-40B4-BE49-F238E27FC236}">
+                <a16:creationId xmlns:a16="http://schemas.microsoft.com/office/drawing/2014/main" id="{5C60FFC1-3F16-8AEC-F93E-4AE875803F3C}"/>
+              </a:ext>
+            </a:extLst>
+          </p:cNvPr>
+          <p:cNvCxnSpPr>
+            <a:cxnSpLocks/>
+          </p:cNvCxnSpPr>
+          <p:nvPr/>
+        </p:nvCxnSpPr>
+        <p:spPr>
+          <a:xfrm>
+            <a:off x="6918960" y="6356350"/>
+            <a:ext cx="2275840" cy="0"/>
+          </a:xfrm>
+          <a:prstGeom prst="straightConnector1">
+            <a:avLst/>
+          </a:prstGeom>
+          <a:ln w="34925">
+            <a:solidFill>
+              <a:schemeClr val="tx1"/>
+            </a:solidFill>
+            <a:tailEnd type="triangle" w="lg" len="lg"/>
+          </a:ln>
+        </p:spPr>
+        <p:style>
+          <a:lnRef idx="1">
+            <a:schemeClr val="accent1"/>
+          </a:lnRef>
+          <a:fillRef idx="0">
+            <a:schemeClr val="accent1"/>
+          </a:fillRef>
+          <a:effectRef idx="0">
+            <a:schemeClr val="accent1"/>
+          </a:effectRef>
+          <a:fontRef idx="minor">
+            <a:schemeClr val="tx1"/>
+          </a:fontRef>
+        </p:style>
+      </p:cxnSp>
+      <p:sp>
+        <p:nvSpPr>
+          <p:cNvPr id="9" name="TextBox 8">
+            <a:extLst>
+              <a:ext uri="{FF2B5EF4-FFF2-40B4-BE49-F238E27FC236}">
+                <a16:creationId xmlns:a16="http://schemas.microsoft.com/office/drawing/2014/main" id="{39172319-E8C3-A90F-6A33-47B795C919F9}"/>
+              </a:ext>
+            </a:extLst>
+          </p:cNvPr>
+          <p:cNvSpPr txBox="1"/>
+          <p:nvPr/>
+        </p:nvSpPr>
+        <p:spPr>
+          <a:xfrm rot="16200000">
+            <a:off x="1240314" y="4038964"/>
+            <a:ext cx="1766253" cy="369332"/>
+          </a:xfrm>
+          <a:prstGeom prst="rect">
+            <a:avLst/>
+          </a:prstGeom>
+          <a:noFill/>
+        </p:spPr>
+        <p:txBody>
+          <a:bodyPr wrap="none" rtlCol="0">
+            <a:spAutoFit/>
+          </a:bodyPr>
+          <a:lstStyle/>
+          <a:p>
+            <a:pPr marL="0" marR="0" lvl="0" indent="0" algn="l" defTabSz="914400" rtl="0" eaLnBrk="1" fontAlgn="auto" latinLnBrk="0" hangingPunct="1">
+              <a:lnSpc>
+                <a:spcPct val="100000"/>
+              </a:lnSpc>
+              <a:spcBef>
+                <a:spcPts val="0"/>
+              </a:spcBef>
+              <a:spcAft>
+                <a:spcPts val="0"/>
+              </a:spcAft>
+              <a:buClrTx/>
+              <a:buSzTx/>
+              <a:buFontTx/>
+              <a:buNone/>
+              <a:tabLst/>
+              <a:defRPr/>
+            </a:pPr>
+            <a:r>
+              <a:rPr kumimoji="0" lang="en-US" sz="1800" b="0" i="0" u="none" strike="noStrike" kern="1200" cap="none" spc="0" normalizeH="0" baseline="0" noProof="0" dirty="0">
+                <a:ln>
+                  <a:noFill/>
+                </a:ln>
+                <a:solidFill>
+                  <a:prstClr val="black"/>
+                </a:solidFill>
+                <a:effectLst/>
+                <a:uLnTx/>
+                <a:uFillTx/>
+                <a:latin typeface="Calibri"/>
+                <a:ea typeface="+mn-ea"/>
+                <a:cs typeface="+mn-cs"/>
+              </a:rPr>
+              <a:t>Mission Distance</a:t>
+            </a:r>
+          </a:p>
+        </p:txBody>
+      </p:sp>
+      <p:cxnSp>
+        <p:nvCxnSpPr>
+          <p:cNvPr id="10" name="Straight Arrow Connector 9">
+            <a:extLst>
+              <a:ext uri="{FF2B5EF4-FFF2-40B4-BE49-F238E27FC236}">
+                <a16:creationId xmlns:a16="http://schemas.microsoft.com/office/drawing/2014/main" id="{0FE06350-27B9-AC4D-3BB1-F3C81B97BA1E}"/>
+              </a:ext>
+            </a:extLst>
+          </p:cNvPr>
+          <p:cNvCxnSpPr>
+            <a:cxnSpLocks/>
+          </p:cNvCxnSpPr>
+          <p:nvPr/>
+        </p:nvCxnSpPr>
+        <p:spPr>
+          <a:xfrm flipV="1">
+            <a:off x="2123440" y="1677637"/>
+            <a:ext cx="0" cy="1489710"/>
+          </a:xfrm>
+          <a:prstGeom prst="straightConnector1">
+            <a:avLst/>
+          </a:prstGeom>
+          <a:ln w="34925">
+            <a:solidFill>
+              <a:schemeClr val="tx1"/>
+            </a:solidFill>
+            <a:tailEnd type="triangle" w="lg" len="lg"/>
+          </a:ln>
+        </p:spPr>
+        <p:style>
+          <a:lnRef idx="1">
+            <a:schemeClr val="accent1"/>
+          </a:lnRef>
+          <a:fillRef idx="0">
+            <a:schemeClr val="accent1"/>
+          </a:fillRef>
+          <a:effectRef idx="0">
+            <a:schemeClr val="accent1"/>
+          </a:effectRef>
+          <a:fontRef idx="minor">
+            <a:schemeClr val="tx1"/>
+          </a:fontRef>
+        </p:style>
+      </p:cxnSp>
+      <p:sp>
+        <p:nvSpPr>
+          <p:cNvPr id="12" name="Oval 11">
+            <a:extLst>
+              <a:ext uri="{FF2B5EF4-FFF2-40B4-BE49-F238E27FC236}">
+                <a16:creationId xmlns:a16="http://schemas.microsoft.com/office/drawing/2014/main" id="{7DA11A61-B950-1A86-6FE9-4A67402E62BA}"/>
+              </a:ext>
+            </a:extLst>
+          </p:cNvPr>
+          <p:cNvSpPr/>
+          <p:nvPr/>
+        </p:nvSpPr>
+        <p:spPr>
+          <a:xfrm rot="20450364">
+            <a:off x="2954162" y="4978400"/>
+            <a:ext cx="1353067" cy="762000"/>
+          </a:xfrm>
+          <a:prstGeom prst="ellipse">
+            <a:avLst/>
+          </a:prstGeom>
+          <a:solidFill>
+            <a:schemeClr val="accent2">
+              <a:lumMod val="75000"/>
+              <a:alpha val="20000"/>
+            </a:schemeClr>
+          </a:solidFill>
+          <a:ln w="38100">
+            <a:solidFill>
+              <a:schemeClr val="accent2">
+                <a:lumMod val="75000"/>
+              </a:schemeClr>
+            </a:solidFill>
+          </a:ln>
+        </p:spPr>
+        <p:style>
+          <a:lnRef idx="2">
+            <a:schemeClr val="accent1">
+              <a:shade val="50000"/>
+            </a:schemeClr>
+          </a:lnRef>
+          <a:fillRef idx="1">
+            <a:schemeClr val="accent1"/>
+          </a:fillRef>
+          <a:effectRef idx="0">
+            <a:schemeClr val="accent1"/>
+          </a:effectRef>
+          <a:fontRef idx="minor">
+            <a:schemeClr val="lt1"/>
+          </a:fontRef>
+        </p:style>
+        <p:txBody>
+          <a:bodyPr rtlCol="0" anchor="ctr"/>
+          <a:lstStyle/>
+          <a:p>
+            <a:pPr marL="0" marR="0" lvl="0" indent="0" algn="ctr" defTabSz="914400" rtl="0" eaLnBrk="1" fontAlgn="auto" latinLnBrk="0" hangingPunct="1">
+              <a:lnSpc>
+                <a:spcPct val="100000"/>
+              </a:lnSpc>
+              <a:spcBef>
+                <a:spcPts val="0"/>
+              </a:spcBef>
+              <a:spcAft>
+                <a:spcPts val="0"/>
+              </a:spcAft>
+              <a:buClrTx/>
+              <a:buSzTx/>
+              <a:buFontTx/>
+              <a:buNone/>
+              <a:tabLst/>
+              <a:defRPr/>
+            </a:pPr>
+            <a:endParaRPr kumimoji="0" lang="en-US" sz="1800" b="0" i="0" u="none" strike="noStrike" kern="1200" cap="none" spc="0" normalizeH="0" baseline="0" noProof="0">
+              <a:ln>
+                <a:noFill/>
+              </a:ln>
+              <a:solidFill>
+                <a:prstClr val="white"/>
+              </a:solidFill>
+              <a:effectLst/>
+              <a:uLnTx/>
+              <a:uFillTx/>
+              <a:latin typeface="Calibri"/>
+              <a:ea typeface="+mn-ea"/>
+              <a:cs typeface="+mn-cs"/>
+            </a:endParaRPr>
+          </a:p>
+        </p:txBody>
+      </p:sp>
+      <p:sp>
+        <p:nvSpPr>
+          <p:cNvPr id="13" name="TextBox 12">
+            <a:extLst>
+              <a:ext uri="{FF2B5EF4-FFF2-40B4-BE49-F238E27FC236}">
+                <a16:creationId xmlns:a16="http://schemas.microsoft.com/office/drawing/2014/main" id="{5B2F5C9E-F516-A035-562B-460785D99864}"/>
+              </a:ext>
+            </a:extLst>
+          </p:cNvPr>
+          <p:cNvSpPr txBox="1"/>
+          <p:nvPr/>
+        </p:nvSpPr>
+        <p:spPr>
+          <a:xfrm>
+            <a:off x="984243" y="5710019"/>
+            <a:ext cx="1463286" cy="646331"/>
+          </a:xfrm>
+          <a:prstGeom prst="rect">
+            <a:avLst/>
+          </a:prstGeom>
+          <a:noFill/>
+        </p:spPr>
+        <p:txBody>
+          <a:bodyPr wrap="none" rtlCol="0">
+            <a:spAutoFit/>
+          </a:bodyPr>
+          <a:lstStyle/>
+          <a:p>
+            <a:pPr marL="0" marR="0" lvl="0" indent="0" algn="ctr" defTabSz="914400" rtl="0" eaLnBrk="1" fontAlgn="auto" latinLnBrk="0" hangingPunct="1">
+              <a:lnSpc>
+                <a:spcPct val="100000"/>
+              </a:lnSpc>
+              <a:spcBef>
+                <a:spcPts val="0"/>
+              </a:spcBef>
+              <a:spcAft>
+                <a:spcPts val="0"/>
+              </a:spcAft>
+              <a:buClrTx/>
+              <a:buSzTx/>
+              <a:buFontTx/>
+              <a:buNone/>
+              <a:tabLst/>
+              <a:defRPr/>
+            </a:pPr>
+            <a:r>
+              <a:rPr kumimoji="0" lang="en-US" sz="1800" b="0" i="0" u="none" strike="noStrike" kern="1200" cap="none" spc="0" normalizeH="0" baseline="0" noProof="0" dirty="0">
+                <a:ln>
+                  <a:noFill/>
+                </a:ln>
+                <a:solidFill>
+                  <a:srgbClr val="ED7D31">
+                    <a:lumMod val="75000"/>
+                  </a:srgbClr>
+                </a:solidFill>
+                <a:effectLst/>
+                <a:uLnTx/>
+                <a:uFillTx/>
+                <a:latin typeface="Calibri"/>
+                <a:ea typeface="+mn-ea"/>
+                <a:cs typeface="+mn-cs"/>
+              </a:rPr>
+              <a:t>Comparison </a:t>
+            </a:r>
+            <a:br>
+              <a:rPr kumimoji="0" lang="en-US" sz="1800" b="0" i="0" u="none" strike="noStrike" kern="1200" cap="none" spc="0" normalizeH="0" baseline="0" noProof="0" dirty="0">
+                <a:ln>
+                  <a:noFill/>
+                </a:ln>
+                <a:solidFill>
+                  <a:srgbClr val="ED7D31">
+                    <a:lumMod val="75000"/>
+                  </a:srgbClr>
+                </a:solidFill>
+                <a:effectLst/>
+                <a:uLnTx/>
+                <a:uFillTx/>
+                <a:latin typeface="Calibri"/>
+                <a:ea typeface="+mn-ea"/>
+                <a:cs typeface="+mn-cs"/>
+              </a:rPr>
+            </a:br>
+            <a:r>
+              <a:rPr kumimoji="0" lang="en-US" sz="1800" b="0" i="0" u="none" strike="noStrike" kern="1200" cap="none" spc="0" normalizeH="0" baseline="0" noProof="0" dirty="0">
+                <a:ln>
+                  <a:noFill/>
+                </a:ln>
+                <a:solidFill>
+                  <a:srgbClr val="ED7D31">
+                    <a:lumMod val="75000"/>
+                  </a:srgbClr>
+                </a:solidFill>
+                <a:effectLst/>
+                <a:uLnTx/>
+                <a:uFillTx/>
+                <a:latin typeface="Calibri"/>
+                <a:ea typeface="+mn-ea"/>
+                <a:cs typeface="+mn-cs"/>
+              </a:rPr>
+              <a:t>Organizations</a:t>
+            </a:r>
           </a:p>
         </p:txBody>
       </p:sp>
     </p:spTree>
     <p:extLst>
       <p:ext uri="{BB962C8B-B14F-4D97-AF65-F5344CB8AC3E}">
-        <p14:creationId xmlns:p14="http://schemas.microsoft.com/office/powerpoint/2010/main" val="4192805288"/>
+        <p14:creationId xmlns:p14="http://schemas.microsoft.com/office/powerpoint/2010/main" val="1783065024"/>
       </p:ext>
     </p:extLst>
   </p:cSld>
@@ -14382,17 +16527,6 @@
 <file path=ppt/slides/slide7.xml><?xml version="1.0" encoding="utf-8"?>
 <p:sld xmlns:a="http://schemas.openxmlformats.org/drawingml/2006/main" xmlns:r="http://schemas.openxmlformats.org/officeDocument/2006/relationships" xmlns:p="http://schemas.openxmlformats.org/presentationml/2006/main">
   <p:cSld>
-    <p:bg>
-      <p:bgPr>
-        <a:solidFill>
-          <a:schemeClr val="tx1">
-            <a:lumMod val="75000"/>
-            <a:lumOff val="25000"/>
-          </a:schemeClr>
-        </a:solidFill>
-        <a:effectLst/>
-      </p:bgPr>
-    </p:bg>
     <p:spTree>
       <p:nvGrpSpPr>
         <p:cNvPr id="1" name=""/>
@@ -14409,69 +16543,10 @@
       </p:grpSpPr>
       <p:sp>
         <p:nvSpPr>
-          <p:cNvPr id="2" name="Title 1">
-            <a:extLst>
-              <a:ext uri="{FF2B5EF4-FFF2-40B4-BE49-F238E27FC236}">
-                <a16:creationId xmlns:a16="http://schemas.microsoft.com/office/drawing/2014/main" id="{0A641A6B-0DE7-48B3-A7F5-ECD2E6F69A95}"/>
-              </a:ext>
-            </a:extLst>
-          </p:cNvPr>
-          <p:cNvSpPr>
-            <a:spLocks noGrp="1"/>
-          </p:cNvSpPr>
-          <p:nvPr>
-            <p:ph type="title"/>
-          </p:nvPr>
-        </p:nvSpPr>
-        <p:spPr/>
-        <p:txBody>
-          <a:bodyPr>
-            <a:normAutofit/>
-          </a:bodyPr>
-          <a:lstStyle/>
-          <a:p>
-            <a:r>
-              <a:rPr lang="en-US" sz="4800" dirty="0">
-                <a:solidFill>
-                  <a:schemeClr val="bg1"/>
-                </a:solidFill>
-              </a:rPr>
-              <a:t>Drill-Down and Segmentation</a:t>
-            </a:r>
-          </a:p>
-        </p:txBody>
-      </p:sp>
-      <p:sp>
-        <p:nvSpPr>
-          <p:cNvPr id="3" name="Text Placeholder 2">
-            <a:extLst>
-              <a:ext uri="{FF2B5EF4-FFF2-40B4-BE49-F238E27FC236}">
-                <a16:creationId xmlns:a16="http://schemas.microsoft.com/office/drawing/2014/main" id="{C96E8882-3CD5-4EC8-AD5F-029FCAB81DEA}"/>
-              </a:ext>
-            </a:extLst>
-          </p:cNvPr>
-          <p:cNvSpPr>
-            <a:spLocks noGrp="1"/>
-          </p:cNvSpPr>
-          <p:nvPr>
-            <p:ph type="body" idx="1"/>
-          </p:nvPr>
-        </p:nvSpPr>
-        <p:spPr/>
-        <p:txBody>
-          <a:bodyPr/>
-          <a:lstStyle/>
-          <a:p>
-            <a:endParaRPr lang="en-US"/>
-          </a:p>
-        </p:txBody>
-      </p:sp>
-      <p:sp>
-        <p:nvSpPr>
-          <p:cNvPr id="4" name="Slide Number Placeholder 3">
-            <a:extLst>
-              <a:ext uri="{FF2B5EF4-FFF2-40B4-BE49-F238E27FC236}">
-                <a16:creationId xmlns:a16="http://schemas.microsoft.com/office/drawing/2014/main" id="{22802457-4DA9-42D6-913D-EFB130917A6B}"/>
+          <p:cNvPr id="2" name="Slide Number Placeholder 1">
+            <a:extLst>
+              <a:ext uri="{FF2B5EF4-FFF2-40B4-BE49-F238E27FC236}">
+                <a16:creationId xmlns:a16="http://schemas.microsoft.com/office/drawing/2014/main" id="{9A42AE67-4E3D-1698-8B4F-F47D32F779B7}"/>
               </a:ext>
             </a:extLst>
           </p:cNvPr>
@@ -14559,10 +16634,667 @@
           </a:p>
         </p:txBody>
       </p:sp>
+      <p:pic>
+        <p:nvPicPr>
+          <p:cNvPr id="4098" name="Picture 2" descr="Probability in Python – Dataquest">
+            <a:extLst>
+              <a:ext uri="{FF2B5EF4-FFF2-40B4-BE49-F238E27FC236}">
+                <a16:creationId xmlns:a16="http://schemas.microsoft.com/office/drawing/2014/main" id="{9B97C5C5-77B7-45C8-F6F1-55FAC85E3243}"/>
+              </a:ext>
+            </a:extLst>
+          </p:cNvPr>
+          <p:cNvPicPr>
+            <a:picLocks noChangeAspect="1" noChangeArrowheads="1"/>
+          </p:cNvPicPr>
+          <p:nvPr/>
+        </p:nvPicPr>
+        <p:blipFill>
+          <a:blip r:embed="rId2">
+            <a:extLst>
+              <a:ext uri="{28A0092B-C50C-407E-A947-70E740481C1C}">
+                <a14:useLocalDpi xmlns:a14="http://schemas.microsoft.com/office/drawing/2010/main" val="0"/>
+              </a:ext>
+            </a:extLst>
+          </a:blip>
+          <a:srcRect/>
+          <a:stretch>
+            <a:fillRect/>
+          </a:stretch>
+        </p:blipFill>
+        <p:spPr bwMode="auto">
+          <a:xfrm>
+            <a:off x="2090737" y="2524760"/>
+            <a:ext cx="8010525" cy="3209925"/>
+          </a:xfrm>
+          <a:prstGeom prst="rect">
+            <a:avLst/>
+          </a:prstGeom>
+          <a:noFill/>
+          <a:extLst>
+            <a:ext uri="{909E8E84-426E-40DD-AFC4-6F175D3DCCD1}">
+              <a14:hiddenFill xmlns:a14="http://schemas.microsoft.com/office/drawing/2010/main">
+                <a:solidFill>
+                  <a:srgbClr val="FFFFFF"/>
+                </a:solidFill>
+              </a14:hiddenFill>
+            </a:ext>
+          </a:extLst>
+        </p:spPr>
+      </p:pic>
+      <p:sp>
+        <p:nvSpPr>
+          <p:cNvPr id="3" name="TextBox 2">
+            <a:extLst>
+              <a:ext uri="{FF2B5EF4-FFF2-40B4-BE49-F238E27FC236}">
+                <a16:creationId xmlns:a16="http://schemas.microsoft.com/office/drawing/2014/main" id="{7AB5F1B2-1417-EFFA-2FFE-97AE95916F57}"/>
+              </a:ext>
+            </a:extLst>
+          </p:cNvPr>
+          <p:cNvSpPr txBox="1"/>
+          <p:nvPr/>
+        </p:nvSpPr>
+        <p:spPr>
+          <a:xfrm>
+            <a:off x="3748245" y="754857"/>
+            <a:ext cx="4923977" cy="1384995"/>
+          </a:xfrm>
+          <a:prstGeom prst="rect">
+            <a:avLst/>
+          </a:prstGeom>
+          <a:noFill/>
+        </p:spPr>
+        <p:txBody>
+          <a:bodyPr wrap="none" rtlCol="0">
+            <a:spAutoFit/>
+          </a:bodyPr>
+          <a:lstStyle/>
+          <a:p>
+            <a:pPr marL="0" marR="0" lvl="0" indent="0" algn="l" defTabSz="914400" rtl="0" eaLnBrk="1" fontAlgn="auto" latinLnBrk="0" hangingPunct="1">
+              <a:lnSpc>
+                <a:spcPct val="100000"/>
+              </a:lnSpc>
+              <a:spcBef>
+                <a:spcPts val="0"/>
+              </a:spcBef>
+              <a:spcAft>
+                <a:spcPts val="0"/>
+              </a:spcAft>
+              <a:buClrTx/>
+              <a:buSzTx/>
+              <a:buFontTx/>
+              <a:buNone/>
+              <a:tabLst/>
+              <a:defRPr/>
+            </a:pPr>
+            <a:r>
+              <a:rPr kumimoji="0" lang="en-US" sz="2800" b="0" i="0" u="none" strike="noStrike" kern="1200" cap="none" spc="0" normalizeH="0" baseline="0" noProof="0" dirty="0">
+                <a:ln>
+                  <a:noFill/>
+                </a:ln>
+                <a:solidFill>
+                  <a:prstClr val="black"/>
+                </a:solidFill>
+                <a:effectLst/>
+                <a:uLnTx/>
+                <a:uFillTx/>
+                <a:latin typeface="Calibri"/>
+                <a:ea typeface="+mn-ea"/>
+                <a:cs typeface="+mn-cs"/>
+              </a:rPr>
+              <a:t>Mission Code:  		B24</a:t>
+            </a:r>
+          </a:p>
+          <a:p>
+            <a:pPr marL="0" marR="0" lvl="0" indent="0" algn="l" defTabSz="914400" rtl="0" eaLnBrk="1" fontAlgn="auto" latinLnBrk="0" hangingPunct="1">
+              <a:lnSpc>
+                <a:spcPct val="100000"/>
+              </a:lnSpc>
+              <a:spcBef>
+                <a:spcPts val="0"/>
+              </a:spcBef>
+              <a:spcAft>
+                <a:spcPts val="0"/>
+              </a:spcAft>
+              <a:buClrTx/>
+              <a:buSzTx/>
+              <a:buFontTx/>
+              <a:buNone/>
+              <a:tabLst/>
+              <a:defRPr/>
+            </a:pPr>
+            <a:r>
+              <a:rPr kumimoji="0" lang="en-US" sz="2800" b="0" i="0" u="none" strike="noStrike" kern="1200" cap="none" spc="0" normalizeH="0" baseline="0" noProof="0" dirty="0">
+                <a:ln>
+                  <a:noFill/>
+                </a:ln>
+                <a:solidFill>
+                  <a:prstClr val="black"/>
+                </a:solidFill>
+                <a:effectLst/>
+                <a:uLnTx/>
+                <a:uFillTx/>
+                <a:latin typeface="Calibri"/>
+                <a:ea typeface="+mn-ea"/>
+                <a:cs typeface="+mn-cs"/>
+              </a:rPr>
+              <a:t>Location: 			Atlanta</a:t>
+            </a:r>
+          </a:p>
+          <a:p>
+            <a:pPr marL="0" marR="0" lvl="0" indent="0" algn="l" defTabSz="914400" rtl="0" eaLnBrk="1" fontAlgn="auto" latinLnBrk="0" hangingPunct="1">
+              <a:lnSpc>
+                <a:spcPct val="100000"/>
+              </a:lnSpc>
+              <a:spcBef>
+                <a:spcPts val="0"/>
+              </a:spcBef>
+              <a:spcAft>
+                <a:spcPts val="0"/>
+              </a:spcAft>
+              <a:buClrTx/>
+              <a:buSzTx/>
+              <a:buFontTx/>
+              <a:buNone/>
+              <a:tabLst/>
+              <a:defRPr/>
+            </a:pPr>
+            <a:r>
+              <a:rPr kumimoji="0" lang="en-US" sz="2800" b="0" i="0" u="none" strike="noStrike" kern="1200" cap="none" spc="0" normalizeH="0" baseline="0" noProof="0" dirty="0">
+                <a:ln>
+                  <a:noFill/>
+                </a:ln>
+                <a:solidFill>
+                  <a:prstClr val="black"/>
+                </a:solidFill>
+                <a:effectLst/>
+                <a:uLnTx/>
+                <a:uFillTx/>
+                <a:latin typeface="Calibri"/>
+                <a:ea typeface="+mn-ea"/>
+                <a:cs typeface="+mn-cs"/>
+              </a:rPr>
+              <a:t>Annual Budget:	 	$5m </a:t>
+            </a:r>
+          </a:p>
+        </p:txBody>
+      </p:sp>
+      <p:cxnSp>
+        <p:nvCxnSpPr>
+          <p:cNvPr id="5" name="Straight Connector 4">
+            <a:extLst>
+              <a:ext uri="{FF2B5EF4-FFF2-40B4-BE49-F238E27FC236}">
+                <a16:creationId xmlns:a16="http://schemas.microsoft.com/office/drawing/2014/main" id="{48E2796E-F7E9-89A1-C396-6BC524F00969}"/>
+              </a:ext>
+            </a:extLst>
+          </p:cNvPr>
+          <p:cNvCxnSpPr>
+            <a:cxnSpLocks/>
+          </p:cNvCxnSpPr>
+          <p:nvPr/>
+        </p:nvCxnSpPr>
+        <p:spPr>
+          <a:xfrm>
+            <a:off x="4145280" y="3952240"/>
+            <a:ext cx="3881120" cy="0"/>
+          </a:xfrm>
+          <a:prstGeom prst="line">
+            <a:avLst/>
+          </a:prstGeom>
+          <a:ln w="28575">
+            <a:solidFill>
+              <a:schemeClr val="accent2">
+                <a:lumMod val="75000"/>
+              </a:schemeClr>
+            </a:solidFill>
+            <a:headEnd type="oval"/>
+            <a:tailEnd type="oval"/>
+          </a:ln>
+        </p:spPr>
+        <p:style>
+          <a:lnRef idx="1">
+            <a:schemeClr val="accent1"/>
+          </a:lnRef>
+          <a:fillRef idx="0">
+            <a:schemeClr val="accent1"/>
+          </a:fillRef>
+          <a:effectRef idx="0">
+            <a:schemeClr val="accent1"/>
+          </a:effectRef>
+          <a:fontRef idx="minor">
+            <a:schemeClr val="tx1"/>
+          </a:fontRef>
+        </p:style>
+      </p:cxnSp>
+      <p:cxnSp>
+        <p:nvCxnSpPr>
+          <p:cNvPr id="8" name="Straight Connector 7">
+            <a:extLst>
+              <a:ext uri="{FF2B5EF4-FFF2-40B4-BE49-F238E27FC236}">
+                <a16:creationId xmlns:a16="http://schemas.microsoft.com/office/drawing/2014/main" id="{7F4EAB17-5E75-8A7D-4AD0-5C09E8E32A55}"/>
+              </a:ext>
+            </a:extLst>
+          </p:cNvPr>
+          <p:cNvCxnSpPr/>
+          <p:nvPr/>
+        </p:nvCxnSpPr>
+        <p:spPr>
+          <a:xfrm>
+            <a:off x="6146799" y="3799840"/>
+            <a:ext cx="0" cy="329882"/>
+          </a:xfrm>
+          <a:prstGeom prst="line">
+            <a:avLst/>
+          </a:prstGeom>
+          <a:ln w="38100">
+            <a:solidFill>
+              <a:schemeClr val="accent2">
+                <a:lumMod val="75000"/>
+              </a:schemeClr>
+            </a:solidFill>
+          </a:ln>
+        </p:spPr>
+        <p:style>
+          <a:lnRef idx="1">
+            <a:schemeClr val="accent1"/>
+          </a:lnRef>
+          <a:fillRef idx="0">
+            <a:schemeClr val="accent1"/>
+          </a:fillRef>
+          <a:effectRef idx="0">
+            <a:schemeClr val="accent1"/>
+          </a:effectRef>
+          <a:fontRef idx="minor">
+            <a:schemeClr val="tx1"/>
+          </a:fontRef>
+        </p:style>
+      </p:cxnSp>
+      <p:cxnSp>
+        <p:nvCxnSpPr>
+          <p:cNvPr id="9" name="Straight Connector 8">
+            <a:extLst>
+              <a:ext uri="{FF2B5EF4-FFF2-40B4-BE49-F238E27FC236}">
+                <a16:creationId xmlns:a16="http://schemas.microsoft.com/office/drawing/2014/main" id="{A7B5E5CA-78B1-DD29-401B-6FD3B5E87026}"/>
+              </a:ext>
+            </a:extLst>
+          </p:cNvPr>
+          <p:cNvCxnSpPr/>
+          <p:nvPr/>
+        </p:nvCxnSpPr>
+        <p:spPr>
+          <a:xfrm>
+            <a:off x="9265919" y="3810000"/>
+            <a:ext cx="0" cy="329882"/>
+          </a:xfrm>
+          <a:prstGeom prst="line">
+            <a:avLst/>
+          </a:prstGeom>
+          <a:ln w="38100">
+            <a:solidFill>
+              <a:schemeClr val="accent2">
+                <a:lumMod val="75000"/>
+              </a:schemeClr>
+            </a:solidFill>
+          </a:ln>
+        </p:spPr>
+        <p:style>
+          <a:lnRef idx="1">
+            <a:schemeClr val="accent1"/>
+          </a:lnRef>
+          <a:fillRef idx="0">
+            <a:schemeClr val="accent1"/>
+          </a:fillRef>
+          <a:effectRef idx="0">
+            <a:schemeClr val="accent1"/>
+          </a:effectRef>
+          <a:fontRef idx="minor">
+            <a:schemeClr val="tx1"/>
+          </a:fontRef>
+        </p:style>
+      </p:cxnSp>
+      <p:cxnSp>
+        <p:nvCxnSpPr>
+          <p:cNvPr id="10" name="Straight Connector 9">
+            <a:extLst>
+              <a:ext uri="{FF2B5EF4-FFF2-40B4-BE49-F238E27FC236}">
+                <a16:creationId xmlns:a16="http://schemas.microsoft.com/office/drawing/2014/main" id="{E9835378-CB3A-921C-DFAC-704F0E826730}"/>
+              </a:ext>
+            </a:extLst>
+          </p:cNvPr>
+          <p:cNvCxnSpPr/>
+          <p:nvPr/>
+        </p:nvCxnSpPr>
+        <p:spPr>
+          <a:xfrm>
+            <a:off x="2966719" y="3787299"/>
+            <a:ext cx="0" cy="329882"/>
+          </a:xfrm>
+          <a:prstGeom prst="line">
+            <a:avLst/>
+          </a:prstGeom>
+          <a:ln w="38100">
+            <a:solidFill>
+              <a:schemeClr val="accent2">
+                <a:lumMod val="75000"/>
+              </a:schemeClr>
+            </a:solidFill>
+          </a:ln>
+        </p:spPr>
+        <p:style>
+          <a:lnRef idx="1">
+            <a:schemeClr val="accent1"/>
+          </a:lnRef>
+          <a:fillRef idx="0">
+            <a:schemeClr val="accent1"/>
+          </a:fillRef>
+          <a:effectRef idx="0">
+            <a:schemeClr val="accent1"/>
+          </a:effectRef>
+          <a:fontRef idx="minor">
+            <a:schemeClr val="tx1"/>
+          </a:fontRef>
+        </p:style>
+      </p:cxnSp>
+      <p:cxnSp>
+        <p:nvCxnSpPr>
+          <p:cNvPr id="12" name="Straight Connector 11">
+            <a:extLst>
+              <a:ext uri="{FF2B5EF4-FFF2-40B4-BE49-F238E27FC236}">
+                <a16:creationId xmlns:a16="http://schemas.microsoft.com/office/drawing/2014/main" id="{7ADBA7EC-2AA6-C523-8CE9-7290A20977C7}"/>
+              </a:ext>
+            </a:extLst>
+          </p:cNvPr>
+          <p:cNvCxnSpPr>
+            <a:cxnSpLocks/>
+          </p:cNvCxnSpPr>
+          <p:nvPr/>
+        </p:nvCxnSpPr>
+        <p:spPr>
+          <a:xfrm>
+            <a:off x="8163560" y="3964781"/>
+            <a:ext cx="1005840" cy="0"/>
+          </a:xfrm>
+          <a:prstGeom prst="line">
+            <a:avLst/>
+          </a:prstGeom>
+          <a:ln w="28575">
+            <a:solidFill>
+              <a:schemeClr val="accent2">
+                <a:lumMod val="75000"/>
+              </a:schemeClr>
+            </a:solidFill>
+            <a:prstDash val="dash"/>
+            <a:headEnd type="none"/>
+            <a:tailEnd type="none"/>
+          </a:ln>
+        </p:spPr>
+        <p:style>
+          <a:lnRef idx="1">
+            <a:schemeClr val="accent1"/>
+          </a:lnRef>
+          <a:fillRef idx="0">
+            <a:schemeClr val="accent1"/>
+          </a:fillRef>
+          <a:effectRef idx="0">
+            <a:schemeClr val="accent1"/>
+          </a:effectRef>
+          <a:fontRef idx="minor">
+            <a:schemeClr val="tx1"/>
+          </a:fontRef>
+        </p:style>
+      </p:cxnSp>
+      <p:cxnSp>
+        <p:nvCxnSpPr>
+          <p:cNvPr id="14" name="Straight Connector 13">
+            <a:extLst>
+              <a:ext uri="{FF2B5EF4-FFF2-40B4-BE49-F238E27FC236}">
+                <a16:creationId xmlns:a16="http://schemas.microsoft.com/office/drawing/2014/main" id="{ADDB3890-8A30-C2DB-83B6-39482B61E5F6}"/>
+              </a:ext>
+            </a:extLst>
+          </p:cNvPr>
+          <p:cNvCxnSpPr>
+            <a:cxnSpLocks/>
+          </p:cNvCxnSpPr>
+          <p:nvPr/>
+        </p:nvCxnSpPr>
+        <p:spPr>
+          <a:xfrm>
+            <a:off x="3078480" y="3964781"/>
+            <a:ext cx="1005840" cy="0"/>
+          </a:xfrm>
+          <a:prstGeom prst="line">
+            <a:avLst/>
+          </a:prstGeom>
+          <a:ln w="28575">
+            <a:solidFill>
+              <a:schemeClr val="accent2">
+                <a:lumMod val="75000"/>
+              </a:schemeClr>
+            </a:solidFill>
+            <a:prstDash val="dash"/>
+            <a:headEnd type="none"/>
+            <a:tailEnd type="none"/>
+          </a:ln>
+        </p:spPr>
+        <p:style>
+          <a:lnRef idx="1">
+            <a:schemeClr val="accent1"/>
+          </a:lnRef>
+          <a:fillRef idx="0">
+            <a:schemeClr val="accent1"/>
+          </a:fillRef>
+          <a:effectRef idx="0">
+            <a:schemeClr val="accent1"/>
+          </a:effectRef>
+          <a:fontRef idx="minor">
+            <a:schemeClr val="tx1"/>
+          </a:fontRef>
+        </p:style>
+      </p:cxnSp>
+      <p:sp>
+        <p:nvSpPr>
+          <p:cNvPr id="16" name="TextBox 15">
+            <a:extLst>
+              <a:ext uri="{FF2B5EF4-FFF2-40B4-BE49-F238E27FC236}">
+                <a16:creationId xmlns:a16="http://schemas.microsoft.com/office/drawing/2014/main" id="{3371E693-1D29-1F8E-1273-E3D3E610F7FF}"/>
+              </a:ext>
+            </a:extLst>
+          </p:cNvPr>
+          <p:cNvSpPr txBox="1"/>
+          <p:nvPr/>
+        </p:nvSpPr>
+        <p:spPr>
+          <a:xfrm>
+            <a:off x="7566660" y="3345402"/>
+            <a:ext cx="1079500" cy="461665"/>
+          </a:xfrm>
+          <a:prstGeom prst="rect">
+            <a:avLst/>
+          </a:prstGeom>
+          <a:noFill/>
+        </p:spPr>
+        <p:txBody>
+          <a:bodyPr wrap="square" rtlCol="0">
+            <a:spAutoFit/>
+          </a:bodyPr>
+          <a:lstStyle/>
+          <a:p>
+            <a:pPr marL="0" marR="0" lvl="0" indent="0" algn="l" defTabSz="914400" rtl="0" eaLnBrk="1" fontAlgn="auto" latinLnBrk="0" hangingPunct="1">
+              <a:lnSpc>
+                <a:spcPct val="100000"/>
+              </a:lnSpc>
+              <a:spcBef>
+                <a:spcPts val="0"/>
+              </a:spcBef>
+              <a:spcAft>
+                <a:spcPts val="0"/>
+              </a:spcAft>
+              <a:buClrTx/>
+              <a:buSzTx/>
+              <a:buFontTx/>
+              <a:buNone/>
+              <a:tabLst/>
+              <a:defRPr/>
+            </a:pPr>
+            <a:r>
+              <a:rPr kumimoji="0" lang="en-US" sz="2400" b="1" i="0" u="none" strike="noStrike" kern="1200" cap="none" spc="0" normalizeH="0" baseline="0" noProof="0" dirty="0">
+                <a:ln>
+                  <a:noFill/>
+                </a:ln>
+                <a:solidFill>
+                  <a:srgbClr val="ED7D31">
+                    <a:lumMod val="75000"/>
+                  </a:srgbClr>
+                </a:solidFill>
+                <a:effectLst/>
+                <a:uLnTx/>
+                <a:uFillTx/>
+                <a:latin typeface="Calibri"/>
+                <a:ea typeface="+mn-ea"/>
+                <a:cs typeface="+mn-cs"/>
+              </a:rPr>
+              <a:t>$250k</a:t>
+            </a:r>
+          </a:p>
+        </p:txBody>
+      </p:sp>
+      <p:sp>
+        <p:nvSpPr>
+          <p:cNvPr id="17" name="TextBox 16">
+            <a:extLst>
+              <a:ext uri="{FF2B5EF4-FFF2-40B4-BE49-F238E27FC236}">
+                <a16:creationId xmlns:a16="http://schemas.microsoft.com/office/drawing/2014/main" id="{19057B74-AE7F-2E36-0977-00668B0B73DB}"/>
+              </a:ext>
+            </a:extLst>
+          </p:cNvPr>
+          <p:cNvSpPr txBox="1"/>
+          <p:nvPr/>
+        </p:nvSpPr>
+        <p:spPr>
+          <a:xfrm>
+            <a:off x="5647689" y="3338175"/>
+            <a:ext cx="1079500" cy="461665"/>
+          </a:xfrm>
+          <a:prstGeom prst="rect">
+            <a:avLst/>
+          </a:prstGeom>
+          <a:noFill/>
+        </p:spPr>
+        <p:txBody>
+          <a:bodyPr wrap="square" rtlCol="0">
+            <a:spAutoFit/>
+          </a:bodyPr>
+          <a:lstStyle/>
+          <a:p>
+            <a:pPr marL="0" marR="0" lvl="0" indent="0" algn="l" defTabSz="914400" rtl="0" eaLnBrk="1" fontAlgn="auto" latinLnBrk="0" hangingPunct="1">
+              <a:lnSpc>
+                <a:spcPct val="100000"/>
+              </a:lnSpc>
+              <a:spcBef>
+                <a:spcPts val="0"/>
+              </a:spcBef>
+              <a:spcAft>
+                <a:spcPts val="0"/>
+              </a:spcAft>
+              <a:buClrTx/>
+              <a:buSzTx/>
+              <a:buFontTx/>
+              <a:buNone/>
+              <a:tabLst/>
+              <a:defRPr/>
+            </a:pPr>
+            <a:r>
+              <a:rPr kumimoji="0" lang="en-US" sz="2400" b="1" i="0" u="none" strike="noStrike" kern="1200" cap="none" spc="0" normalizeH="0" baseline="0" noProof="0" dirty="0">
+                <a:ln>
+                  <a:noFill/>
+                </a:ln>
+                <a:solidFill>
+                  <a:srgbClr val="ED7D31">
+                    <a:lumMod val="75000"/>
+                  </a:srgbClr>
+                </a:solidFill>
+                <a:effectLst/>
+                <a:uLnTx/>
+                <a:uFillTx/>
+                <a:latin typeface="Calibri"/>
+                <a:ea typeface="+mn-ea"/>
+                <a:cs typeface="+mn-cs"/>
+              </a:rPr>
+              <a:t>$200k</a:t>
+            </a:r>
+          </a:p>
+        </p:txBody>
+      </p:sp>
+      <p:sp>
+        <p:nvSpPr>
+          <p:cNvPr id="18" name="TextBox 17">
+            <a:extLst>
+              <a:ext uri="{FF2B5EF4-FFF2-40B4-BE49-F238E27FC236}">
+                <a16:creationId xmlns:a16="http://schemas.microsoft.com/office/drawing/2014/main" id="{19FA2B8E-6589-1363-FEE5-8245E2E3C5C2}"/>
+              </a:ext>
+            </a:extLst>
+          </p:cNvPr>
+          <p:cNvSpPr txBox="1"/>
+          <p:nvPr/>
+        </p:nvSpPr>
+        <p:spPr>
+          <a:xfrm>
+            <a:off x="3748245" y="3345402"/>
+            <a:ext cx="1079500" cy="461665"/>
+          </a:xfrm>
+          <a:prstGeom prst="rect">
+            <a:avLst/>
+          </a:prstGeom>
+          <a:noFill/>
+        </p:spPr>
+        <p:txBody>
+          <a:bodyPr wrap="square" rtlCol="0">
+            <a:spAutoFit/>
+          </a:bodyPr>
+          <a:lstStyle/>
+          <a:p>
+            <a:pPr marL="0" marR="0" lvl="0" indent="0" algn="l" defTabSz="914400" rtl="0" eaLnBrk="1" fontAlgn="auto" latinLnBrk="0" hangingPunct="1">
+              <a:lnSpc>
+                <a:spcPct val="100000"/>
+              </a:lnSpc>
+              <a:spcBef>
+                <a:spcPts val="0"/>
+              </a:spcBef>
+              <a:spcAft>
+                <a:spcPts val="0"/>
+              </a:spcAft>
+              <a:buClrTx/>
+              <a:buSzTx/>
+              <a:buFontTx/>
+              <a:buNone/>
+              <a:tabLst/>
+              <a:defRPr/>
+            </a:pPr>
+            <a:r>
+              <a:rPr kumimoji="0" lang="en-US" sz="2400" b="1" i="0" u="none" strike="noStrike" kern="1200" cap="none" spc="0" normalizeH="0" baseline="0" noProof="0" dirty="0">
+                <a:ln>
+                  <a:noFill/>
+                </a:ln>
+                <a:solidFill>
+                  <a:srgbClr val="ED7D31">
+                    <a:lumMod val="75000"/>
+                  </a:srgbClr>
+                </a:solidFill>
+                <a:effectLst/>
+                <a:uLnTx/>
+                <a:uFillTx/>
+                <a:latin typeface="Calibri"/>
+                <a:ea typeface="+mn-ea"/>
+                <a:cs typeface="+mn-cs"/>
+              </a:rPr>
+              <a:t>$150k</a:t>
+            </a:r>
+          </a:p>
+        </p:txBody>
+      </p:sp>
     </p:spTree>
     <p:extLst>
       <p:ext uri="{BB962C8B-B14F-4D97-AF65-F5344CB8AC3E}">
-        <p14:creationId xmlns:p14="http://schemas.microsoft.com/office/powerpoint/2010/main" val="3264095225"/>
+        <p14:creationId xmlns:p14="http://schemas.microsoft.com/office/powerpoint/2010/main" val="2405168608"/>
       </p:ext>
     </p:extLst>
   </p:cSld>
@@ -14575,6 +17307,17 @@
 <file path=ppt/slides/slide8.xml><?xml version="1.0" encoding="utf-8"?>
 <p:sld xmlns:a="http://schemas.openxmlformats.org/drawingml/2006/main" xmlns:r="http://schemas.openxmlformats.org/officeDocument/2006/relationships" xmlns:p="http://schemas.openxmlformats.org/presentationml/2006/main">
   <p:cSld>
+    <p:bg>
+      <p:bgPr>
+        <a:solidFill>
+          <a:schemeClr val="tx1">
+            <a:lumMod val="75000"/>
+            <a:lumOff val="25000"/>
+          </a:schemeClr>
+        </a:solidFill>
+        <a:effectLst/>
+      </p:bgPr>
+    </p:bg>
     <p:spTree>
       <p:nvGrpSpPr>
         <p:cNvPr id="1" name=""/>
@@ -14591,10 +17334,69 @@
       </p:grpSpPr>
       <p:sp>
         <p:nvSpPr>
-          <p:cNvPr id="2" name="Slide Number Placeholder 1">
-            <a:extLst>
-              <a:ext uri="{FF2B5EF4-FFF2-40B4-BE49-F238E27FC236}">
-                <a16:creationId xmlns:a16="http://schemas.microsoft.com/office/drawing/2014/main" id="{425ECCB9-F7EC-7744-3048-EDA4C915E9E4}"/>
+          <p:cNvPr id="2" name="Title 1">
+            <a:extLst>
+              <a:ext uri="{FF2B5EF4-FFF2-40B4-BE49-F238E27FC236}">
+                <a16:creationId xmlns:a16="http://schemas.microsoft.com/office/drawing/2014/main" id="{0A641A6B-0DE7-48B3-A7F5-ECD2E6F69A95}"/>
+              </a:ext>
+            </a:extLst>
+          </p:cNvPr>
+          <p:cNvSpPr>
+            <a:spLocks noGrp="1"/>
+          </p:cNvSpPr>
+          <p:nvPr>
+            <p:ph type="title"/>
+          </p:nvPr>
+        </p:nvSpPr>
+        <p:spPr/>
+        <p:txBody>
+          <a:bodyPr>
+            <a:normAutofit/>
+          </a:bodyPr>
+          <a:lstStyle/>
+          <a:p>
+            <a:r>
+              <a:rPr lang="en-US" sz="4800" dirty="0">
+                <a:solidFill>
+                  <a:schemeClr val="bg1"/>
+                </a:solidFill>
+              </a:rPr>
+              <a:t>Drill-Down and Segmentation</a:t>
+            </a:r>
+          </a:p>
+        </p:txBody>
+      </p:sp>
+      <p:sp>
+        <p:nvSpPr>
+          <p:cNvPr id="3" name="Text Placeholder 2">
+            <a:extLst>
+              <a:ext uri="{FF2B5EF4-FFF2-40B4-BE49-F238E27FC236}">
+                <a16:creationId xmlns:a16="http://schemas.microsoft.com/office/drawing/2014/main" id="{C96E8882-3CD5-4EC8-AD5F-029FCAB81DEA}"/>
+              </a:ext>
+            </a:extLst>
+          </p:cNvPr>
+          <p:cNvSpPr>
+            <a:spLocks noGrp="1"/>
+          </p:cNvSpPr>
+          <p:nvPr>
+            <p:ph type="body" idx="1"/>
+          </p:nvPr>
+        </p:nvSpPr>
+        <p:spPr/>
+        <p:txBody>
+          <a:bodyPr/>
+          <a:lstStyle/>
+          <a:p>
+            <a:endParaRPr lang="en-US"/>
+          </a:p>
+        </p:txBody>
+      </p:sp>
+      <p:sp>
+        <p:nvSpPr>
+          <p:cNvPr id="4" name="Slide Number Placeholder 3">
+            <a:extLst>
+              <a:ext uri="{FF2B5EF4-FFF2-40B4-BE49-F238E27FC236}">
+                <a16:creationId xmlns:a16="http://schemas.microsoft.com/office/drawing/2014/main" id="{22802457-4DA9-42D6-913D-EFB130917A6B}"/>
               </a:ext>
             </a:extLst>
           </p:cNvPr>
@@ -14682,450 +17484,10 @@
           </a:p>
         </p:txBody>
       </p:sp>
-      <p:pic>
-        <p:nvPicPr>
-          <p:cNvPr id="4" name="Picture 3">
-            <a:extLst>
-              <a:ext uri="{FF2B5EF4-FFF2-40B4-BE49-F238E27FC236}">
-                <a16:creationId xmlns:a16="http://schemas.microsoft.com/office/drawing/2014/main" id="{08AE2B1A-CD0A-3294-D6CD-568E5BC6FB2F}"/>
-              </a:ext>
-            </a:extLst>
-          </p:cNvPr>
-          <p:cNvPicPr>
-            <a:picLocks noChangeAspect="1"/>
-          </p:cNvPicPr>
-          <p:nvPr/>
-        </p:nvPicPr>
-        <p:blipFill>
-          <a:blip r:embed="rId2"/>
-          <a:stretch>
-            <a:fillRect/>
-          </a:stretch>
-        </p:blipFill>
-        <p:spPr>
-          <a:xfrm>
-            <a:off x="2681923" y="361884"/>
-            <a:ext cx="7386638" cy="5610926"/>
-          </a:xfrm>
-          <a:prstGeom prst="rect">
-            <a:avLst/>
-          </a:prstGeom>
-        </p:spPr>
-      </p:pic>
-      <p:sp>
-        <p:nvSpPr>
-          <p:cNvPr id="5" name="TextBox 4">
-            <a:extLst>
-              <a:ext uri="{FF2B5EF4-FFF2-40B4-BE49-F238E27FC236}">
-                <a16:creationId xmlns:a16="http://schemas.microsoft.com/office/drawing/2014/main" id="{48D94E41-7452-8EC9-A6AD-3AEB4BE17D54}"/>
-              </a:ext>
-            </a:extLst>
-          </p:cNvPr>
-          <p:cNvSpPr txBox="1"/>
-          <p:nvPr/>
-        </p:nvSpPr>
-        <p:spPr>
-          <a:xfrm>
-            <a:off x="4572000" y="6171684"/>
-            <a:ext cx="2112566" cy="369332"/>
-          </a:xfrm>
-          <a:prstGeom prst="rect">
-            <a:avLst/>
-          </a:prstGeom>
-          <a:noFill/>
-        </p:spPr>
-        <p:txBody>
-          <a:bodyPr wrap="none" rtlCol="0">
-            <a:spAutoFit/>
-          </a:bodyPr>
-          <a:lstStyle/>
-          <a:p>
-            <a:pPr marL="0" marR="0" lvl="0" indent="0" algn="l" defTabSz="914400" rtl="0" eaLnBrk="1" fontAlgn="auto" latinLnBrk="0" hangingPunct="1">
-              <a:lnSpc>
-                <a:spcPct val="100000"/>
-              </a:lnSpc>
-              <a:spcBef>
-                <a:spcPts val="0"/>
-              </a:spcBef>
-              <a:spcAft>
-                <a:spcPts val="0"/>
-              </a:spcAft>
-              <a:buClrTx/>
-              <a:buSzTx/>
-              <a:buFontTx/>
-              <a:buNone/>
-              <a:tabLst/>
-              <a:defRPr/>
-            </a:pPr>
-            <a:r>
-              <a:rPr kumimoji="0" lang="en-US" sz="1800" b="0" i="0" u="none" strike="noStrike" kern="1200" cap="none" spc="0" normalizeH="0" baseline="0" noProof="0" dirty="0">
-                <a:ln>
-                  <a:noFill/>
-                </a:ln>
-                <a:solidFill>
-                  <a:prstClr val="black"/>
-                </a:solidFill>
-                <a:effectLst/>
-                <a:uLnTx/>
-                <a:uFillTx/>
-                <a:latin typeface="Calibri"/>
-                <a:ea typeface="+mn-ea"/>
-                <a:cs typeface="+mn-cs"/>
-              </a:rPr>
-              <a:t>Geographic Distance</a:t>
-            </a:r>
-          </a:p>
-        </p:txBody>
-      </p:sp>
-      <p:cxnSp>
-        <p:nvCxnSpPr>
-          <p:cNvPr id="7" name="Straight Arrow Connector 6">
-            <a:extLst>
-              <a:ext uri="{FF2B5EF4-FFF2-40B4-BE49-F238E27FC236}">
-                <a16:creationId xmlns:a16="http://schemas.microsoft.com/office/drawing/2014/main" id="{5C60FFC1-3F16-8AEC-F93E-4AE875803F3C}"/>
-              </a:ext>
-            </a:extLst>
-          </p:cNvPr>
-          <p:cNvCxnSpPr>
-            <a:cxnSpLocks/>
-          </p:cNvCxnSpPr>
-          <p:nvPr/>
-        </p:nvCxnSpPr>
-        <p:spPr>
-          <a:xfrm>
-            <a:off x="6918960" y="6356350"/>
-            <a:ext cx="2275840" cy="0"/>
-          </a:xfrm>
-          <a:prstGeom prst="straightConnector1">
-            <a:avLst/>
-          </a:prstGeom>
-          <a:ln w="34925">
-            <a:solidFill>
-              <a:schemeClr val="tx1"/>
-            </a:solidFill>
-            <a:tailEnd type="triangle" w="lg" len="lg"/>
-          </a:ln>
-        </p:spPr>
-        <p:style>
-          <a:lnRef idx="1">
-            <a:schemeClr val="accent1"/>
-          </a:lnRef>
-          <a:fillRef idx="0">
-            <a:schemeClr val="accent1"/>
-          </a:fillRef>
-          <a:effectRef idx="0">
-            <a:schemeClr val="accent1"/>
-          </a:effectRef>
-          <a:fontRef idx="minor">
-            <a:schemeClr val="tx1"/>
-          </a:fontRef>
-        </p:style>
-      </p:cxnSp>
-      <p:sp>
-        <p:nvSpPr>
-          <p:cNvPr id="9" name="TextBox 8">
-            <a:extLst>
-              <a:ext uri="{FF2B5EF4-FFF2-40B4-BE49-F238E27FC236}">
-                <a16:creationId xmlns:a16="http://schemas.microsoft.com/office/drawing/2014/main" id="{39172319-E8C3-A90F-6A33-47B795C919F9}"/>
-              </a:ext>
-            </a:extLst>
-          </p:cNvPr>
-          <p:cNvSpPr txBox="1"/>
-          <p:nvPr/>
-        </p:nvSpPr>
-        <p:spPr>
-          <a:xfrm rot="16200000">
-            <a:off x="1240314" y="4038964"/>
-            <a:ext cx="1766253" cy="369332"/>
-          </a:xfrm>
-          <a:prstGeom prst="rect">
-            <a:avLst/>
-          </a:prstGeom>
-          <a:noFill/>
-        </p:spPr>
-        <p:txBody>
-          <a:bodyPr wrap="none" rtlCol="0">
-            <a:spAutoFit/>
-          </a:bodyPr>
-          <a:lstStyle/>
-          <a:p>
-            <a:pPr marL="0" marR="0" lvl="0" indent="0" algn="l" defTabSz="914400" rtl="0" eaLnBrk="1" fontAlgn="auto" latinLnBrk="0" hangingPunct="1">
-              <a:lnSpc>
-                <a:spcPct val="100000"/>
-              </a:lnSpc>
-              <a:spcBef>
-                <a:spcPts val="0"/>
-              </a:spcBef>
-              <a:spcAft>
-                <a:spcPts val="0"/>
-              </a:spcAft>
-              <a:buClrTx/>
-              <a:buSzTx/>
-              <a:buFontTx/>
-              <a:buNone/>
-              <a:tabLst/>
-              <a:defRPr/>
-            </a:pPr>
-            <a:r>
-              <a:rPr kumimoji="0" lang="en-US" sz="1800" b="0" i="0" u="none" strike="noStrike" kern="1200" cap="none" spc="0" normalizeH="0" baseline="0" noProof="0" dirty="0">
-                <a:ln>
-                  <a:noFill/>
-                </a:ln>
-                <a:solidFill>
-                  <a:prstClr val="black"/>
-                </a:solidFill>
-                <a:effectLst/>
-                <a:uLnTx/>
-                <a:uFillTx/>
-                <a:latin typeface="Calibri"/>
-                <a:ea typeface="+mn-ea"/>
-                <a:cs typeface="+mn-cs"/>
-              </a:rPr>
-              <a:t>Mission Distance</a:t>
-            </a:r>
-          </a:p>
-        </p:txBody>
-      </p:sp>
-      <p:cxnSp>
-        <p:nvCxnSpPr>
-          <p:cNvPr id="10" name="Straight Arrow Connector 9">
-            <a:extLst>
-              <a:ext uri="{FF2B5EF4-FFF2-40B4-BE49-F238E27FC236}">
-                <a16:creationId xmlns:a16="http://schemas.microsoft.com/office/drawing/2014/main" id="{0FE06350-27B9-AC4D-3BB1-F3C81B97BA1E}"/>
-              </a:ext>
-            </a:extLst>
-          </p:cNvPr>
-          <p:cNvCxnSpPr>
-            <a:cxnSpLocks/>
-          </p:cNvCxnSpPr>
-          <p:nvPr/>
-        </p:nvCxnSpPr>
-        <p:spPr>
-          <a:xfrm flipV="1">
-            <a:off x="2123440" y="1677637"/>
-            <a:ext cx="0" cy="1489710"/>
-          </a:xfrm>
-          <a:prstGeom prst="straightConnector1">
-            <a:avLst/>
-          </a:prstGeom>
-          <a:ln w="34925">
-            <a:solidFill>
-              <a:schemeClr val="tx1"/>
-            </a:solidFill>
-            <a:tailEnd type="triangle" w="lg" len="lg"/>
-          </a:ln>
-        </p:spPr>
-        <p:style>
-          <a:lnRef idx="1">
-            <a:schemeClr val="accent1"/>
-          </a:lnRef>
-          <a:fillRef idx="0">
-            <a:schemeClr val="accent1"/>
-          </a:fillRef>
-          <a:effectRef idx="0">
-            <a:schemeClr val="accent1"/>
-          </a:effectRef>
-          <a:fontRef idx="minor">
-            <a:schemeClr val="tx1"/>
-          </a:fontRef>
-        </p:style>
-      </p:cxnSp>
-      <p:sp>
-        <p:nvSpPr>
-          <p:cNvPr id="12" name="Oval 11">
-            <a:extLst>
-              <a:ext uri="{FF2B5EF4-FFF2-40B4-BE49-F238E27FC236}">
-                <a16:creationId xmlns:a16="http://schemas.microsoft.com/office/drawing/2014/main" id="{7DA11A61-B950-1A86-6FE9-4A67402E62BA}"/>
-              </a:ext>
-            </a:extLst>
-          </p:cNvPr>
-          <p:cNvSpPr/>
-          <p:nvPr/>
-        </p:nvSpPr>
-        <p:spPr>
-          <a:xfrm rot="20450364">
-            <a:off x="2954162" y="4978400"/>
-            <a:ext cx="1353067" cy="762000"/>
-          </a:xfrm>
-          <a:prstGeom prst="ellipse">
-            <a:avLst/>
-          </a:prstGeom>
-          <a:solidFill>
-            <a:schemeClr val="accent2">
-              <a:lumMod val="75000"/>
-              <a:alpha val="20000"/>
-            </a:schemeClr>
-          </a:solidFill>
-          <a:ln w="38100">
-            <a:solidFill>
-              <a:schemeClr val="accent2">
-                <a:lumMod val="75000"/>
-              </a:schemeClr>
-            </a:solidFill>
-          </a:ln>
-        </p:spPr>
-        <p:style>
-          <a:lnRef idx="2">
-            <a:schemeClr val="accent1">
-              <a:shade val="50000"/>
-            </a:schemeClr>
-          </a:lnRef>
-          <a:fillRef idx="1">
-            <a:schemeClr val="accent1"/>
-          </a:fillRef>
-          <a:effectRef idx="0">
-            <a:schemeClr val="accent1"/>
-          </a:effectRef>
-          <a:fontRef idx="minor">
-            <a:schemeClr val="lt1"/>
-          </a:fontRef>
-        </p:style>
-        <p:txBody>
-          <a:bodyPr rtlCol="0" anchor="ctr"/>
-          <a:lstStyle/>
-          <a:p>
-            <a:pPr marL="0" marR="0" lvl="0" indent="0" algn="ctr" defTabSz="914400" rtl="0" eaLnBrk="1" fontAlgn="auto" latinLnBrk="0" hangingPunct="1">
-              <a:lnSpc>
-                <a:spcPct val="100000"/>
-              </a:lnSpc>
-              <a:spcBef>
-                <a:spcPts val="0"/>
-              </a:spcBef>
-              <a:spcAft>
-                <a:spcPts val="0"/>
-              </a:spcAft>
-              <a:buClrTx/>
-              <a:buSzTx/>
-              <a:buFontTx/>
-              <a:buNone/>
-              <a:tabLst/>
-              <a:defRPr/>
-            </a:pPr>
-            <a:endParaRPr kumimoji="0" lang="en-US" sz="1800" b="0" i="0" u="none" strike="noStrike" kern="1200" cap="none" spc="0" normalizeH="0" baseline="0" noProof="0">
-              <a:ln>
-                <a:noFill/>
-              </a:ln>
-              <a:solidFill>
-                <a:prstClr val="white"/>
-              </a:solidFill>
-              <a:effectLst/>
-              <a:uLnTx/>
-              <a:uFillTx/>
-              <a:latin typeface="Calibri"/>
-              <a:ea typeface="+mn-ea"/>
-              <a:cs typeface="+mn-cs"/>
-            </a:endParaRPr>
-          </a:p>
-        </p:txBody>
-      </p:sp>
-      <p:sp>
-        <p:nvSpPr>
-          <p:cNvPr id="13" name="TextBox 12">
-            <a:extLst>
-              <a:ext uri="{FF2B5EF4-FFF2-40B4-BE49-F238E27FC236}">
-                <a16:creationId xmlns:a16="http://schemas.microsoft.com/office/drawing/2014/main" id="{5B2F5C9E-F516-A035-562B-460785D99864}"/>
-              </a:ext>
-            </a:extLst>
-          </p:cNvPr>
-          <p:cNvSpPr txBox="1"/>
-          <p:nvPr/>
-        </p:nvSpPr>
-        <p:spPr>
-          <a:xfrm>
-            <a:off x="984243" y="5710019"/>
-            <a:ext cx="1463286" cy="646331"/>
-          </a:xfrm>
-          <a:prstGeom prst="rect">
-            <a:avLst/>
-          </a:prstGeom>
-          <a:noFill/>
-        </p:spPr>
-        <p:txBody>
-          <a:bodyPr wrap="none" rtlCol="0">
-            <a:spAutoFit/>
-          </a:bodyPr>
-          <a:lstStyle/>
-          <a:p>
-            <a:pPr marL="0" marR="0" lvl="0" indent="0" algn="ctr" defTabSz="914400" rtl="0" eaLnBrk="1" fontAlgn="auto" latinLnBrk="0" hangingPunct="1">
-              <a:lnSpc>
-                <a:spcPct val="100000"/>
-              </a:lnSpc>
-              <a:spcBef>
-                <a:spcPts val="0"/>
-              </a:spcBef>
-              <a:spcAft>
-                <a:spcPts val="0"/>
-              </a:spcAft>
-              <a:buClrTx/>
-              <a:buSzTx/>
-              <a:buFontTx/>
-              <a:buNone/>
-              <a:tabLst/>
-              <a:defRPr/>
-            </a:pPr>
-            <a:r>
-              <a:rPr kumimoji="0" lang="en-US" sz="1800" b="0" i="0" u="none" strike="noStrike" kern="1200" cap="none" spc="0" normalizeH="0" baseline="0" noProof="0" dirty="0">
-                <a:ln>
-                  <a:noFill/>
-                </a:ln>
-                <a:solidFill>
-                  <a:srgbClr val="ED7D31">
-                    <a:lumMod val="75000"/>
-                  </a:srgbClr>
-                </a:solidFill>
-                <a:effectLst/>
-                <a:uLnTx/>
-                <a:uFillTx/>
-                <a:latin typeface="Calibri"/>
-                <a:ea typeface="+mn-ea"/>
-                <a:cs typeface="+mn-cs"/>
-              </a:rPr>
-              <a:t>Comparison </a:t>
-            </a:r>
-            <a:br>
-              <a:rPr kumimoji="0" lang="en-US" sz="1800" b="0" i="0" u="none" strike="noStrike" kern="1200" cap="none" spc="0" normalizeH="0" baseline="0" noProof="0" dirty="0">
-                <a:ln>
-                  <a:noFill/>
-                </a:ln>
-                <a:solidFill>
-                  <a:srgbClr val="ED7D31">
-                    <a:lumMod val="75000"/>
-                  </a:srgbClr>
-                </a:solidFill>
-                <a:effectLst/>
-                <a:uLnTx/>
-                <a:uFillTx/>
-                <a:latin typeface="Calibri"/>
-                <a:ea typeface="+mn-ea"/>
-                <a:cs typeface="+mn-cs"/>
-              </a:rPr>
-            </a:br>
-            <a:r>
-              <a:rPr kumimoji="0" lang="en-US" sz="1800" b="0" i="0" u="none" strike="noStrike" kern="1200" cap="none" spc="0" normalizeH="0" baseline="0" noProof="0" dirty="0">
-                <a:ln>
-                  <a:noFill/>
-                </a:ln>
-                <a:solidFill>
-                  <a:srgbClr val="ED7D31">
-                    <a:lumMod val="75000"/>
-                  </a:srgbClr>
-                </a:solidFill>
-                <a:effectLst/>
-                <a:uLnTx/>
-                <a:uFillTx/>
-                <a:latin typeface="Calibri"/>
-                <a:ea typeface="+mn-ea"/>
-                <a:cs typeface="+mn-cs"/>
-              </a:rPr>
-              <a:t>Organizations</a:t>
-            </a:r>
-          </a:p>
-        </p:txBody>
-      </p:sp>
     </p:spTree>
     <p:extLst>
       <p:ext uri="{BB962C8B-B14F-4D97-AF65-F5344CB8AC3E}">
-        <p14:creationId xmlns:p14="http://schemas.microsoft.com/office/powerpoint/2010/main" val="1783065024"/>
+        <p14:creationId xmlns:p14="http://schemas.microsoft.com/office/powerpoint/2010/main" val="3264095225"/>
       </p:ext>
     </p:extLst>
   </p:cSld>
